--- a/doc/Resilient Microservices.pptx
+++ b/doc/Resilient Microservices.pptx
@@ -14,19 +14,20 @@
     <p:sldId id="265" r:id="rId8"/>
     <p:sldId id="266" r:id="rId9"/>
     <p:sldId id="267" r:id="rId10"/>
-    <p:sldId id="268" r:id="rId11"/>
-    <p:sldId id="291" r:id="rId12"/>
-    <p:sldId id="292" r:id="rId13"/>
-    <p:sldId id="277" r:id="rId14"/>
-    <p:sldId id="307" r:id="rId15"/>
-    <p:sldId id="309" r:id="rId16"/>
-    <p:sldId id="308" r:id="rId17"/>
-    <p:sldId id="310" r:id="rId18"/>
-    <p:sldId id="297" r:id="rId19"/>
-    <p:sldId id="312" r:id="rId20"/>
-    <p:sldId id="280" r:id="rId21"/>
-    <p:sldId id="306" r:id="rId22"/>
-    <p:sldId id="305" r:id="rId23"/>
+    <p:sldId id="291" r:id="rId11"/>
+    <p:sldId id="292" r:id="rId12"/>
+    <p:sldId id="313" r:id="rId13"/>
+    <p:sldId id="314" r:id="rId14"/>
+    <p:sldId id="277" r:id="rId15"/>
+    <p:sldId id="307" r:id="rId16"/>
+    <p:sldId id="309" r:id="rId17"/>
+    <p:sldId id="308" r:id="rId18"/>
+    <p:sldId id="310" r:id="rId19"/>
+    <p:sldId id="297" r:id="rId20"/>
+    <p:sldId id="312" r:id="rId21"/>
+    <p:sldId id="280" r:id="rId22"/>
+    <p:sldId id="306" r:id="rId23"/>
+    <p:sldId id="305" r:id="rId24"/>
   </p:sldIdLst>
   <p:sldSz cx="9144000" cy="6858000" type="screen4x3"/>
   <p:notesSz cx="6858000" cy="9144000"/>
@@ -1442,14 +1443,19 @@
             <p:ph type="title"/>
           </p:nvPr>
         </p:nvSpPr>
-        <p:spPr/>
+        <p:spPr>
+          <a:xfrm>
+            <a:off x="685800" y="-171400"/>
+            <a:ext cx="7772400" cy="1066800"/>
+          </a:xfrm>
+        </p:spPr>
         <p:txBody>
           <a:bodyPr/>
           <a:lstStyle/>
           <a:p>
             <a:r>
               <a:rPr lang="de-DE" altLang="de-DE" dirty="0" smtClean="0"/>
-              <a:t>MS Area</a:t>
+              <a:t>Projekt</a:t>
             </a:r>
             <a:endParaRPr lang="de-DE" altLang="de-DE" dirty="0"/>
           </a:p>
@@ -1457,115 +1463,32 @@
       </p:sp>
       <p:sp>
         <p:nvSpPr>
-          <p:cNvPr id="29699" name="Rectangle 3"/>
-          <p:cNvSpPr>
-            <a:spLocks noGrp="1" noChangeArrowheads="1"/>
-          </p:cNvSpPr>
-          <p:nvPr>
-            <p:ph type="body" idx="1"/>
-          </p:nvPr>
-        </p:nvSpPr>
-        <p:spPr>
-          <a:xfrm>
-            <a:off x="251520" y="1524000"/>
-            <a:ext cx="8640960" cy="2265040"/>
-          </a:xfrm>
-        </p:spPr>
-        <p:txBody>
-          <a:bodyPr/>
-          <a:lstStyle/>
-          <a:p>
-            <a:r>
-              <a:rPr lang="de-DE" dirty="0" smtClean="0"/>
-              <a:t>Mehrere MS unterschiedlicher Ausprägung </a:t>
-            </a:r>
-            <a:br>
-              <a:rPr lang="de-DE" dirty="0" smtClean="0"/>
-            </a:br>
-            <a:r>
-              <a:rPr lang="de-DE" dirty="0" smtClean="0">
-                <a:sym typeface="Wingdings"/>
-              </a:rPr>
-              <a:t> </a:t>
-            </a:r>
-            <a:r>
-              <a:rPr lang="de-DE" dirty="0" smtClean="0"/>
-              <a:t>Abbildung der Funktionalität</a:t>
-            </a:r>
-          </a:p>
-          <a:p>
-            <a:r>
-              <a:rPr lang="de-DE" dirty="0" smtClean="0"/>
-              <a:t>Mehrere MS der gleichen Ausprägung</a:t>
-            </a:r>
-            <a:br>
-              <a:rPr lang="de-DE" dirty="0" smtClean="0"/>
-            </a:br>
-            <a:r>
-              <a:rPr lang="de-DE" dirty="0" smtClean="0">
-                <a:sym typeface="Wingdings"/>
-              </a:rPr>
-              <a:t></a:t>
-            </a:r>
-            <a:r>
-              <a:rPr lang="de-DE" dirty="0" smtClean="0"/>
-              <a:t>Skalierung</a:t>
-            </a:r>
-          </a:p>
-        </p:txBody>
-      </p:sp>
-      <p:pic>
-        <p:nvPicPr>
-          <p:cNvPr id="35842" name="Picture 2"/>
-          <p:cNvPicPr>
-            <a:picLocks noChangeAspect="1" noChangeArrowheads="1"/>
-          </p:cNvPicPr>
-          <p:nvPr/>
-        </p:nvPicPr>
-        <p:blipFill>
-          <a:blip r:embed="rId2">
-            <a:extLst>
-              <a:ext uri="{28A0092B-C50C-407E-A947-70E740481C1C}">
-                <a14:useLocalDpi xmlns:a14="http://schemas.microsoft.com/office/drawing/2010/main" val="0"/>
-              </a:ext>
-            </a:extLst>
-          </a:blip>
-          <a:srcRect/>
-          <a:stretch>
-            <a:fillRect/>
-          </a:stretch>
-        </p:blipFill>
+          <p:cNvPr id="3" name="Rechteck 2"/>
+          <p:cNvSpPr/>
+          <p:nvPr/>
+        </p:nvSpPr>
         <p:spPr bwMode="auto">
           <a:xfrm>
-            <a:off x="1319212" y="4149080"/>
-            <a:ext cx="6505575" cy="1695450"/>
+            <a:off x="3995936" y="836712"/>
+            <a:ext cx="1180931" cy="1218121"/>
           </a:xfrm>
           <a:prstGeom prst="rect">
             <a:avLst/>
           </a:prstGeom>
-          <a:noFill/>
-          <a:ln>
-            <a:noFill/>
+          <a:solidFill>
+            <a:schemeClr val="accent1"/>
+          </a:solidFill>
+          <a:ln w="9525" cap="flat" cmpd="sng" algn="ctr">
+            <a:solidFill>
+              <a:schemeClr val="tx1"/>
+            </a:solidFill>
+            <a:prstDash val="solid"/>
+            <a:round/>
+            <a:headEnd type="none" w="med" len="med"/>
+            <a:tailEnd type="none" w="med" len="med"/>
           </a:ln>
           <a:effectLst/>
           <a:extLst>
-            <a:ext uri="{909E8E84-426E-40DD-AFC4-6F175D3DCCD1}">
-              <a14:hiddenFill xmlns:a14="http://schemas.microsoft.com/office/drawing/2010/main">
-                <a:solidFill>
-                  <a:schemeClr val="accent1"/>
-                </a:solidFill>
-              </a14:hiddenFill>
-            </a:ext>
-            <a:ext uri="{91240B29-F687-4F45-9708-019B960494DF}">
-              <a14:hiddenLine xmlns:a14="http://schemas.microsoft.com/office/drawing/2010/main" w="9525">
-                <a:solidFill>
-                  <a:schemeClr val="tx1"/>
-                </a:solidFill>
-                <a:miter lim="800000"/>
-                <a:headEnd/>
-                <a:tailEnd/>
-              </a14:hiddenLine>
-            </a:ext>
             <a:ext uri="{AF507438-7753-43E0-B8FC-AC1667EBCBE1}">
               <a14:hiddenEffects xmlns:a14="http://schemas.microsoft.com/office/drawing/2010/main">
                 <a:effectLst>
@@ -1577,11 +1500,1491 @@
             </a:ext>
           </a:extLst>
         </p:spPr>
-      </p:pic>
+        <p:txBody>
+          <a:bodyPr vert="horz" wrap="square" lIns="91440" tIns="45720" rIns="91440" bIns="45720" numCol="1" rtlCol="0" anchor="t" anchorCtr="0" compatLnSpc="1">
+            <a:prstTxWarp prst="textNoShape">
+              <a:avLst/>
+            </a:prstTxWarp>
+          </a:bodyPr>
+          <a:lstStyle/>
+          <a:p>
+            <a:pPr marL="0" marR="0" indent="0" algn="ctr" defTabSz="914400" rtl="0" eaLnBrk="0" fontAlgn="base" latinLnBrk="0" hangingPunct="0">
+              <a:lnSpc>
+                <a:spcPct val="100000"/>
+              </a:lnSpc>
+              <a:spcBef>
+                <a:spcPct val="0"/>
+              </a:spcBef>
+              <a:spcAft>
+                <a:spcPct val="0"/>
+              </a:spcAft>
+              <a:buClrTx/>
+              <a:buSzTx/>
+              <a:buFontTx/>
+              <a:buNone/>
+              <a:tabLst/>
+            </a:pPr>
+            <a:r>
+              <a:rPr kumimoji="0" lang="de-DE" sz="1200" b="0" i="0" u="none" strike="noStrike" cap="none" normalizeH="0" baseline="0" dirty="0" smtClean="0">
+                <a:ln>
+                  <a:noFill/>
+                </a:ln>
+                <a:solidFill>
+                  <a:schemeClr val="tx1"/>
+                </a:solidFill>
+                <a:effectLst/>
+                <a:latin typeface="Arial" charset="0"/>
+                <a:ea typeface="ＭＳ Ｐゴシック" pitchFamily="-110" charset="-128"/>
+              </a:rPr>
+              <a:t>Main</a:t>
+            </a:r>
+          </a:p>
+        </p:txBody>
+      </p:sp>
+      <p:sp>
+        <p:nvSpPr>
+          <p:cNvPr id="6" name="Flussdiagramm: Zentralspeicher 5"/>
+          <p:cNvSpPr/>
+          <p:nvPr/>
+        </p:nvSpPr>
+        <p:spPr>
+          <a:xfrm>
+            <a:off x="4181181" y="1242752"/>
+            <a:ext cx="815326" cy="593563"/>
+          </a:xfrm>
+          <a:prstGeom prst="flowChartInternalStorage">
+            <a:avLst/>
+          </a:prstGeom>
+          <a:solidFill>
+            <a:schemeClr val="tx1">
+              <a:lumMod val="75000"/>
+            </a:schemeClr>
+          </a:solidFill>
+          <a:ln>
+            <a:solidFill>
+              <a:schemeClr val="bg1">
+                <a:lumMod val="85000"/>
+              </a:schemeClr>
+            </a:solidFill>
+          </a:ln>
+          <a:effectLst/>
+        </p:spPr>
+        <p:style>
+          <a:lnRef idx="1">
+            <a:schemeClr val="accent3"/>
+          </a:lnRef>
+          <a:fillRef idx="2">
+            <a:schemeClr val="accent3"/>
+          </a:fillRef>
+          <a:effectRef idx="1">
+            <a:schemeClr val="accent3"/>
+          </a:effectRef>
+          <a:fontRef idx="minor">
+            <a:schemeClr val="dk1"/>
+          </a:fontRef>
+        </p:style>
+        <p:txBody>
+          <a:bodyPr rtlCol="0" anchor="ctr"/>
+          <a:lstStyle/>
+          <a:p>
+            <a:pPr algn="ctr"/>
+            <a:endParaRPr lang="de-DE" dirty="0"/>
+          </a:p>
+        </p:txBody>
+      </p:sp>
+      <p:sp>
+        <p:nvSpPr>
+          <p:cNvPr id="7" name="Rechteck 6"/>
+          <p:cNvSpPr/>
+          <p:nvPr/>
+        </p:nvSpPr>
+        <p:spPr bwMode="auto">
+          <a:xfrm>
+            <a:off x="872108" y="2448917"/>
+            <a:ext cx="1180931" cy="2204219"/>
+          </a:xfrm>
+          <a:prstGeom prst="rect">
+            <a:avLst/>
+          </a:prstGeom>
+          <a:solidFill>
+            <a:schemeClr val="accent1"/>
+          </a:solidFill>
+          <a:ln w="9525" cap="flat" cmpd="sng" algn="ctr">
+            <a:solidFill>
+              <a:schemeClr val="tx1">
+                <a:alpha val="67000"/>
+              </a:schemeClr>
+            </a:solidFill>
+            <a:prstDash val="solid"/>
+            <a:round/>
+            <a:headEnd type="none" w="med" len="med"/>
+            <a:tailEnd type="none" w="med" len="med"/>
+          </a:ln>
+          <a:effectLst/>
+          <a:extLst>
+            <a:ext uri="{AF507438-7753-43E0-B8FC-AC1667EBCBE1}">
+              <a14:hiddenEffects xmlns:a14="http://schemas.microsoft.com/office/drawing/2010/main">
+                <a:effectLst>
+                  <a:outerShdw dist="35921" dir="2700000" algn="ctr" rotWithShape="0">
+                    <a:schemeClr val="bg2"/>
+                  </a:outerShdw>
+                </a:effectLst>
+              </a14:hiddenEffects>
+            </a:ext>
+          </a:extLst>
+        </p:spPr>
+        <p:txBody>
+          <a:bodyPr vert="horz" wrap="square" lIns="91440" tIns="45720" rIns="91440" bIns="45720" numCol="1" rtlCol="0" anchor="t" anchorCtr="0" compatLnSpc="1">
+            <a:prstTxWarp prst="textNoShape">
+              <a:avLst/>
+            </a:prstTxWarp>
+          </a:bodyPr>
+          <a:lstStyle/>
+          <a:p>
+            <a:pPr marL="0" marR="0" indent="0" algn="ctr" defTabSz="914400" rtl="0" eaLnBrk="0" fontAlgn="base" latinLnBrk="0" hangingPunct="0">
+              <a:lnSpc>
+                <a:spcPct val="100000"/>
+              </a:lnSpc>
+              <a:spcBef>
+                <a:spcPct val="0"/>
+              </a:spcBef>
+              <a:spcAft>
+                <a:spcPct val="0"/>
+              </a:spcAft>
+              <a:buClrTx/>
+              <a:buSzTx/>
+              <a:buFontTx/>
+              <a:buNone/>
+              <a:tabLst/>
+            </a:pPr>
+            <a:r>
+              <a:rPr kumimoji="0" lang="de-DE" sz="1200" b="1" i="0" u="none" strike="noStrike" cap="none" normalizeH="0" baseline="0" dirty="0" smtClean="0">
+                <a:ln>
+                  <a:noFill/>
+                </a:ln>
+                <a:solidFill>
+                  <a:schemeClr val="tx1"/>
+                </a:solidFill>
+                <a:effectLst/>
+                <a:latin typeface="Arial" charset="0"/>
+                <a:ea typeface="ＭＳ Ｐゴシック" pitchFamily="-110" charset="-128"/>
+              </a:rPr>
+              <a:t>Content</a:t>
+            </a:r>
+          </a:p>
+        </p:txBody>
+      </p:sp>
+      <p:sp>
+        <p:nvSpPr>
+          <p:cNvPr id="8" name="Flussdiagramm: Zentralspeicher 7"/>
+          <p:cNvSpPr/>
+          <p:nvPr/>
+        </p:nvSpPr>
+        <p:spPr>
+          <a:xfrm>
+            <a:off x="1116789" y="2783446"/>
+            <a:ext cx="691570" cy="477552"/>
+          </a:xfrm>
+          <a:prstGeom prst="flowChartInternalStorage">
+            <a:avLst/>
+          </a:prstGeom>
+          <a:solidFill>
+            <a:schemeClr val="tx1">
+              <a:lumMod val="75000"/>
+            </a:schemeClr>
+          </a:solidFill>
+          <a:ln>
+            <a:solidFill>
+              <a:schemeClr val="bg1">
+                <a:lumMod val="85000"/>
+              </a:schemeClr>
+            </a:solidFill>
+          </a:ln>
+          <a:effectLst/>
+        </p:spPr>
+        <p:style>
+          <a:lnRef idx="1">
+            <a:schemeClr val="accent3"/>
+          </a:lnRef>
+          <a:fillRef idx="2">
+            <a:schemeClr val="accent3"/>
+          </a:fillRef>
+          <a:effectRef idx="1">
+            <a:schemeClr val="accent3"/>
+          </a:effectRef>
+          <a:fontRef idx="minor">
+            <a:schemeClr val="dk1"/>
+          </a:fontRef>
+        </p:style>
+        <p:txBody>
+          <a:bodyPr rtlCol="0" anchor="ctr"/>
+          <a:lstStyle/>
+          <a:p>
+            <a:pPr algn="ctr"/>
+            <a:endParaRPr lang="de-DE" dirty="0"/>
+          </a:p>
+        </p:txBody>
+      </p:sp>
+      <p:sp>
+        <p:nvSpPr>
+          <p:cNvPr id="9" name="Flussdiagramm: Zusammenführung 8"/>
+          <p:cNvSpPr/>
+          <p:nvPr/>
+        </p:nvSpPr>
+        <p:spPr>
+          <a:xfrm>
+            <a:off x="1128620" y="3377009"/>
+            <a:ext cx="629186" cy="580058"/>
+          </a:xfrm>
+          <a:prstGeom prst="flowChartSummingJunction">
+            <a:avLst/>
+          </a:prstGeom>
+          <a:solidFill>
+            <a:schemeClr val="tx1">
+              <a:lumMod val="75000"/>
+            </a:schemeClr>
+          </a:solidFill>
+          <a:ln>
+            <a:solidFill>
+              <a:schemeClr val="bg1">
+                <a:lumMod val="85000"/>
+              </a:schemeClr>
+            </a:solidFill>
+          </a:ln>
+          <a:effectLst/>
+        </p:spPr>
+        <p:style>
+          <a:lnRef idx="1">
+            <a:schemeClr val="accent3"/>
+          </a:lnRef>
+          <a:fillRef idx="2">
+            <a:schemeClr val="accent3"/>
+          </a:fillRef>
+          <a:effectRef idx="1">
+            <a:schemeClr val="accent3"/>
+          </a:effectRef>
+          <a:fontRef idx="minor">
+            <a:schemeClr val="dk1"/>
+          </a:fontRef>
+        </p:style>
+        <p:txBody>
+          <a:bodyPr rtlCol="0" anchor="ctr"/>
+          <a:lstStyle/>
+          <a:p>
+            <a:pPr algn="ctr"/>
+            <a:endParaRPr lang="de-DE"/>
+          </a:p>
+        </p:txBody>
+      </p:sp>
+      <p:sp>
+        <p:nvSpPr>
+          <p:cNvPr id="10" name="Flussdiagramm: Magnetplattenspeicher 9"/>
+          <p:cNvSpPr/>
+          <p:nvPr/>
+        </p:nvSpPr>
+        <p:spPr>
+          <a:xfrm>
+            <a:off x="1128621" y="4073078"/>
+            <a:ext cx="629186" cy="464046"/>
+          </a:xfrm>
+          <a:prstGeom prst="flowChartMagneticDisk">
+            <a:avLst/>
+          </a:prstGeom>
+          <a:solidFill>
+            <a:schemeClr val="tx1">
+              <a:lumMod val="75000"/>
+            </a:schemeClr>
+          </a:solidFill>
+          <a:ln>
+            <a:solidFill>
+              <a:schemeClr val="bg1">
+                <a:lumMod val="85000"/>
+              </a:schemeClr>
+            </a:solidFill>
+          </a:ln>
+          <a:effectLst/>
+        </p:spPr>
+        <p:style>
+          <a:lnRef idx="1">
+            <a:schemeClr val="accent3"/>
+          </a:lnRef>
+          <a:fillRef idx="2">
+            <a:schemeClr val="accent3"/>
+          </a:fillRef>
+          <a:effectRef idx="1">
+            <a:schemeClr val="accent3"/>
+          </a:effectRef>
+          <a:fontRef idx="minor">
+            <a:schemeClr val="dk1"/>
+          </a:fontRef>
+        </p:style>
+        <p:txBody>
+          <a:bodyPr rtlCol="0" anchor="ctr"/>
+          <a:lstStyle/>
+          <a:p>
+            <a:pPr algn="ctr"/>
+            <a:endParaRPr lang="de-DE"/>
+          </a:p>
+        </p:txBody>
+      </p:sp>
+      <p:sp>
+        <p:nvSpPr>
+          <p:cNvPr id="11" name="Rechteck 10"/>
+          <p:cNvSpPr/>
+          <p:nvPr/>
+        </p:nvSpPr>
+        <p:spPr bwMode="auto">
+          <a:xfrm>
+            <a:off x="3995936" y="2448917"/>
+            <a:ext cx="1180931" cy="2204219"/>
+          </a:xfrm>
+          <a:prstGeom prst="rect">
+            <a:avLst/>
+          </a:prstGeom>
+          <a:solidFill>
+            <a:schemeClr val="accent1"/>
+          </a:solidFill>
+          <a:ln w="9525" cap="flat" cmpd="sng" algn="ctr">
+            <a:solidFill>
+              <a:schemeClr val="tx1"/>
+            </a:solidFill>
+            <a:prstDash val="solid"/>
+            <a:round/>
+            <a:headEnd type="none" w="med" len="med"/>
+            <a:tailEnd type="none" w="med" len="med"/>
+          </a:ln>
+          <a:effectLst/>
+          <a:extLst>
+            <a:ext uri="{AF507438-7753-43E0-B8FC-AC1667EBCBE1}">
+              <a14:hiddenEffects xmlns:a14="http://schemas.microsoft.com/office/drawing/2010/main">
+                <a:effectLst>
+                  <a:outerShdw dist="35921" dir="2700000" algn="ctr" rotWithShape="0">
+                    <a:schemeClr val="bg2"/>
+                  </a:outerShdw>
+                </a:effectLst>
+              </a14:hiddenEffects>
+            </a:ext>
+          </a:extLst>
+        </p:spPr>
+        <p:txBody>
+          <a:bodyPr vert="horz" wrap="square" lIns="91440" tIns="45720" rIns="91440" bIns="45720" numCol="1" rtlCol="0" anchor="t" anchorCtr="0" compatLnSpc="1">
+            <a:prstTxWarp prst="textNoShape">
+              <a:avLst/>
+            </a:prstTxWarp>
+          </a:bodyPr>
+          <a:lstStyle/>
+          <a:p>
+            <a:pPr marL="0" marR="0" indent="0" algn="ctr" defTabSz="914400" rtl="0" eaLnBrk="0" fontAlgn="base" latinLnBrk="0" hangingPunct="0">
+              <a:lnSpc>
+                <a:spcPct val="100000"/>
+              </a:lnSpc>
+              <a:spcBef>
+                <a:spcPct val="0"/>
+              </a:spcBef>
+              <a:spcAft>
+                <a:spcPct val="0"/>
+              </a:spcAft>
+              <a:buClrTx/>
+              <a:buSzTx/>
+              <a:buFontTx/>
+              <a:buNone/>
+              <a:tabLst/>
+            </a:pPr>
+            <a:r>
+              <a:rPr kumimoji="0" lang="de-DE" sz="1200" b="1" i="0" u="none" strike="noStrike" cap="none" normalizeH="0" baseline="0" dirty="0" smtClean="0">
+                <a:ln>
+                  <a:noFill/>
+                </a:ln>
+                <a:solidFill>
+                  <a:schemeClr val="tx1"/>
+                </a:solidFill>
+                <a:effectLst/>
+                <a:latin typeface="Arial" charset="0"/>
+                <a:ea typeface="ＭＳ Ｐゴシック" pitchFamily="-110" charset="-128"/>
+              </a:rPr>
+              <a:t>Login</a:t>
+            </a:r>
+          </a:p>
+        </p:txBody>
+      </p:sp>
+      <p:sp>
+        <p:nvSpPr>
+          <p:cNvPr id="12" name="Flussdiagramm: Zentralspeicher 11"/>
+          <p:cNvSpPr/>
+          <p:nvPr/>
+        </p:nvSpPr>
+        <p:spPr>
+          <a:xfrm>
+            <a:off x="4226216" y="2783446"/>
+            <a:ext cx="691570" cy="477552"/>
+          </a:xfrm>
+          <a:prstGeom prst="flowChartInternalStorage">
+            <a:avLst/>
+          </a:prstGeom>
+          <a:solidFill>
+            <a:schemeClr val="tx1">
+              <a:lumMod val="75000"/>
+            </a:schemeClr>
+          </a:solidFill>
+          <a:ln>
+            <a:solidFill>
+              <a:schemeClr val="bg1">
+                <a:lumMod val="85000"/>
+              </a:schemeClr>
+            </a:solidFill>
+          </a:ln>
+          <a:effectLst/>
+        </p:spPr>
+        <p:style>
+          <a:lnRef idx="1">
+            <a:schemeClr val="accent3"/>
+          </a:lnRef>
+          <a:fillRef idx="2">
+            <a:schemeClr val="accent3"/>
+          </a:fillRef>
+          <a:effectRef idx="1">
+            <a:schemeClr val="accent3"/>
+          </a:effectRef>
+          <a:fontRef idx="minor">
+            <a:schemeClr val="dk1"/>
+          </a:fontRef>
+        </p:style>
+        <p:txBody>
+          <a:bodyPr rtlCol="0" anchor="ctr"/>
+          <a:lstStyle/>
+          <a:p>
+            <a:pPr algn="ctr"/>
+            <a:endParaRPr lang="de-DE" dirty="0"/>
+          </a:p>
+        </p:txBody>
+      </p:sp>
+      <p:sp>
+        <p:nvSpPr>
+          <p:cNvPr id="13" name="Flussdiagramm: Zusammenführung 12"/>
+          <p:cNvSpPr/>
+          <p:nvPr/>
+        </p:nvSpPr>
+        <p:spPr>
+          <a:xfrm>
+            <a:off x="4238047" y="3377009"/>
+            <a:ext cx="629186" cy="580058"/>
+          </a:xfrm>
+          <a:prstGeom prst="flowChartSummingJunction">
+            <a:avLst/>
+          </a:prstGeom>
+          <a:solidFill>
+            <a:schemeClr val="tx1">
+              <a:lumMod val="75000"/>
+            </a:schemeClr>
+          </a:solidFill>
+          <a:ln>
+            <a:solidFill>
+              <a:schemeClr val="bg1">
+                <a:lumMod val="85000"/>
+              </a:schemeClr>
+            </a:solidFill>
+          </a:ln>
+          <a:effectLst/>
+        </p:spPr>
+        <p:style>
+          <a:lnRef idx="1">
+            <a:schemeClr val="accent3"/>
+          </a:lnRef>
+          <a:fillRef idx="2">
+            <a:schemeClr val="accent3"/>
+          </a:fillRef>
+          <a:effectRef idx="1">
+            <a:schemeClr val="accent3"/>
+          </a:effectRef>
+          <a:fontRef idx="minor">
+            <a:schemeClr val="dk1"/>
+          </a:fontRef>
+        </p:style>
+        <p:txBody>
+          <a:bodyPr rtlCol="0" anchor="ctr"/>
+          <a:lstStyle/>
+          <a:p>
+            <a:pPr algn="ctr"/>
+            <a:endParaRPr lang="de-DE"/>
+          </a:p>
+        </p:txBody>
+      </p:sp>
+      <p:sp>
+        <p:nvSpPr>
+          <p:cNvPr id="14" name="Flussdiagramm: Magnetplattenspeicher 13"/>
+          <p:cNvSpPr/>
+          <p:nvPr/>
+        </p:nvSpPr>
+        <p:spPr>
+          <a:xfrm>
+            <a:off x="4238048" y="4073078"/>
+            <a:ext cx="629186" cy="464046"/>
+          </a:xfrm>
+          <a:prstGeom prst="flowChartMagneticDisk">
+            <a:avLst/>
+          </a:prstGeom>
+          <a:solidFill>
+            <a:schemeClr val="tx1">
+              <a:lumMod val="75000"/>
+            </a:schemeClr>
+          </a:solidFill>
+          <a:ln>
+            <a:solidFill>
+              <a:schemeClr val="bg1">
+                <a:lumMod val="95000"/>
+              </a:schemeClr>
+            </a:solidFill>
+          </a:ln>
+          <a:effectLst/>
+        </p:spPr>
+        <p:style>
+          <a:lnRef idx="1">
+            <a:schemeClr val="accent3"/>
+          </a:lnRef>
+          <a:fillRef idx="2">
+            <a:schemeClr val="accent3"/>
+          </a:fillRef>
+          <a:effectRef idx="1">
+            <a:schemeClr val="accent3"/>
+          </a:effectRef>
+          <a:fontRef idx="minor">
+            <a:schemeClr val="dk1"/>
+          </a:fontRef>
+        </p:style>
+        <p:txBody>
+          <a:bodyPr rtlCol="0" anchor="ctr"/>
+          <a:lstStyle/>
+          <a:p>
+            <a:pPr algn="ctr"/>
+            <a:endParaRPr lang="de-DE"/>
+          </a:p>
+        </p:txBody>
+      </p:sp>
+      <p:sp>
+        <p:nvSpPr>
+          <p:cNvPr id="15" name="Rechteck 14"/>
+          <p:cNvSpPr/>
+          <p:nvPr/>
+        </p:nvSpPr>
+        <p:spPr bwMode="auto">
+          <a:xfrm>
+            <a:off x="6933862" y="2448917"/>
+            <a:ext cx="1180931" cy="2204219"/>
+          </a:xfrm>
+          <a:prstGeom prst="rect">
+            <a:avLst/>
+          </a:prstGeom>
+          <a:solidFill>
+            <a:schemeClr val="accent1"/>
+          </a:solidFill>
+          <a:ln w="9525" cap="flat" cmpd="sng" algn="ctr">
+            <a:solidFill>
+              <a:schemeClr val="tx1"/>
+            </a:solidFill>
+            <a:prstDash val="solid"/>
+            <a:round/>
+            <a:headEnd type="none" w="med" len="med"/>
+            <a:tailEnd type="none" w="med" len="med"/>
+          </a:ln>
+          <a:effectLst/>
+          <a:extLst>
+            <a:ext uri="{AF507438-7753-43E0-B8FC-AC1667EBCBE1}">
+              <a14:hiddenEffects xmlns:a14="http://schemas.microsoft.com/office/drawing/2010/main">
+                <a:effectLst>
+                  <a:outerShdw dist="35921" dir="2700000" algn="ctr" rotWithShape="0">
+                    <a:schemeClr val="bg2"/>
+                  </a:outerShdw>
+                </a:effectLst>
+              </a14:hiddenEffects>
+            </a:ext>
+          </a:extLst>
+        </p:spPr>
+        <p:txBody>
+          <a:bodyPr vert="horz" wrap="square" lIns="91440" tIns="45720" rIns="91440" bIns="45720" numCol="1" rtlCol="0" anchor="t" anchorCtr="0" compatLnSpc="1">
+            <a:prstTxWarp prst="textNoShape">
+              <a:avLst/>
+            </a:prstTxWarp>
+          </a:bodyPr>
+          <a:lstStyle/>
+          <a:p>
+            <a:pPr marL="0" marR="0" indent="0" algn="ctr" defTabSz="914400" rtl="0" eaLnBrk="0" fontAlgn="base" latinLnBrk="0" hangingPunct="0">
+              <a:lnSpc>
+                <a:spcPct val="100000"/>
+              </a:lnSpc>
+              <a:spcBef>
+                <a:spcPct val="0"/>
+              </a:spcBef>
+              <a:spcAft>
+                <a:spcPct val="0"/>
+              </a:spcAft>
+              <a:buClrTx/>
+              <a:buSzTx/>
+              <a:buFontTx/>
+              <a:buNone/>
+              <a:tabLst/>
+            </a:pPr>
+            <a:r>
+              <a:rPr kumimoji="0" lang="de-DE" sz="1200" b="1" i="0" u="none" strike="noStrike" cap="none" normalizeH="0" baseline="0" dirty="0" smtClean="0">
+                <a:ln>
+                  <a:noFill/>
+                </a:ln>
+                <a:solidFill>
+                  <a:schemeClr val="tx1"/>
+                </a:solidFill>
+                <a:effectLst/>
+                <a:latin typeface="Arial" charset="0"/>
+                <a:ea typeface="ＭＳ Ｐゴシック" pitchFamily="-110" charset="-128"/>
+              </a:rPr>
+              <a:t>Registration</a:t>
+            </a:r>
+          </a:p>
+        </p:txBody>
+      </p:sp>
+      <p:sp>
+        <p:nvSpPr>
+          <p:cNvPr id="16" name="Flussdiagramm: Zentralspeicher 15"/>
+          <p:cNvSpPr/>
+          <p:nvPr/>
+        </p:nvSpPr>
+        <p:spPr>
+          <a:xfrm>
+            <a:off x="7178543" y="2783446"/>
+            <a:ext cx="691570" cy="477552"/>
+          </a:xfrm>
+          <a:prstGeom prst="flowChartInternalStorage">
+            <a:avLst/>
+          </a:prstGeom>
+          <a:solidFill>
+            <a:schemeClr val="tx1">
+              <a:lumMod val="75000"/>
+            </a:schemeClr>
+          </a:solidFill>
+          <a:ln>
+            <a:solidFill>
+              <a:schemeClr val="bg1">
+                <a:lumMod val="85000"/>
+              </a:schemeClr>
+            </a:solidFill>
+          </a:ln>
+          <a:effectLst/>
+        </p:spPr>
+        <p:style>
+          <a:lnRef idx="1">
+            <a:schemeClr val="accent3"/>
+          </a:lnRef>
+          <a:fillRef idx="2">
+            <a:schemeClr val="accent3"/>
+          </a:fillRef>
+          <a:effectRef idx="1">
+            <a:schemeClr val="accent3"/>
+          </a:effectRef>
+          <a:fontRef idx="minor">
+            <a:schemeClr val="dk1"/>
+          </a:fontRef>
+        </p:style>
+        <p:txBody>
+          <a:bodyPr rtlCol="0" anchor="ctr"/>
+          <a:lstStyle/>
+          <a:p>
+            <a:pPr algn="ctr"/>
+            <a:endParaRPr lang="de-DE" dirty="0"/>
+          </a:p>
+        </p:txBody>
+      </p:sp>
+      <p:sp>
+        <p:nvSpPr>
+          <p:cNvPr id="17" name="Flussdiagramm: Zusammenführung 16"/>
+          <p:cNvSpPr/>
+          <p:nvPr/>
+        </p:nvSpPr>
+        <p:spPr>
+          <a:xfrm>
+            <a:off x="7190374" y="3377009"/>
+            <a:ext cx="629186" cy="580058"/>
+          </a:xfrm>
+          <a:prstGeom prst="flowChartSummingJunction">
+            <a:avLst/>
+          </a:prstGeom>
+          <a:solidFill>
+            <a:schemeClr val="tx1">
+              <a:lumMod val="75000"/>
+            </a:schemeClr>
+          </a:solidFill>
+          <a:ln>
+            <a:solidFill>
+              <a:schemeClr val="bg1">
+                <a:lumMod val="85000"/>
+              </a:schemeClr>
+            </a:solidFill>
+          </a:ln>
+          <a:effectLst/>
+        </p:spPr>
+        <p:style>
+          <a:lnRef idx="1">
+            <a:schemeClr val="accent3"/>
+          </a:lnRef>
+          <a:fillRef idx="2">
+            <a:schemeClr val="accent3"/>
+          </a:fillRef>
+          <a:effectRef idx="1">
+            <a:schemeClr val="accent3"/>
+          </a:effectRef>
+          <a:fontRef idx="minor">
+            <a:schemeClr val="dk1"/>
+          </a:fontRef>
+        </p:style>
+        <p:txBody>
+          <a:bodyPr rtlCol="0" anchor="ctr"/>
+          <a:lstStyle/>
+          <a:p>
+            <a:pPr algn="ctr"/>
+            <a:endParaRPr lang="de-DE"/>
+          </a:p>
+        </p:txBody>
+      </p:sp>
+      <p:sp>
+        <p:nvSpPr>
+          <p:cNvPr id="18" name="Flussdiagramm: Magnetplattenspeicher 17"/>
+          <p:cNvSpPr/>
+          <p:nvPr/>
+        </p:nvSpPr>
+        <p:spPr>
+          <a:xfrm>
+            <a:off x="7190375" y="4073078"/>
+            <a:ext cx="629186" cy="464046"/>
+          </a:xfrm>
+          <a:prstGeom prst="flowChartMagneticDisk">
+            <a:avLst/>
+          </a:prstGeom>
+          <a:solidFill>
+            <a:schemeClr val="tx1">
+              <a:lumMod val="75000"/>
+            </a:schemeClr>
+          </a:solidFill>
+          <a:ln>
+            <a:solidFill>
+              <a:schemeClr val="bg1">
+                <a:lumMod val="95000"/>
+              </a:schemeClr>
+            </a:solidFill>
+          </a:ln>
+          <a:effectLst/>
+        </p:spPr>
+        <p:style>
+          <a:lnRef idx="1">
+            <a:schemeClr val="accent3"/>
+          </a:lnRef>
+          <a:fillRef idx="2">
+            <a:schemeClr val="accent3"/>
+          </a:fillRef>
+          <a:effectRef idx="1">
+            <a:schemeClr val="accent3"/>
+          </a:effectRef>
+          <a:fontRef idx="minor">
+            <a:schemeClr val="dk1"/>
+          </a:fontRef>
+        </p:style>
+        <p:txBody>
+          <a:bodyPr rtlCol="0" anchor="ctr"/>
+          <a:lstStyle/>
+          <a:p>
+            <a:pPr algn="ctr"/>
+            <a:endParaRPr lang="de-DE"/>
+          </a:p>
+        </p:txBody>
+      </p:sp>
+      <p:cxnSp>
+        <p:nvCxnSpPr>
+          <p:cNvPr id="5" name="Gerade Verbindung mit Pfeil 4"/>
+          <p:cNvCxnSpPr>
+            <a:stCxn id="3" idx="1"/>
+            <a:endCxn id="7" idx="0"/>
+          </p:cNvCxnSpPr>
+          <p:nvPr/>
+        </p:nvCxnSpPr>
+        <p:spPr bwMode="auto">
+          <a:xfrm flipH="1">
+            <a:off x="1462574" y="1445773"/>
+            <a:ext cx="2533362" cy="1003144"/>
+          </a:xfrm>
+          <a:prstGeom prst="straightConnector1">
+            <a:avLst/>
+          </a:prstGeom>
+          <a:solidFill>
+            <a:schemeClr val="accent1"/>
+          </a:solidFill>
+          <a:ln w="28575" cap="flat" cmpd="sng" algn="ctr">
+            <a:solidFill>
+              <a:schemeClr val="tx1"/>
+            </a:solidFill>
+            <a:prstDash val="solid"/>
+            <a:round/>
+            <a:headEnd type="none" w="med" len="med"/>
+            <a:tailEnd type="arrow"/>
+          </a:ln>
+          <a:effectLst/>
+          <a:extLst>
+            <a:ext uri="{AF507438-7753-43E0-B8FC-AC1667EBCBE1}">
+              <a14:hiddenEffects xmlns:a14="http://schemas.microsoft.com/office/drawing/2010/main">
+                <a:effectLst>
+                  <a:outerShdw dist="35921" dir="2700000" algn="ctr" rotWithShape="0">
+                    <a:schemeClr val="bg2"/>
+                  </a:outerShdw>
+                </a:effectLst>
+              </a14:hiddenEffects>
+            </a:ext>
+          </a:extLst>
+        </p:spPr>
+      </p:cxnSp>
+      <p:cxnSp>
+        <p:nvCxnSpPr>
+          <p:cNvPr id="21" name="Gerade Verbindung mit Pfeil 20"/>
+          <p:cNvCxnSpPr>
+            <a:stCxn id="3" idx="2"/>
+            <a:endCxn id="11" idx="0"/>
+          </p:cNvCxnSpPr>
+          <p:nvPr/>
+        </p:nvCxnSpPr>
+        <p:spPr bwMode="auto">
+          <a:xfrm>
+            <a:off x="4586402" y="2054833"/>
+            <a:ext cx="0" cy="394084"/>
+          </a:xfrm>
+          <a:prstGeom prst="straightConnector1">
+            <a:avLst/>
+          </a:prstGeom>
+          <a:solidFill>
+            <a:schemeClr val="accent1"/>
+          </a:solidFill>
+          <a:ln w="28575" cap="flat" cmpd="sng" algn="ctr">
+            <a:solidFill>
+              <a:schemeClr val="tx1"/>
+            </a:solidFill>
+            <a:prstDash val="solid"/>
+            <a:round/>
+            <a:headEnd type="none" w="med" len="med"/>
+            <a:tailEnd type="arrow"/>
+          </a:ln>
+          <a:effectLst/>
+          <a:extLst>
+            <a:ext uri="{AF507438-7753-43E0-B8FC-AC1667EBCBE1}">
+              <a14:hiddenEffects xmlns:a14="http://schemas.microsoft.com/office/drawing/2010/main">
+                <a:effectLst>
+                  <a:outerShdw dist="35921" dir="2700000" algn="ctr" rotWithShape="0">
+                    <a:schemeClr val="bg2"/>
+                  </a:outerShdw>
+                </a:effectLst>
+              </a14:hiddenEffects>
+            </a:ext>
+          </a:extLst>
+        </p:spPr>
+      </p:cxnSp>
+      <p:cxnSp>
+        <p:nvCxnSpPr>
+          <p:cNvPr id="24" name="Gerade Verbindung mit Pfeil 23"/>
+          <p:cNvCxnSpPr>
+            <a:stCxn id="3" idx="3"/>
+            <a:endCxn id="15" idx="0"/>
+          </p:cNvCxnSpPr>
+          <p:nvPr/>
+        </p:nvCxnSpPr>
+        <p:spPr bwMode="auto">
+          <a:xfrm>
+            <a:off x="5176867" y="1445773"/>
+            <a:ext cx="2347461" cy="1003144"/>
+          </a:xfrm>
+          <a:prstGeom prst="straightConnector1">
+            <a:avLst/>
+          </a:prstGeom>
+          <a:solidFill>
+            <a:schemeClr val="accent1"/>
+          </a:solidFill>
+          <a:ln w="28575" cap="flat" cmpd="sng" algn="ctr">
+            <a:solidFill>
+              <a:schemeClr val="tx1"/>
+            </a:solidFill>
+            <a:prstDash val="solid"/>
+            <a:round/>
+            <a:headEnd type="none" w="med" len="med"/>
+            <a:tailEnd type="arrow"/>
+          </a:ln>
+          <a:effectLst/>
+          <a:extLst>
+            <a:ext uri="{AF507438-7753-43E0-B8FC-AC1667EBCBE1}">
+              <a14:hiddenEffects xmlns:a14="http://schemas.microsoft.com/office/drawing/2010/main">
+                <a:effectLst>
+                  <a:outerShdw dist="35921" dir="2700000" algn="ctr" rotWithShape="0">
+                    <a:schemeClr val="bg2"/>
+                  </a:outerShdw>
+                </a:effectLst>
+              </a14:hiddenEffects>
+            </a:ext>
+          </a:extLst>
+        </p:spPr>
+      </p:cxnSp>
+      <p:cxnSp>
+        <p:nvCxnSpPr>
+          <p:cNvPr id="29" name="Gerade Verbindung mit Pfeil 28"/>
+          <p:cNvCxnSpPr>
+            <a:stCxn id="11" idx="1"/>
+            <a:endCxn id="7" idx="3"/>
+          </p:cNvCxnSpPr>
+          <p:nvPr/>
+        </p:nvCxnSpPr>
+        <p:spPr bwMode="auto">
+          <a:xfrm flipH="1">
+            <a:off x="2053039" y="3551027"/>
+            <a:ext cx="1942897" cy="0"/>
+          </a:xfrm>
+          <a:prstGeom prst="straightConnector1">
+            <a:avLst/>
+          </a:prstGeom>
+          <a:solidFill>
+            <a:schemeClr val="accent1"/>
+          </a:solidFill>
+          <a:ln w="28575" cap="flat" cmpd="sng" algn="ctr">
+            <a:solidFill>
+              <a:schemeClr val="tx1"/>
+            </a:solidFill>
+            <a:prstDash val="solid"/>
+            <a:round/>
+            <a:headEnd type="none" w="med" len="med"/>
+            <a:tailEnd type="arrow"/>
+          </a:ln>
+          <a:effectLst/>
+          <a:extLst>
+            <a:ext uri="{AF507438-7753-43E0-B8FC-AC1667EBCBE1}">
+              <a14:hiddenEffects xmlns:a14="http://schemas.microsoft.com/office/drawing/2010/main">
+                <a:effectLst>
+                  <a:outerShdw dist="35921" dir="2700000" algn="ctr" rotWithShape="0">
+                    <a:schemeClr val="bg2"/>
+                  </a:outerShdw>
+                </a:effectLst>
+              </a14:hiddenEffects>
+            </a:ext>
+          </a:extLst>
+        </p:spPr>
+      </p:cxnSp>
+      <p:sp>
+        <p:nvSpPr>
+          <p:cNvPr id="25" name="Rechteck 24"/>
+          <p:cNvSpPr/>
+          <p:nvPr/>
+        </p:nvSpPr>
+        <p:spPr bwMode="auto">
+          <a:xfrm>
+            <a:off x="3995936" y="5379231"/>
+            <a:ext cx="1180931" cy="1218121"/>
+          </a:xfrm>
+          <a:prstGeom prst="rect">
+            <a:avLst/>
+          </a:prstGeom>
+          <a:solidFill>
+            <a:schemeClr val="accent1"/>
+          </a:solidFill>
+          <a:ln w="9525" cap="flat" cmpd="sng" algn="ctr">
+            <a:solidFill>
+              <a:schemeClr val="tx1"/>
+            </a:solidFill>
+            <a:prstDash val="solid"/>
+            <a:round/>
+            <a:headEnd type="none" w="med" len="med"/>
+            <a:tailEnd type="none" w="med" len="med"/>
+          </a:ln>
+          <a:effectLst/>
+          <a:extLst>
+            <a:ext uri="{AF507438-7753-43E0-B8FC-AC1667EBCBE1}">
+              <a14:hiddenEffects xmlns:a14="http://schemas.microsoft.com/office/drawing/2010/main">
+                <a:effectLst>
+                  <a:outerShdw dist="35921" dir="2700000" algn="ctr" rotWithShape="0">
+                    <a:schemeClr val="bg2"/>
+                  </a:outerShdw>
+                </a:effectLst>
+              </a14:hiddenEffects>
+            </a:ext>
+          </a:extLst>
+        </p:spPr>
+        <p:txBody>
+          <a:bodyPr vert="horz" wrap="square" lIns="91440" tIns="45720" rIns="91440" bIns="45720" numCol="1" rtlCol="0" anchor="t" anchorCtr="0" compatLnSpc="1">
+            <a:prstTxWarp prst="textNoShape">
+              <a:avLst/>
+            </a:prstTxWarp>
+          </a:bodyPr>
+          <a:lstStyle/>
+          <a:p>
+            <a:pPr marL="0" marR="0" indent="0" algn="ctr" defTabSz="914400" rtl="0" eaLnBrk="0" fontAlgn="base" latinLnBrk="0" hangingPunct="0">
+              <a:lnSpc>
+                <a:spcPct val="100000"/>
+              </a:lnSpc>
+              <a:spcBef>
+                <a:spcPct val="0"/>
+              </a:spcBef>
+              <a:spcAft>
+                <a:spcPct val="0"/>
+              </a:spcAft>
+              <a:buClrTx/>
+              <a:buSzTx/>
+              <a:buFontTx/>
+              <a:buNone/>
+              <a:tabLst/>
+            </a:pPr>
+            <a:r>
+              <a:rPr kumimoji="0" lang="de-DE" sz="1200" b="0" i="0" u="none" strike="noStrike" cap="none" normalizeH="0" baseline="0" dirty="0" err="1" smtClean="0">
+                <a:ln>
+                  <a:noFill/>
+                </a:ln>
+                <a:solidFill>
+                  <a:schemeClr val="tx1"/>
+                </a:solidFill>
+                <a:effectLst/>
+                <a:latin typeface="Arial" charset="0"/>
+                <a:ea typeface="ＭＳ Ｐゴシック" pitchFamily="-110" charset="-128"/>
+              </a:rPr>
+              <a:t>Aut</a:t>
+            </a:r>
+            <a:endParaRPr kumimoji="0" lang="de-DE" sz="1200" b="0" i="0" u="none" strike="noStrike" cap="none" normalizeH="0" baseline="0" dirty="0" smtClean="0">
+              <a:ln>
+                <a:noFill/>
+              </a:ln>
+              <a:solidFill>
+                <a:schemeClr val="tx1"/>
+              </a:solidFill>
+              <a:effectLst/>
+              <a:latin typeface="Arial" charset="0"/>
+              <a:ea typeface="ＭＳ Ｐゴシック" pitchFamily="-110" charset="-128"/>
+            </a:endParaRPr>
+          </a:p>
+        </p:txBody>
+      </p:sp>
+      <p:sp>
+        <p:nvSpPr>
+          <p:cNvPr id="28" name="Flussdiagramm: Zusammenführung 27"/>
+          <p:cNvSpPr/>
+          <p:nvPr/>
+        </p:nvSpPr>
+        <p:spPr>
+          <a:xfrm>
+            <a:off x="4283968" y="5805264"/>
+            <a:ext cx="629186" cy="580058"/>
+          </a:xfrm>
+          <a:prstGeom prst="flowChartSummingJunction">
+            <a:avLst/>
+          </a:prstGeom>
+          <a:solidFill>
+            <a:schemeClr val="bg2">
+              <a:lumMod val="75000"/>
+            </a:schemeClr>
+          </a:solidFill>
+          <a:ln>
+            <a:solidFill>
+              <a:schemeClr val="bg1">
+                <a:lumMod val="85000"/>
+              </a:schemeClr>
+            </a:solidFill>
+          </a:ln>
+          <a:effectLst/>
+        </p:spPr>
+        <p:style>
+          <a:lnRef idx="1">
+            <a:schemeClr val="accent3"/>
+          </a:lnRef>
+          <a:fillRef idx="2">
+            <a:schemeClr val="accent3"/>
+          </a:fillRef>
+          <a:effectRef idx="1">
+            <a:schemeClr val="accent3"/>
+          </a:effectRef>
+          <a:fontRef idx="minor">
+            <a:schemeClr val="dk1"/>
+          </a:fontRef>
+        </p:style>
+        <p:txBody>
+          <a:bodyPr rtlCol="0" anchor="ctr"/>
+          <a:lstStyle/>
+          <a:p>
+            <a:pPr algn="ctr"/>
+            <a:endParaRPr lang="de-DE">
+              <a:solidFill>
+                <a:schemeClr val="tx2">
+                  <a:lumMod val="50000"/>
+                  <a:lumOff val="50000"/>
+                </a:schemeClr>
+              </a:solidFill>
+            </a:endParaRPr>
+          </a:p>
+        </p:txBody>
+      </p:sp>
+      <p:sp>
+        <p:nvSpPr>
+          <p:cNvPr id="4" name="Flussdiagramm: Datenträger mit direktem Zugriff 3"/>
+          <p:cNvSpPr/>
+          <p:nvPr/>
+        </p:nvSpPr>
+        <p:spPr bwMode="auto">
+          <a:xfrm>
+            <a:off x="5462420" y="3284984"/>
+            <a:ext cx="1152128" cy="522051"/>
+          </a:xfrm>
+          <a:prstGeom prst="flowChartMagneticDrum">
+            <a:avLst/>
+          </a:prstGeom>
+          <a:solidFill>
+            <a:schemeClr val="accent1"/>
+          </a:solidFill>
+          <a:ln w="9525" cap="flat" cmpd="sng" algn="ctr">
+            <a:solidFill>
+              <a:schemeClr val="tx1"/>
+            </a:solidFill>
+            <a:prstDash val="solid"/>
+            <a:round/>
+            <a:headEnd type="none" w="med" len="med"/>
+            <a:tailEnd type="none" w="med" len="med"/>
+          </a:ln>
+          <a:effectLst/>
+          <a:extLst>
+            <a:ext uri="{AF507438-7753-43E0-B8FC-AC1667EBCBE1}">
+              <a14:hiddenEffects xmlns:a14="http://schemas.microsoft.com/office/drawing/2010/main">
+                <a:effectLst>
+                  <a:outerShdw dist="35921" dir="2700000" algn="ctr" rotWithShape="0">
+                    <a:schemeClr val="bg2"/>
+                  </a:outerShdw>
+                </a:effectLst>
+              </a14:hiddenEffects>
+            </a:ext>
+          </a:extLst>
+        </p:spPr>
+        <p:txBody>
+          <a:bodyPr vert="horz" wrap="square" lIns="91440" tIns="45720" rIns="91440" bIns="45720" numCol="1" rtlCol="0" anchor="t" anchorCtr="0" compatLnSpc="1">
+            <a:prstTxWarp prst="textNoShape">
+              <a:avLst/>
+            </a:prstTxWarp>
+          </a:bodyPr>
+          <a:lstStyle/>
+          <a:p>
+            <a:pPr marL="0" marR="0" indent="0" algn="l" defTabSz="914400" rtl="0" eaLnBrk="0" fontAlgn="base" latinLnBrk="0" hangingPunct="0">
+              <a:lnSpc>
+                <a:spcPct val="100000"/>
+              </a:lnSpc>
+              <a:spcBef>
+                <a:spcPct val="0"/>
+              </a:spcBef>
+              <a:spcAft>
+                <a:spcPct val="0"/>
+              </a:spcAft>
+              <a:buClrTx/>
+              <a:buSzTx/>
+              <a:buFontTx/>
+              <a:buNone/>
+              <a:tabLst/>
+            </a:pPr>
+            <a:r>
+              <a:rPr kumimoji="0" lang="de-DE" sz="1400" b="0" i="0" u="none" strike="noStrike" cap="none" normalizeH="0" baseline="0" dirty="0" smtClean="0">
+                <a:ln>
+                  <a:noFill/>
+                </a:ln>
+                <a:solidFill>
+                  <a:schemeClr val="tx1"/>
+                </a:solidFill>
+                <a:effectLst/>
+                <a:latin typeface="Arial" charset="0"/>
+                <a:ea typeface="ＭＳ Ｐゴシック" pitchFamily="-110" charset="-128"/>
+              </a:rPr>
+              <a:t>Account</a:t>
+            </a:r>
+          </a:p>
+        </p:txBody>
+      </p:sp>
+      <p:cxnSp>
+        <p:nvCxnSpPr>
+          <p:cNvPr id="30" name="Gerade Verbindung mit Pfeil 29"/>
+          <p:cNvCxnSpPr>
+            <a:stCxn id="15" idx="1"/>
+            <a:endCxn id="4" idx="4"/>
+          </p:cNvCxnSpPr>
+          <p:nvPr/>
+        </p:nvCxnSpPr>
+        <p:spPr bwMode="auto">
+          <a:xfrm flipH="1" flipV="1">
+            <a:off x="6614548" y="3546010"/>
+            <a:ext cx="319314" cy="5017"/>
+          </a:xfrm>
+          <a:prstGeom prst="straightConnector1">
+            <a:avLst/>
+          </a:prstGeom>
+          <a:solidFill>
+            <a:schemeClr val="accent1"/>
+          </a:solidFill>
+          <a:ln w="28575" cap="flat" cmpd="sng" algn="ctr">
+            <a:solidFill>
+              <a:schemeClr val="tx1"/>
+            </a:solidFill>
+            <a:prstDash val="solid"/>
+            <a:round/>
+            <a:headEnd type="none" w="med" len="med"/>
+            <a:tailEnd type="arrow"/>
+          </a:ln>
+          <a:effectLst/>
+          <a:extLst>
+            <a:ext uri="{AF507438-7753-43E0-B8FC-AC1667EBCBE1}">
+              <a14:hiddenEffects xmlns:a14="http://schemas.microsoft.com/office/drawing/2010/main">
+                <a:effectLst>
+                  <a:outerShdw dist="35921" dir="2700000" algn="ctr" rotWithShape="0">
+                    <a:schemeClr val="bg2"/>
+                  </a:outerShdw>
+                </a:effectLst>
+              </a14:hiddenEffects>
+            </a:ext>
+          </a:extLst>
+        </p:spPr>
+      </p:cxnSp>
+      <p:cxnSp>
+        <p:nvCxnSpPr>
+          <p:cNvPr id="33" name="Gerade Verbindung mit Pfeil 32"/>
+          <p:cNvCxnSpPr/>
+          <p:nvPr/>
+        </p:nvCxnSpPr>
+        <p:spPr bwMode="auto">
+          <a:xfrm flipH="1" flipV="1">
+            <a:off x="5138363" y="3541092"/>
+            <a:ext cx="319314" cy="4967"/>
+          </a:xfrm>
+          <a:prstGeom prst="straightConnector1">
+            <a:avLst/>
+          </a:prstGeom>
+          <a:solidFill>
+            <a:schemeClr val="accent1"/>
+          </a:solidFill>
+          <a:ln w="28575" cap="flat" cmpd="sng" algn="ctr">
+            <a:solidFill>
+              <a:schemeClr val="tx1"/>
+            </a:solidFill>
+            <a:prstDash val="solid"/>
+            <a:round/>
+            <a:headEnd type="none" w="med" len="med"/>
+            <a:tailEnd type="arrow"/>
+          </a:ln>
+          <a:effectLst/>
+          <a:extLst>
+            <a:ext uri="{AF507438-7753-43E0-B8FC-AC1667EBCBE1}">
+              <a14:hiddenEffects xmlns:a14="http://schemas.microsoft.com/office/drawing/2010/main">
+                <a:effectLst>
+                  <a:outerShdw dist="35921" dir="2700000" algn="ctr" rotWithShape="0">
+                    <a:schemeClr val="bg2"/>
+                  </a:outerShdw>
+                </a:effectLst>
+              </a14:hiddenEffects>
+            </a:ext>
+          </a:extLst>
+        </p:spPr>
+      </p:cxnSp>
+      <p:cxnSp>
+        <p:nvCxnSpPr>
+          <p:cNvPr id="37" name="Gerade Verbindung mit Pfeil 36"/>
+          <p:cNvCxnSpPr/>
+          <p:nvPr/>
+        </p:nvCxnSpPr>
+        <p:spPr bwMode="auto">
+          <a:xfrm flipV="1">
+            <a:off x="4300738" y="4653135"/>
+            <a:ext cx="0" cy="726097"/>
+          </a:xfrm>
+          <a:prstGeom prst="straightConnector1">
+            <a:avLst/>
+          </a:prstGeom>
+          <a:solidFill>
+            <a:schemeClr val="accent1"/>
+          </a:solidFill>
+          <a:ln w="28575" cap="flat" cmpd="sng" algn="ctr">
+            <a:solidFill>
+              <a:schemeClr val="bg2">
+                <a:lumMod val="60000"/>
+                <a:lumOff val="40000"/>
+              </a:schemeClr>
+            </a:solidFill>
+            <a:prstDash val="solid"/>
+            <a:round/>
+            <a:headEnd type="none" w="med" len="med"/>
+            <a:tailEnd type="arrow"/>
+          </a:ln>
+          <a:effectLst/>
+          <a:extLst>
+            <a:ext uri="{AF507438-7753-43E0-B8FC-AC1667EBCBE1}">
+              <a14:hiddenEffects xmlns:a14="http://schemas.microsoft.com/office/drawing/2010/main">
+                <a:effectLst>
+                  <a:outerShdw dist="35921" dir="2700000" algn="ctr" rotWithShape="0">
+                    <a:schemeClr val="bg2"/>
+                  </a:outerShdw>
+                </a:effectLst>
+              </a14:hiddenEffects>
+            </a:ext>
+          </a:extLst>
+        </p:spPr>
+      </p:cxnSp>
+      <p:cxnSp>
+        <p:nvCxnSpPr>
+          <p:cNvPr id="40" name="Gerade Verbindung mit Pfeil 39"/>
+          <p:cNvCxnSpPr/>
+          <p:nvPr/>
+        </p:nvCxnSpPr>
+        <p:spPr bwMode="auto">
+          <a:xfrm>
+            <a:off x="4875772" y="4653136"/>
+            <a:ext cx="0" cy="726095"/>
+          </a:xfrm>
+          <a:prstGeom prst="straightConnector1">
+            <a:avLst/>
+          </a:prstGeom>
+          <a:solidFill>
+            <a:schemeClr val="accent1"/>
+          </a:solidFill>
+          <a:ln w="28575" cap="flat" cmpd="sng" algn="ctr">
+            <a:solidFill>
+              <a:schemeClr val="bg2">
+                <a:lumMod val="60000"/>
+                <a:lumOff val="40000"/>
+              </a:schemeClr>
+            </a:solidFill>
+            <a:prstDash val="solid"/>
+            <a:round/>
+            <a:headEnd type="none" w="med" len="med"/>
+            <a:tailEnd type="arrow"/>
+          </a:ln>
+          <a:effectLst/>
+          <a:extLst>
+            <a:ext uri="{AF507438-7753-43E0-B8FC-AC1667EBCBE1}">
+              <a14:hiddenEffects xmlns:a14="http://schemas.microsoft.com/office/drawing/2010/main">
+                <a:effectLst>
+                  <a:outerShdw dist="35921" dir="2700000" algn="ctr" rotWithShape="0">
+                    <a:schemeClr val="bg2"/>
+                  </a:outerShdw>
+                </a:effectLst>
+              </a14:hiddenEffects>
+            </a:ext>
+          </a:extLst>
+        </p:spPr>
+      </p:cxnSp>
+      <p:sp>
+        <p:nvSpPr>
+          <p:cNvPr id="43" name="Textfeld 42"/>
+          <p:cNvSpPr txBox="1"/>
+          <p:nvPr/>
+        </p:nvSpPr>
+        <p:spPr>
+          <a:xfrm>
+            <a:off x="4917786" y="4785351"/>
+            <a:ext cx="925253" cy="338554"/>
+          </a:xfrm>
+          <a:prstGeom prst="rect">
+            <a:avLst/>
+          </a:prstGeom>
+          <a:noFill/>
+        </p:spPr>
+        <p:txBody>
+          <a:bodyPr wrap="none" rtlCol="0">
+            <a:spAutoFit/>
+          </a:bodyPr>
+          <a:lstStyle/>
+          <a:p>
+            <a:r>
+              <a:rPr lang="de-DE" sz="1600" dirty="0" smtClean="0">
+                <a:solidFill>
+                  <a:schemeClr val="tx2">
+                    <a:lumMod val="50000"/>
+                    <a:lumOff val="50000"/>
+                  </a:schemeClr>
+                </a:solidFill>
+              </a:rPr>
+              <a:t>Account</a:t>
+            </a:r>
+            <a:endParaRPr lang="de-DE" sz="1600" dirty="0">
+              <a:solidFill>
+                <a:schemeClr val="tx2">
+                  <a:lumMod val="50000"/>
+                  <a:lumOff val="50000"/>
+                </a:schemeClr>
+              </a:solidFill>
+            </a:endParaRPr>
+          </a:p>
+        </p:txBody>
+      </p:sp>
+      <p:sp>
+        <p:nvSpPr>
+          <p:cNvPr id="45" name="Textfeld 44"/>
+          <p:cNvSpPr txBox="1"/>
+          <p:nvPr/>
+        </p:nvSpPr>
+        <p:spPr>
+          <a:xfrm>
+            <a:off x="3450212" y="4792142"/>
+            <a:ext cx="730969" cy="338554"/>
+          </a:xfrm>
+          <a:prstGeom prst="rect">
+            <a:avLst/>
+          </a:prstGeom>
+          <a:noFill/>
+        </p:spPr>
+        <p:txBody>
+          <a:bodyPr wrap="none" rtlCol="0">
+            <a:spAutoFit/>
+          </a:bodyPr>
+          <a:lstStyle/>
+          <a:p>
+            <a:r>
+              <a:rPr lang="de-DE" sz="1600" dirty="0" smtClean="0">
+                <a:solidFill>
+                  <a:schemeClr val="tx2">
+                    <a:lumMod val="50000"/>
+                    <a:lumOff val="50000"/>
+                  </a:schemeClr>
+                </a:solidFill>
+              </a:rPr>
+              <a:t>Token</a:t>
+            </a:r>
+            <a:endParaRPr lang="de-DE" sz="1600" dirty="0">
+              <a:solidFill>
+                <a:schemeClr val="tx2">
+                  <a:lumMod val="50000"/>
+                  <a:lumOff val="50000"/>
+                </a:schemeClr>
+              </a:solidFill>
+            </a:endParaRPr>
+          </a:p>
+        </p:txBody>
+      </p:sp>
+      <p:sp>
+        <p:nvSpPr>
+          <p:cNvPr id="46" name="Textfeld 45"/>
+          <p:cNvSpPr txBox="1"/>
+          <p:nvPr/>
+        </p:nvSpPr>
+        <p:spPr>
+          <a:xfrm>
+            <a:off x="2659003" y="3594251"/>
+            <a:ext cx="730969" cy="338554"/>
+          </a:xfrm>
+          <a:prstGeom prst="rect">
+            <a:avLst/>
+          </a:prstGeom>
+          <a:noFill/>
+        </p:spPr>
+        <p:txBody>
+          <a:bodyPr wrap="none" rtlCol="0">
+            <a:spAutoFit/>
+          </a:bodyPr>
+          <a:lstStyle/>
+          <a:p>
+            <a:r>
+              <a:rPr lang="de-DE" sz="1600" dirty="0" smtClean="0"/>
+              <a:t>Token</a:t>
+            </a:r>
+            <a:endParaRPr lang="de-DE" sz="1600" dirty="0"/>
+          </a:p>
+        </p:txBody>
+      </p:sp>
     </p:spTree>
     <p:extLst>
       <p:ext uri="{BB962C8B-B14F-4D97-AF65-F5344CB8AC3E}">
-        <p14:creationId xmlns:p14="http://schemas.microsoft.com/office/powerpoint/2010/main" val="95440970"/>
+        <p14:creationId xmlns:p14="http://schemas.microsoft.com/office/powerpoint/2010/main" val="162452381"/>
       </p:ext>
     </p:extLst>
   </p:cSld>
@@ -1625,19 +3028,14 @@
             <p:ph type="title"/>
           </p:nvPr>
         </p:nvSpPr>
-        <p:spPr>
-          <a:xfrm>
-            <a:off x="685800" y="-171400"/>
-            <a:ext cx="7772400" cy="1066800"/>
-          </a:xfrm>
-        </p:spPr>
+        <p:spPr/>
         <p:txBody>
           <a:bodyPr/>
           <a:lstStyle/>
           <a:p>
             <a:r>
               <a:rPr lang="de-DE" altLang="de-DE" dirty="0" smtClean="0"/>
-              <a:t>Projekt</a:t>
+              <a:t>Stack</a:t>
             </a:r>
             <a:endParaRPr lang="de-DE" altLang="de-DE" dirty="0"/>
           </a:p>
@@ -1651,8 +3049,8 @@
         </p:nvSpPr>
         <p:spPr bwMode="auto">
           <a:xfrm>
-            <a:off x="3995936" y="836712"/>
-            <a:ext cx="1180931" cy="1218121"/>
+            <a:off x="3851920" y="1196752"/>
+            <a:ext cx="1440160" cy="1512168"/>
           </a:xfrm>
           <a:prstGeom prst="rect">
             <a:avLst/>
@@ -1707,7 +3105,7 @@
               <a:tabLst/>
             </a:pPr>
             <a:r>
-              <a:rPr kumimoji="0" lang="de-DE" sz="1200" b="0" i="0" u="none" strike="noStrike" cap="none" normalizeH="0" baseline="0" dirty="0" smtClean="0">
+              <a:rPr kumimoji="0" lang="de-DE" sz="2400" b="0" i="0" u="none" strike="noStrike" cap="none" normalizeH="0" baseline="0" dirty="0" smtClean="0">
                 <a:ln>
                   <a:noFill/>
                 </a:ln>
@@ -1731,16 +3129,14 @@
         </p:nvSpPr>
         <p:spPr>
           <a:xfrm>
-            <a:off x="4181181" y="1242752"/>
-            <a:ext cx="815326" cy="593563"/>
+            <a:off x="4095391" y="1700808"/>
+            <a:ext cx="994300" cy="736846"/>
           </a:xfrm>
           <a:prstGeom prst="flowChartInternalStorage">
             <a:avLst/>
           </a:prstGeom>
           <a:solidFill>
-            <a:schemeClr val="tx1">
-              <a:lumMod val="75000"/>
-            </a:schemeClr>
+            <a:srgbClr val="00B050"/>
           </a:solidFill>
           <a:ln>
             <a:solidFill>
@@ -1782,246 +3178,8 @@
         </p:nvSpPr>
         <p:spPr bwMode="auto">
           <a:xfrm>
-            <a:off x="872108" y="2448917"/>
-            <a:ext cx="1180931" cy="2204219"/>
-          </a:xfrm>
-          <a:prstGeom prst="rect">
-            <a:avLst/>
-          </a:prstGeom>
-          <a:solidFill>
-            <a:schemeClr val="accent1"/>
-          </a:solidFill>
-          <a:ln w="9525" cap="flat" cmpd="sng" algn="ctr">
-            <a:solidFill>
-              <a:schemeClr val="tx1">
-                <a:alpha val="67000"/>
-              </a:schemeClr>
-            </a:solidFill>
-            <a:prstDash val="solid"/>
-            <a:round/>
-            <a:headEnd type="none" w="med" len="med"/>
-            <a:tailEnd type="none" w="med" len="med"/>
-          </a:ln>
-          <a:effectLst/>
-          <a:extLst>
-            <a:ext uri="{AF507438-7753-43E0-B8FC-AC1667EBCBE1}">
-              <a14:hiddenEffects xmlns:a14="http://schemas.microsoft.com/office/drawing/2010/main">
-                <a:effectLst>
-                  <a:outerShdw dist="35921" dir="2700000" algn="ctr" rotWithShape="0">
-                    <a:schemeClr val="bg2"/>
-                  </a:outerShdw>
-                </a:effectLst>
-              </a14:hiddenEffects>
-            </a:ext>
-          </a:extLst>
-        </p:spPr>
-        <p:txBody>
-          <a:bodyPr vert="horz" wrap="square" lIns="91440" tIns="45720" rIns="91440" bIns="45720" numCol="1" rtlCol="0" anchor="t" anchorCtr="0" compatLnSpc="1">
-            <a:prstTxWarp prst="textNoShape">
-              <a:avLst/>
-            </a:prstTxWarp>
-          </a:bodyPr>
-          <a:lstStyle/>
-          <a:p>
-            <a:pPr marL="0" marR="0" indent="0" algn="ctr" defTabSz="914400" rtl="0" eaLnBrk="0" fontAlgn="base" latinLnBrk="0" hangingPunct="0">
-              <a:lnSpc>
-                <a:spcPct val="100000"/>
-              </a:lnSpc>
-              <a:spcBef>
-                <a:spcPct val="0"/>
-              </a:spcBef>
-              <a:spcAft>
-                <a:spcPct val="0"/>
-              </a:spcAft>
-              <a:buClrTx/>
-              <a:buSzTx/>
-              <a:buFontTx/>
-              <a:buNone/>
-              <a:tabLst/>
-            </a:pPr>
-            <a:r>
-              <a:rPr kumimoji="0" lang="de-DE" sz="1200" b="1" i="0" u="none" strike="noStrike" cap="none" normalizeH="0" baseline="0" dirty="0" smtClean="0">
-                <a:ln>
-                  <a:noFill/>
-                </a:ln>
-                <a:solidFill>
-                  <a:schemeClr val="tx1"/>
-                </a:solidFill>
-                <a:effectLst/>
-                <a:latin typeface="Arial" charset="0"/>
-                <a:ea typeface="ＭＳ Ｐゴシック" pitchFamily="-110" charset="-128"/>
-              </a:rPr>
-              <a:t>Content</a:t>
-            </a:r>
-          </a:p>
-        </p:txBody>
-      </p:sp>
-      <p:sp>
-        <p:nvSpPr>
-          <p:cNvPr id="8" name="Flussdiagramm: Zentralspeicher 7"/>
-          <p:cNvSpPr/>
-          <p:nvPr/>
-        </p:nvSpPr>
-        <p:spPr>
-          <a:xfrm>
-            <a:off x="1116789" y="2783446"/>
-            <a:ext cx="691570" cy="477552"/>
-          </a:xfrm>
-          <a:prstGeom prst="flowChartInternalStorage">
-            <a:avLst/>
-          </a:prstGeom>
-          <a:solidFill>
-            <a:schemeClr val="tx1">
-              <a:lumMod val="75000"/>
-              <a:alpha val="67000"/>
-            </a:schemeClr>
-          </a:solidFill>
-          <a:ln>
-            <a:solidFill>
-              <a:schemeClr val="tx1">
-                <a:alpha val="85000"/>
-              </a:schemeClr>
-            </a:solidFill>
-          </a:ln>
-          <a:effectLst/>
-        </p:spPr>
-        <p:style>
-          <a:lnRef idx="1">
-            <a:schemeClr val="accent3"/>
-          </a:lnRef>
-          <a:fillRef idx="2">
-            <a:schemeClr val="accent3"/>
-          </a:fillRef>
-          <a:effectRef idx="1">
-            <a:schemeClr val="accent3"/>
-          </a:effectRef>
-          <a:fontRef idx="minor">
-            <a:schemeClr val="dk1"/>
-          </a:fontRef>
-        </p:style>
-        <p:txBody>
-          <a:bodyPr rtlCol="0" anchor="ctr"/>
-          <a:lstStyle/>
-          <a:p>
-            <a:pPr algn="ctr"/>
-            <a:endParaRPr lang="de-DE" dirty="0"/>
-          </a:p>
-        </p:txBody>
-      </p:sp>
-      <p:sp>
-        <p:nvSpPr>
-          <p:cNvPr id="9" name="Flussdiagramm: Zusammenführung 8"/>
-          <p:cNvSpPr/>
-          <p:nvPr/>
-        </p:nvSpPr>
-        <p:spPr>
-          <a:xfrm>
-            <a:off x="1128620" y="3377009"/>
-            <a:ext cx="629186" cy="580058"/>
-          </a:xfrm>
-          <a:prstGeom prst="flowChartSummingJunction">
-            <a:avLst/>
-          </a:prstGeom>
-          <a:solidFill>
-            <a:schemeClr val="tx1">
-              <a:lumMod val="75000"/>
-              <a:alpha val="67000"/>
-            </a:schemeClr>
-          </a:solidFill>
-          <a:ln>
-            <a:solidFill>
-              <a:schemeClr val="tx1">
-                <a:alpha val="85000"/>
-              </a:schemeClr>
-            </a:solidFill>
-          </a:ln>
-          <a:effectLst/>
-        </p:spPr>
-        <p:style>
-          <a:lnRef idx="1">
-            <a:schemeClr val="accent3"/>
-          </a:lnRef>
-          <a:fillRef idx="2">
-            <a:schemeClr val="accent3"/>
-          </a:fillRef>
-          <a:effectRef idx="1">
-            <a:schemeClr val="accent3"/>
-          </a:effectRef>
-          <a:fontRef idx="minor">
-            <a:schemeClr val="dk1"/>
-          </a:fontRef>
-        </p:style>
-        <p:txBody>
-          <a:bodyPr rtlCol="0" anchor="ctr"/>
-          <a:lstStyle/>
-          <a:p>
-            <a:pPr algn="ctr"/>
-            <a:endParaRPr lang="de-DE"/>
-          </a:p>
-        </p:txBody>
-      </p:sp>
-      <p:sp>
-        <p:nvSpPr>
-          <p:cNvPr id="10" name="Flussdiagramm: Magnetplattenspeicher 9"/>
-          <p:cNvSpPr/>
-          <p:nvPr/>
-        </p:nvSpPr>
-        <p:spPr>
-          <a:xfrm>
-            <a:off x="1128621" y="4073078"/>
-            <a:ext cx="629186" cy="464046"/>
-          </a:xfrm>
-          <a:prstGeom prst="flowChartMagneticDisk">
-            <a:avLst/>
-          </a:prstGeom>
-          <a:solidFill>
-            <a:schemeClr val="tx1">
-              <a:lumMod val="75000"/>
-              <a:alpha val="67000"/>
-            </a:schemeClr>
-          </a:solidFill>
-          <a:ln>
-            <a:solidFill>
-              <a:schemeClr val="tx1">
-                <a:alpha val="85000"/>
-              </a:schemeClr>
-            </a:solidFill>
-          </a:ln>
-          <a:effectLst/>
-        </p:spPr>
-        <p:style>
-          <a:lnRef idx="1">
-            <a:schemeClr val="accent3"/>
-          </a:lnRef>
-          <a:fillRef idx="2">
-            <a:schemeClr val="accent3"/>
-          </a:fillRef>
-          <a:effectRef idx="1">
-            <a:schemeClr val="accent3"/>
-          </a:effectRef>
-          <a:fontRef idx="minor">
-            <a:schemeClr val="dk1"/>
-          </a:fontRef>
-        </p:style>
-        <p:txBody>
-          <a:bodyPr rtlCol="0" anchor="ctr"/>
-          <a:lstStyle/>
-          <a:p>
-            <a:pPr algn="ctr"/>
-            <a:endParaRPr lang="de-DE"/>
-          </a:p>
-        </p:txBody>
-      </p:sp>
-      <p:sp>
-        <p:nvSpPr>
-          <p:cNvPr id="11" name="Rechteck 10"/>
-          <p:cNvSpPr/>
-          <p:nvPr/>
-        </p:nvSpPr>
-        <p:spPr bwMode="auto">
-          <a:xfrm>
-            <a:off x="3995936" y="2448917"/>
-            <a:ext cx="1180931" cy="2204219"/>
+            <a:off x="971600" y="2852936"/>
+            <a:ext cx="1440160" cy="2736304"/>
           </a:xfrm>
           <a:prstGeom prst="rect">
             <a:avLst/>
@@ -2076,7 +3234,7 @@
               <a:tabLst/>
             </a:pPr>
             <a:r>
-              <a:rPr kumimoji="0" lang="de-DE" sz="1200" b="1" i="0" u="none" strike="noStrike" cap="none" normalizeH="0" baseline="0" dirty="0" smtClean="0">
+              <a:rPr kumimoji="0" lang="de-DE" sz="2000" b="1" i="0" u="none" strike="noStrike" cap="none" normalizeH="0" baseline="0" dirty="0" smtClean="0">
                 <a:ln>
                   <a:noFill/>
                 </a:ln>
@@ -2087,29 +3245,27 @@
                 <a:latin typeface="Arial" charset="0"/>
                 <a:ea typeface="ＭＳ Ｐゴシック" pitchFamily="-110" charset="-128"/>
               </a:rPr>
-              <a:t>Login</a:t>
-            </a:r>
-          </a:p>
-        </p:txBody>
-      </p:sp>
-      <p:sp>
-        <p:nvSpPr>
-          <p:cNvPr id="12" name="Flussdiagramm: Zentralspeicher 11"/>
+              <a:t>Content</a:t>
+            </a:r>
+          </a:p>
+        </p:txBody>
+      </p:sp>
+      <p:sp>
+        <p:nvSpPr>
+          <p:cNvPr id="8" name="Flussdiagramm: Zentralspeicher 7"/>
           <p:cNvSpPr/>
           <p:nvPr/>
         </p:nvSpPr>
         <p:spPr>
           <a:xfrm>
-            <a:off x="4226216" y="2783446"/>
-            <a:ext cx="691570" cy="477552"/>
+            <a:off x="1269992" y="3268218"/>
+            <a:ext cx="843378" cy="592830"/>
           </a:xfrm>
           <a:prstGeom prst="flowChartInternalStorage">
             <a:avLst/>
           </a:prstGeom>
           <a:solidFill>
-            <a:schemeClr val="tx1">
-              <a:lumMod val="75000"/>
-            </a:schemeClr>
+            <a:srgbClr val="00B050"/>
           </a:solidFill>
           <a:ln>
             <a:solidFill>
@@ -2145,22 +3301,20 @@
       </p:sp>
       <p:sp>
         <p:nvSpPr>
-          <p:cNvPr id="13" name="Flussdiagramm: Zusammenführung 12"/>
+          <p:cNvPr id="9" name="Flussdiagramm: Zusammenführung 8"/>
           <p:cNvSpPr/>
           <p:nvPr/>
         </p:nvSpPr>
         <p:spPr>
           <a:xfrm>
-            <a:off x="4238047" y="3377009"/>
-            <a:ext cx="629186" cy="580058"/>
+            <a:off x="1284420" y="4005064"/>
+            <a:ext cx="767300" cy="720080"/>
           </a:xfrm>
           <a:prstGeom prst="flowChartSummingJunction">
             <a:avLst/>
           </a:prstGeom>
           <a:solidFill>
-            <a:schemeClr val="tx1">
-              <a:lumMod val="75000"/>
-            </a:schemeClr>
+            <a:srgbClr val="00B0F0"/>
           </a:solidFill>
           <a:ln>
             <a:solidFill>
@@ -2196,22 +3350,20 @@
       </p:sp>
       <p:sp>
         <p:nvSpPr>
-          <p:cNvPr id="14" name="Flussdiagramm: Magnetplattenspeicher 13"/>
+          <p:cNvPr id="10" name="Flussdiagramm: Magnetplattenspeicher 9"/>
           <p:cNvSpPr/>
           <p:nvPr/>
         </p:nvSpPr>
         <p:spPr>
           <a:xfrm>
-            <a:off x="4238048" y="4073078"/>
-            <a:ext cx="629186" cy="464046"/>
+            <a:off x="1284421" y="4869160"/>
+            <a:ext cx="767300" cy="576064"/>
           </a:xfrm>
           <a:prstGeom prst="flowChartMagneticDisk">
             <a:avLst/>
           </a:prstGeom>
           <a:solidFill>
-            <a:schemeClr val="tx1">
-              <a:lumMod val="75000"/>
-            </a:schemeClr>
+            <a:srgbClr val="C00000"/>
           </a:solidFill>
           <a:ln>
             <a:solidFill>
@@ -2247,14 +3399,14 @@
       </p:sp>
       <p:sp>
         <p:nvSpPr>
-          <p:cNvPr id="15" name="Rechteck 14"/>
+          <p:cNvPr id="11" name="Rechteck 10"/>
           <p:cNvSpPr/>
           <p:nvPr/>
         </p:nvSpPr>
         <p:spPr bwMode="auto">
           <a:xfrm>
-            <a:off x="6933862" y="2448917"/>
-            <a:ext cx="1180931" cy="2204219"/>
+            <a:off x="3851920" y="2852936"/>
+            <a:ext cx="1440160" cy="2736304"/>
           </a:xfrm>
           <a:prstGeom prst="rect">
             <a:avLst/>
@@ -2309,7 +3461,7 @@
               <a:tabLst/>
             </a:pPr>
             <a:r>
-              <a:rPr kumimoji="0" lang="de-DE" sz="1200" b="1" i="0" u="none" strike="noStrike" cap="none" normalizeH="0" baseline="0" dirty="0" smtClean="0">
+              <a:rPr kumimoji="0" lang="de-DE" sz="2000" b="1" i="0" u="none" strike="noStrike" cap="none" normalizeH="0" baseline="0" dirty="0" smtClean="0">
                 <a:ln>
                   <a:noFill/>
                 </a:ln>
@@ -2320,29 +3472,27 @@
                 <a:latin typeface="Arial" charset="0"/>
                 <a:ea typeface="ＭＳ Ｐゴシック" pitchFamily="-110" charset="-128"/>
               </a:rPr>
-              <a:t>Registration</a:t>
-            </a:r>
-          </a:p>
-        </p:txBody>
-      </p:sp>
-      <p:sp>
-        <p:nvSpPr>
-          <p:cNvPr id="16" name="Flussdiagramm: Zentralspeicher 15"/>
+              <a:t>Login</a:t>
+            </a:r>
+          </a:p>
+        </p:txBody>
+      </p:sp>
+      <p:sp>
+        <p:nvSpPr>
+          <p:cNvPr id="12" name="Flussdiagramm: Zentralspeicher 11"/>
           <p:cNvSpPr/>
           <p:nvPr/>
         </p:nvSpPr>
         <p:spPr>
           <a:xfrm>
-            <a:off x="7178543" y="2783446"/>
-            <a:ext cx="691570" cy="477552"/>
+            <a:off x="4150312" y="3268218"/>
+            <a:ext cx="843378" cy="592830"/>
           </a:xfrm>
           <a:prstGeom prst="flowChartInternalStorage">
             <a:avLst/>
           </a:prstGeom>
           <a:solidFill>
-            <a:schemeClr val="tx1">
-              <a:lumMod val="75000"/>
-            </a:schemeClr>
+            <a:srgbClr val="00B050"/>
           </a:solidFill>
           <a:ln>
             <a:solidFill>
@@ -2378,22 +3528,20 @@
       </p:sp>
       <p:sp>
         <p:nvSpPr>
-          <p:cNvPr id="17" name="Flussdiagramm: Zusammenführung 16"/>
+          <p:cNvPr id="13" name="Flussdiagramm: Zusammenführung 12"/>
           <p:cNvSpPr/>
           <p:nvPr/>
         </p:nvSpPr>
         <p:spPr>
           <a:xfrm>
-            <a:off x="7190374" y="3377009"/>
-            <a:ext cx="629186" cy="580058"/>
+            <a:off x="4164740" y="4005064"/>
+            <a:ext cx="767300" cy="720080"/>
           </a:xfrm>
           <a:prstGeom prst="flowChartSummingJunction">
             <a:avLst/>
           </a:prstGeom>
           <a:solidFill>
-            <a:schemeClr val="tx1">
-              <a:lumMod val="75000"/>
-            </a:schemeClr>
+            <a:srgbClr val="00B0F0"/>
           </a:solidFill>
           <a:ln>
             <a:solidFill>
@@ -2429,22 +3577,20 @@
       </p:sp>
       <p:sp>
         <p:nvSpPr>
-          <p:cNvPr id="18" name="Flussdiagramm: Magnetplattenspeicher 17"/>
+          <p:cNvPr id="14" name="Flussdiagramm: Magnetplattenspeicher 13"/>
           <p:cNvSpPr/>
           <p:nvPr/>
         </p:nvSpPr>
         <p:spPr>
           <a:xfrm>
-            <a:off x="7190375" y="4073078"/>
-            <a:ext cx="629186" cy="464046"/>
+            <a:off x="4164741" y="4869160"/>
+            <a:ext cx="767300" cy="576064"/>
           </a:xfrm>
           <a:prstGeom prst="flowChartMagneticDisk">
             <a:avLst/>
           </a:prstGeom>
           <a:solidFill>
-            <a:schemeClr val="tx1">
-              <a:lumMod val="75000"/>
-            </a:schemeClr>
+            <a:srgbClr val="FFC000"/>
           </a:solidFill>
           <a:ln>
             <a:solidFill>
@@ -2478,188 +3624,16 @@
           </a:p>
         </p:txBody>
       </p:sp>
-      <p:cxnSp>
-        <p:nvCxnSpPr>
-          <p:cNvPr id="5" name="Gerade Verbindung mit Pfeil 4"/>
-          <p:cNvCxnSpPr>
-            <a:stCxn id="3" idx="1"/>
-            <a:endCxn id="7" idx="0"/>
-          </p:cNvCxnSpPr>
-          <p:nvPr/>
-        </p:nvCxnSpPr>
+      <p:sp>
+        <p:nvSpPr>
+          <p:cNvPr id="15" name="Rechteck 14"/>
+          <p:cNvSpPr/>
+          <p:nvPr/>
+        </p:nvSpPr>
         <p:spPr bwMode="auto">
-          <a:xfrm flipH="1">
-            <a:off x="1462574" y="1445773"/>
-            <a:ext cx="2533362" cy="1003144"/>
-          </a:xfrm>
-          <a:prstGeom prst="straightConnector1">
-            <a:avLst/>
-          </a:prstGeom>
-          <a:solidFill>
-            <a:schemeClr val="accent1"/>
-          </a:solidFill>
-          <a:ln w="28575" cap="flat" cmpd="sng" algn="ctr">
-            <a:solidFill>
-              <a:schemeClr val="tx1"/>
-            </a:solidFill>
-            <a:prstDash val="solid"/>
-            <a:round/>
-            <a:headEnd type="none" w="med" len="med"/>
-            <a:tailEnd type="arrow"/>
-          </a:ln>
-          <a:effectLst/>
-          <a:extLst>
-            <a:ext uri="{AF507438-7753-43E0-B8FC-AC1667EBCBE1}">
-              <a14:hiddenEffects xmlns:a14="http://schemas.microsoft.com/office/drawing/2010/main">
-                <a:effectLst>
-                  <a:outerShdw dist="35921" dir="2700000" algn="ctr" rotWithShape="0">
-                    <a:schemeClr val="bg2"/>
-                  </a:outerShdw>
-                </a:effectLst>
-              </a14:hiddenEffects>
-            </a:ext>
-          </a:extLst>
-        </p:spPr>
-      </p:cxnSp>
-      <p:cxnSp>
-        <p:nvCxnSpPr>
-          <p:cNvPr id="21" name="Gerade Verbindung mit Pfeil 20"/>
-          <p:cNvCxnSpPr>
-            <a:stCxn id="3" idx="2"/>
-            <a:endCxn id="11" idx="0"/>
-          </p:cNvCxnSpPr>
-          <p:nvPr/>
-        </p:nvCxnSpPr>
-        <p:spPr bwMode="auto">
-          <a:xfrm>
-            <a:off x="4586402" y="2054833"/>
-            <a:ext cx="0" cy="394084"/>
-          </a:xfrm>
-          <a:prstGeom prst="straightConnector1">
-            <a:avLst/>
-          </a:prstGeom>
-          <a:solidFill>
-            <a:schemeClr val="accent1"/>
-          </a:solidFill>
-          <a:ln w="28575" cap="flat" cmpd="sng" algn="ctr">
-            <a:solidFill>
-              <a:schemeClr val="tx1"/>
-            </a:solidFill>
-            <a:prstDash val="solid"/>
-            <a:round/>
-            <a:headEnd type="none" w="med" len="med"/>
-            <a:tailEnd type="arrow"/>
-          </a:ln>
-          <a:effectLst/>
-          <a:extLst>
-            <a:ext uri="{AF507438-7753-43E0-B8FC-AC1667EBCBE1}">
-              <a14:hiddenEffects xmlns:a14="http://schemas.microsoft.com/office/drawing/2010/main">
-                <a:effectLst>
-                  <a:outerShdw dist="35921" dir="2700000" algn="ctr" rotWithShape="0">
-                    <a:schemeClr val="bg2"/>
-                  </a:outerShdw>
-                </a:effectLst>
-              </a14:hiddenEffects>
-            </a:ext>
-          </a:extLst>
-        </p:spPr>
-      </p:cxnSp>
-      <p:cxnSp>
-        <p:nvCxnSpPr>
-          <p:cNvPr id="24" name="Gerade Verbindung mit Pfeil 23"/>
-          <p:cNvCxnSpPr>
-            <a:stCxn id="3" idx="3"/>
-            <a:endCxn id="15" idx="0"/>
-          </p:cNvCxnSpPr>
-          <p:nvPr/>
-        </p:nvCxnSpPr>
-        <p:spPr bwMode="auto">
-          <a:xfrm>
-            <a:off x="5176867" y="1445773"/>
-            <a:ext cx="2347461" cy="1003144"/>
-          </a:xfrm>
-          <a:prstGeom prst="straightConnector1">
-            <a:avLst/>
-          </a:prstGeom>
-          <a:solidFill>
-            <a:schemeClr val="accent1"/>
-          </a:solidFill>
-          <a:ln w="28575" cap="flat" cmpd="sng" algn="ctr">
-            <a:solidFill>
-              <a:schemeClr val="tx1"/>
-            </a:solidFill>
-            <a:prstDash val="solid"/>
-            <a:round/>
-            <a:headEnd type="none" w="med" len="med"/>
-            <a:tailEnd type="arrow"/>
-          </a:ln>
-          <a:effectLst/>
-          <a:extLst>
-            <a:ext uri="{AF507438-7753-43E0-B8FC-AC1667EBCBE1}">
-              <a14:hiddenEffects xmlns:a14="http://schemas.microsoft.com/office/drawing/2010/main">
-                <a:effectLst>
-                  <a:outerShdw dist="35921" dir="2700000" algn="ctr" rotWithShape="0">
-                    <a:schemeClr val="bg2"/>
-                  </a:outerShdw>
-                </a:effectLst>
-              </a14:hiddenEffects>
-            </a:ext>
-          </a:extLst>
-        </p:spPr>
-      </p:cxnSp>
-      <p:cxnSp>
-        <p:nvCxnSpPr>
-          <p:cNvPr id="29" name="Gerade Verbindung mit Pfeil 28"/>
-          <p:cNvCxnSpPr>
-            <a:stCxn id="11" idx="1"/>
-            <a:endCxn id="7" idx="3"/>
-          </p:cNvCxnSpPr>
-          <p:nvPr/>
-        </p:nvCxnSpPr>
-        <p:spPr bwMode="auto">
-          <a:xfrm flipH="1">
-            <a:off x="2053039" y="3551027"/>
-            <a:ext cx="1942897" cy="0"/>
-          </a:xfrm>
-          <a:prstGeom prst="straightConnector1">
-            <a:avLst/>
-          </a:prstGeom>
-          <a:solidFill>
-            <a:schemeClr val="accent1"/>
-          </a:solidFill>
-          <a:ln w="28575" cap="flat" cmpd="sng" algn="ctr">
-            <a:solidFill>
-              <a:schemeClr val="tx1"/>
-            </a:solidFill>
-            <a:prstDash val="solid"/>
-            <a:round/>
-            <a:headEnd type="none" w="med" len="med"/>
-            <a:tailEnd type="arrow"/>
-          </a:ln>
-          <a:effectLst/>
-          <a:extLst>
-            <a:ext uri="{AF507438-7753-43E0-B8FC-AC1667EBCBE1}">
-              <a14:hiddenEffects xmlns:a14="http://schemas.microsoft.com/office/drawing/2010/main">
-                <a:effectLst>
-                  <a:outerShdw dist="35921" dir="2700000" algn="ctr" rotWithShape="0">
-                    <a:schemeClr val="bg2"/>
-                  </a:outerShdw>
-                </a:effectLst>
-              </a14:hiddenEffects>
-            </a:ext>
-          </a:extLst>
-        </p:spPr>
-      </p:cxnSp>
-      <p:sp>
-        <p:nvSpPr>
-          <p:cNvPr id="25" name="Rechteck 24"/>
-          <p:cNvSpPr/>
-          <p:nvPr/>
-        </p:nvSpPr>
-        <p:spPr bwMode="auto">
-          <a:xfrm>
-            <a:off x="3995936" y="5379231"/>
-            <a:ext cx="1180931" cy="1218121"/>
+          <a:xfrm>
+            <a:off x="6732240" y="2852936"/>
+            <a:ext cx="1440160" cy="2736304"/>
           </a:xfrm>
           <a:prstGeom prst="rect">
             <a:avLst/>
@@ -2714,7 +3688,7 @@
               <a:tabLst/>
             </a:pPr>
             <a:r>
-              <a:rPr kumimoji="0" lang="de-DE" sz="1200" b="0" i="0" u="none" strike="noStrike" cap="none" normalizeH="0" baseline="0" dirty="0" err="1" smtClean="0">
+              <a:rPr kumimoji="0" lang="de-DE" sz="1600" b="1" i="0" u="none" strike="noStrike" cap="none" normalizeH="0" baseline="0" dirty="0" smtClean="0">
                 <a:ln>
                   <a:noFill/>
                 </a:ln>
@@ -2725,40 +3699,27 @@
                 <a:latin typeface="Arial" charset="0"/>
                 <a:ea typeface="ＭＳ Ｐゴシック" pitchFamily="-110" charset="-128"/>
               </a:rPr>
-              <a:t>Aut</a:t>
-            </a:r>
-            <a:endParaRPr kumimoji="0" lang="de-DE" sz="1200" b="0" i="0" u="none" strike="noStrike" cap="none" normalizeH="0" baseline="0" dirty="0" smtClean="0">
-              <a:ln>
-                <a:noFill/>
-              </a:ln>
-              <a:solidFill>
-                <a:schemeClr val="tx1"/>
-              </a:solidFill>
-              <a:effectLst/>
-              <a:latin typeface="Arial" charset="0"/>
-              <a:ea typeface="ＭＳ Ｐゴシック" pitchFamily="-110" charset="-128"/>
-            </a:endParaRPr>
-          </a:p>
-        </p:txBody>
-      </p:sp>
-      <p:sp>
-        <p:nvSpPr>
-          <p:cNvPr id="28" name="Flussdiagramm: Zusammenführung 27"/>
+              <a:t>Registration</a:t>
+            </a:r>
+          </a:p>
+        </p:txBody>
+      </p:sp>
+      <p:sp>
+        <p:nvSpPr>
+          <p:cNvPr id="16" name="Flussdiagramm: Zentralspeicher 15"/>
           <p:cNvSpPr/>
           <p:nvPr/>
         </p:nvSpPr>
         <p:spPr>
           <a:xfrm>
-            <a:off x="4283968" y="5805264"/>
-            <a:ext cx="629186" cy="580058"/>
-          </a:xfrm>
-          <a:prstGeom prst="flowChartSummingJunction">
+            <a:off x="7030632" y="3268218"/>
+            <a:ext cx="843378" cy="592830"/>
+          </a:xfrm>
+          <a:prstGeom prst="flowChartInternalStorage">
             <a:avLst/>
           </a:prstGeom>
           <a:solidFill>
-            <a:schemeClr val="tx1">
-              <a:lumMod val="75000"/>
-            </a:schemeClr>
+            <a:srgbClr val="00B050"/>
           </a:solidFill>
           <a:ln>
             <a:solidFill>
@@ -2788,22 +3749,358 @@
           <a:lstStyle/>
           <a:p>
             <a:pPr algn="ctr"/>
+            <a:endParaRPr lang="de-DE" dirty="0"/>
+          </a:p>
+        </p:txBody>
+      </p:sp>
+      <p:sp>
+        <p:nvSpPr>
+          <p:cNvPr id="17" name="Flussdiagramm: Zusammenführung 16"/>
+          <p:cNvSpPr/>
+          <p:nvPr/>
+        </p:nvSpPr>
+        <p:spPr>
+          <a:xfrm>
+            <a:off x="7045060" y="4005064"/>
+            <a:ext cx="767300" cy="720080"/>
+          </a:xfrm>
+          <a:prstGeom prst="flowChartSummingJunction">
+            <a:avLst/>
+          </a:prstGeom>
+          <a:solidFill>
+            <a:srgbClr val="00B0F0"/>
+          </a:solidFill>
+          <a:ln>
+            <a:solidFill>
+              <a:schemeClr val="bg1">
+                <a:lumMod val="85000"/>
+              </a:schemeClr>
+            </a:solidFill>
+          </a:ln>
+          <a:effectLst/>
+        </p:spPr>
+        <p:style>
+          <a:lnRef idx="1">
+            <a:schemeClr val="accent3"/>
+          </a:lnRef>
+          <a:fillRef idx="2">
+            <a:schemeClr val="accent3"/>
+          </a:fillRef>
+          <a:effectRef idx="1">
+            <a:schemeClr val="accent3"/>
+          </a:effectRef>
+          <a:fontRef idx="minor">
+            <a:schemeClr val="dk1"/>
+          </a:fontRef>
+        </p:style>
+        <p:txBody>
+          <a:bodyPr rtlCol="0" anchor="ctr"/>
+          <a:lstStyle/>
+          <a:p>
+            <a:pPr algn="ctr"/>
             <a:endParaRPr lang="de-DE"/>
           </a:p>
         </p:txBody>
       </p:sp>
       <p:sp>
         <p:nvSpPr>
-          <p:cNvPr id="4" name="Flussdiagramm: Datenträger mit direktem Zugriff 3"/>
+          <p:cNvPr id="18" name="Flussdiagramm: Magnetplattenspeicher 17"/>
           <p:cNvSpPr/>
           <p:nvPr/>
         </p:nvSpPr>
+        <p:spPr>
+          <a:xfrm>
+            <a:off x="7045061" y="4869160"/>
+            <a:ext cx="767300" cy="576064"/>
+          </a:xfrm>
+          <a:prstGeom prst="flowChartMagneticDisk">
+            <a:avLst/>
+          </a:prstGeom>
+          <a:solidFill>
+            <a:srgbClr val="FFC000"/>
+          </a:solidFill>
+          <a:ln>
+            <a:solidFill>
+              <a:schemeClr val="bg1">
+                <a:lumMod val="95000"/>
+              </a:schemeClr>
+            </a:solidFill>
+          </a:ln>
+          <a:effectLst/>
+        </p:spPr>
+        <p:style>
+          <a:lnRef idx="1">
+            <a:schemeClr val="accent3"/>
+          </a:lnRef>
+          <a:fillRef idx="2">
+            <a:schemeClr val="accent3"/>
+          </a:fillRef>
+          <a:effectRef idx="1">
+            <a:schemeClr val="accent3"/>
+          </a:effectRef>
+          <a:fontRef idx="minor">
+            <a:schemeClr val="dk1"/>
+          </a:fontRef>
+        </p:style>
+        <p:txBody>
+          <a:bodyPr rtlCol="0" anchor="ctr"/>
+          <a:lstStyle/>
+          <a:p>
+            <a:pPr algn="ctr"/>
+            <a:endParaRPr lang="de-DE"/>
+          </a:p>
+        </p:txBody>
+      </p:sp>
+      <p:sp>
+        <p:nvSpPr>
+          <p:cNvPr id="28" name="Flussdiagramm: Zentralspeicher 27"/>
+          <p:cNvSpPr/>
+          <p:nvPr/>
+        </p:nvSpPr>
+        <p:spPr>
+          <a:xfrm>
+            <a:off x="220988" y="592805"/>
+            <a:ext cx="2894164" cy="468052"/>
+          </a:xfrm>
+          <a:prstGeom prst="flowChartInternalStorage">
+            <a:avLst/>
+          </a:prstGeom>
+          <a:solidFill>
+            <a:srgbClr val="00B050"/>
+          </a:solidFill>
+          <a:ln>
+            <a:solidFill>
+              <a:schemeClr val="bg1">
+                <a:lumMod val="85000"/>
+              </a:schemeClr>
+            </a:solidFill>
+          </a:ln>
+          <a:effectLst/>
+        </p:spPr>
+        <p:style>
+          <a:lnRef idx="1">
+            <a:schemeClr val="accent3"/>
+          </a:lnRef>
+          <a:fillRef idx="2">
+            <a:schemeClr val="accent3"/>
+          </a:fillRef>
+          <a:effectRef idx="1">
+            <a:schemeClr val="accent3"/>
+          </a:effectRef>
+          <a:fontRef idx="minor">
+            <a:schemeClr val="dk1"/>
+          </a:fontRef>
+        </p:style>
+        <p:txBody>
+          <a:bodyPr rtlCol="0" anchor="ctr"/>
+          <a:lstStyle/>
+          <a:p>
+            <a:pPr algn="ctr"/>
+            <a:r>
+              <a:rPr lang="de-DE" dirty="0" err="1" smtClean="0"/>
+              <a:t>JQuery</a:t>
+            </a:r>
+            <a:r>
+              <a:rPr lang="de-DE" dirty="0" smtClean="0"/>
+              <a:t> Mobile</a:t>
+            </a:r>
+            <a:endParaRPr lang="de-DE" dirty="0"/>
+          </a:p>
+        </p:txBody>
+      </p:sp>
+      <p:sp>
+        <p:nvSpPr>
+          <p:cNvPr id="30" name="Rechteck 29"/>
+          <p:cNvSpPr/>
+          <p:nvPr/>
+        </p:nvSpPr>
         <p:spPr bwMode="auto">
           <a:xfrm>
-            <a:off x="5462420" y="3284984"/>
-            <a:ext cx="1152128" cy="522051"/>
-          </a:xfrm>
-          <a:prstGeom prst="flowChartMagneticDrum">
+            <a:off x="211568" y="1267539"/>
+            <a:ext cx="2880319" cy="450731"/>
+          </a:xfrm>
+          <a:prstGeom prst="rect">
+            <a:avLst/>
+          </a:prstGeom>
+          <a:solidFill>
+            <a:srgbClr val="00B0F0"/>
+          </a:solidFill>
+          <a:ln>
+            <a:solidFill>
+              <a:schemeClr val="bg1">
+                <a:lumMod val="85000"/>
+              </a:schemeClr>
+            </a:solidFill>
+          </a:ln>
+          <a:effectLst/>
+        </p:spPr>
+        <p:style>
+          <a:lnRef idx="1">
+            <a:schemeClr val="accent3"/>
+          </a:lnRef>
+          <a:fillRef idx="2">
+            <a:schemeClr val="accent3"/>
+          </a:fillRef>
+          <a:effectRef idx="1">
+            <a:schemeClr val="accent3"/>
+          </a:effectRef>
+          <a:fontRef idx="minor">
+            <a:schemeClr val="dk1"/>
+          </a:fontRef>
+        </p:style>
+        <p:txBody>
+          <a:bodyPr rtlCol="0" anchor="ctr"/>
+          <a:lstStyle/>
+          <a:p>
+            <a:pPr algn="ctr"/>
+            <a:r>
+              <a:rPr lang="de-DE" dirty="0">
+                <a:solidFill>
+                  <a:schemeClr val="dk1"/>
+                </a:solidFill>
+                <a:latin typeface="+mn-lt"/>
+                <a:ea typeface="+mn-ea"/>
+              </a:rPr>
+              <a:t>Sprint </a:t>
+            </a:r>
+            <a:r>
+              <a:rPr lang="de-DE" dirty="0" smtClean="0">
+                <a:solidFill>
+                  <a:schemeClr val="dk1"/>
+                </a:solidFill>
+                <a:latin typeface="+mn-lt"/>
+                <a:ea typeface="+mn-ea"/>
+              </a:rPr>
+              <a:t>Boot</a:t>
+            </a:r>
+            <a:endParaRPr lang="de-DE" dirty="0">
+              <a:solidFill>
+                <a:schemeClr val="dk1"/>
+              </a:solidFill>
+              <a:latin typeface="+mn-lt"/>
+              <a:ea typeface="+mn-ea"/>
+            </a:endParaRPr>
+          </a:p>
+        </p:txBody>
+      </p:sp>
+      <p:sp>
+        <p:nvSpPr>
+          <p:cNvPr id="32" name="Flussdiagramm: Magnetplattenspeicher 31"/>
+          <p:cNvSpPr/>
+          <p:nvPr/>
+        </p:nvSpPr>
+        <p:spPr>
+          <a:xfrm>
+            <a:off x="5964939" y="546094"/>
+            <a:ext cx="2927540" cy="576064"/>
+          </a:xfrm>
+          <a:prstGeom prst="flowChartMagneticDisk">
+            <a:avLst/>
+          </a:prstGeom>
+          <a:solidFill>
+            <a:srgbClr val="FFC000"/>
+          </a:solidFill>
+          <a:ln>
+            <a:solidFill>
+              <a:schemeClr val="bg1">
+                <a:lumMod val="95000"/>
+              </a:schemeClr>
+            </a:solidFill>
+          </a:ln>
+          <a:effectLst/>
+        </p:spPr>
+        <p:style>
+          <a:lnRef idx="1">
+            <a:schemeClr val="accent3"/>
+          </a:lnRef>
+          <a:fillRef idx="2">
+            <a:schemeClr val="accent3"/>
+          </a:fillRef>
+          <a:effectRef idx="1">
+            <a:schemeClr val="accent3"/>
+          </a:effectRef>
+          <a:fontRef idx="minor">
+            <a:schemeClr val="dk1"/>
+          </a:fontRef>
+        </p:style>
+        <p:txBody>
+          <a:bodyPr rtlCol="0" anchor="ctr"/>
+          <a:lstStyle/>
+          <a:p>
+            <a:pPr algn="ctr"/>
+            <a:r>
+              <a:rPr lang="de-DE" dirty="0" smtClean="0"/>
+              <a:t>Apache Derby</a:t>
+            </a:r>
+            <a:endParaRPr lang="de-DE" dirty="0"/>
+          </a:p>
+        </p:txBody>
+      </p:sp>
+      <p:sp>
+        <p:nvSpPr>
+          <p:cNvPr id="34" name="Flussdiagramm: Magnetplattenspeicher 33"/>
+          <p:cNvSpPr/>
+          <p:nvPr/>
+        </p:nvSpPr>
+        <p:spPr>
+          <a:xfrm>
+            <a:off x="5988549" y="1208289"/>
+            <a:ext cx="2880320" cy="576064"/>
+          </a:xfrm>
+          <a:prstGeom prst="flowChartMagneticDisk">
+            <a:avLst/>
+          </a:prstGeom>
+          <a:solidFill>
+            <a:srgbClr val="C00000"/>
+          </a:solidFill>
+          <a:ln>
+            <a:solidFill>
+              <a:schemeClr val="bg1">
+                <a:lumMod val="95000"/>
+              </a:schemeClr>
+            </a:solidFill>
+          </a:ln>
+          <a:effectLst/>
+        </p:spPr>
+        <p:style>
+          <a:lnRef idx="1">
+            <a:schemeClr val="accent3"/>
+          </a:lnRef>
+          <a:fillRef idx="2">
+            <a:schemeClr val="accent3"/>
+          </a:fillRef>
+          <a:effectRef idx="1">
+            <a:schemeClr val="accent3"/>
+          </a:effectRef>
+          <a:fontRef idx="minor">
+            <a:schemeClr val="dk1"/>
+          </a:fontRef>
+        </p:style>
+        <p:txBody>
+          <a:bodyPr rtlCol="0" anchor="ctr"/>
+          <a:lstStyle/>
+          <a:p>
+            <a:pPr algn="ctr"/>
+            <a:r>
+              <a:rPr lang="de-DE" dirty="0" smtClean="0"/>
+              <a:t>Mongo DB</a:t>
+            </a:r>
+            <a:endParaRPr lang="de-DE" dirty="0"/>
+          </a:p>
+        </p:txBody>
+      </p:sp>
+      <p:sp>
+        <p:nvSpPr>
+          <p:cNvPr id="25" name="Rechteck 24"/>
+          <p:cNvSpPr/>
+          <p:nvPr/>
+        </p:nvSpPr>
+        <p:spPr bwMode="auto">
+          <a:xfrm>
+            <a:off x="3851920" y="5805264"/>
+            <a:ext cx="1440160" cy="944488"/>
+          </a:xfrm>
+          <a:prstGeom prst="rect">
             <a:avLst/>
           </a:prstGeom>
           <a:solidFill>
@@ -2839,6 +4136,87 @@
           </a:bodyPr>
           <a:lstStyle/>
           <a:p>
+            <a:pPr marL="0" marR="0" indent="0" algn="ctr" defTabSz="914400" rtl="0" eaLnBrk="0" fontAlgn="base" latinLnBrk="0" hangingPunct="0">
+              <a:lnSpc>
+                <a:spcPct val="100000"/>
+              </a:lnSpc>
+              <a:spcBef>
+                <a:spcPct val="0"/>
+              </a:spcBef>
+              <a:spcAft>
+                <a:spcPct val="0"/>
+              </a:spcAft>
+              <a:buClrTx/>
+              <a:buSzTx/>
+              <a:buFontTx/>
+              <a:buNone/>
+              <a:tabLst/>
+            </a:pPr>
+            <a:r>
+              <a:rPr kumimoji="0" lang="de-DE" sz="1600" b="1" i="0" u="none" strike="noStrike" cap="none" normalizeH="0" baseline="0" dirty="0" err="1" smtClean="0">
+                <a:ln>
+                  <a:noFill/>
+                </a:ln>
+                <a:solidFill>
+                  <a:schemeClr val="tx1"/>
+                </a:solidFill>
+                <a:effectLst/>
+                <a:latin typeface="Arial" charset="0"/>
+                <a:ea typeface="ＭＳ Ｐゴシック" pitchFamily="-110" charset="-128"/>
+              </a:rPr>
+              <a:t>Auth</a:t>
+            </a:r>
+            <a:endParaRPr kumimoji="0" lang="de-DE" sz="1600" b="1" i="0" u="none" strike="noStrike" cap="none" normalizeH="0" baseline="0" dirty="0" smtClean="0">
+              <a:ln>
+                <a:noFill/>
+              </a:ln>
+              <a:solidFill>
+                <a:schemeClr val="tx1"/>
+              </a:solidFill>
+              <a:effectLst/>
+              <a:latin typeface="Arial" charset="0"/>
+              <a:ea typeface="ＭＳ Ｐゴシック" pitchFamily="-110" charset="-128"/>
+            </a:endParaRPr>
+          </a:p>
+        </p:txBody>
+      </p:sp>
+      <p:sp>
+        <p:nvSpPr>
+          <p:cNvPr id="2" name="Flussdiagramm: Datenträger mit direktem Zugriff 1"/>
+          <p:cNvSpPr/>
+          <p:nvPr/>
+        </p:nvSpPr>
+        <p:spPr bwMode="auto">
+          <a:xfrm>
+            <a:off x="5472099" y="4035116"/>
+            <a:ext cx="1080120" cy="504056"/>
+          </a:xfrm>
+          <a:prstGeom prst="flowChartMagneticDrum">
+            <a:avLst/>
+          </a:prstGeom>
+          <a:solidFill>
+            <a:srgbClr val="2F3571"/>
+          </a:solidFill>
+          <a:ln w="9525" cap="flat" cmpd="sng" algn="ctr">
+            <a:solidFill>
+              <a:schemeClr val="tx1"/>
+            </a:solidFill>
+            <a:prstDash val="solid"/>
+            <a:round/>
+            <a:headEnd type="none" w="med" len="med"/>
+            <a:tailEnd type="none" w="med" len="med"/>
+          </a:ln>
+          <a:effectLst/>
+          <a:extLst/>
+        </p:spPr>
+        <p:txBody>
+          <a:bodyPr vert="horz" wrap="square" lIns="91440" tIns="45720" rIns="91440" bIns="45720" numCol="1" rtlCol="0" anchor="t" anchorCtr="0" compatLnSpc="1">
+            <a:prstTxWarp prst="textNoShape">
+              <a:avLst/>
+            </a:prstTxWarp>
+          </a:bodyPr>
+          <a:lstStyle/>
+          <a:p>
             <a:pPr marL="0" marR="0" indent="0" algn="l" defTabSz="914400" rtl="0" eaLnBrk="0" fontAlgn="base" latinLnBrk="0" hangingPunct="0">
               <a:lnSpc>
                 <a:spcPct val="100000"/>
@@ -2855,280 +4233,266 @@
               <a:buNone/>
               <a:tabLst/>
             </a:pPr>
-            <a:r>
-              <a:rPr kumimoji="0" lang="de-DE" sz="1400" b="0" i="0" u="none" strike="noStrike" cap="none" normalizeH="0" baseline="0" dirty="0" smtClean="0">
-                <a:ln>
-                  <a:noFill/>
-                </a:ln>
-                <a:solidFill>
-                  <a:schemeClr val="tx1"/>
-                </a:solidFill>
-                <a:effectLst/>
-                <a:latin typeface="Arial" charset="0"/>
-                <a:ea typeface="ＭＳ Ｐゴシック" pitchFamily="-110" charset="-128"/>
-              </a:rPr>
-              <a:t>Account</a:t>
-            </a:r>
-          </a:p>
-        </p:txBody>
-      </p:sp>
-      <p:cxnSp>
-        <p:nvCxnSpPr>
-          <p:cNvPr id="30" name="Gerade Verbindung mit Pfeil 29"/>
-          <p:cNvCxnSpPr>
-            <a:stCxn id="15" idx="1"/>
-            <a:endCxn id="4" idx="4"/>
-          </p:cNvCxnSpPr>
-          <p:nvPr/>
-        </p:nvCxnSpPr>
+            <a:endParaRPr kumimoji="0" lang="de-DE" sz="2400" b="0" i="0" u="none" strike="noStrike" cap="none" normalizeH="0" baseline="0" smtClean="0">
+              <a:ln>
+                <a:noFill/>
+              </a:ln>
+              <a:solidFill>
+                <a:srgbClr val="993366"/>
+              </a:solidFill>
+              <a:effectLst/>
+              <a:latin typeface="Arial" charset="0"/>
+              <a:ea typeface="ＭＳ Ｐゴシック" pitchFamily="-110" charset="-128"/>
+            </a:endParaRPr>
+          </a:p>
+        </p:txBody>
+      </p:sp>
+      <p:sp>
+        <p:nvSpPr>
+          <p:cNvPr id="4" name="Vertikales Scrollen 3"/>
+          <p:cNvSpPr/>
+          <p:nvPr/>
+        </p:nvSpPr>
         <p:spPr bwMode="auto">
-          <a:xfrm flipH="1" flipV="1">
-            <a:off x="6614548" y="3546010"/>
-            <a:ext cx="319314" cy="5017"/>
-          </a:xfrm>
-          <a:prstGeom prst="straightConnector1">
+          <a:xfrm>
+            <a:off x="4119000" y="6143446"/>
+            <a:ext cx="898299" cy="355612"/>
+          </a:xfrm>
+          <a:prstGeom prst="verticalScroll">
             <a:avLst/>
           </a:prstGeom>
           <a:solidFill>
-            <a:schemeClr val="accent1"/>
+            <a:schemeClr val="accent2">
+              <a:lumMod val="60000"/>
+              <a:lumOff val="40000"/>
+            </a:schemeClr>
           </a:solidFill>
-          <a:ln w="28575" cap="flat" cmpd="sng" algn="ctr">
+          <a:ln w="9525" cap="flat" cmpd="sng" algn="ctr">
             <a:solidFill>
               <a:schemeClr val="tx1"/>
             </a:solidFill>
             <a:prstDash val="solid"/>
             <a:round/>
             <a:headEnd type="none" w="med" len="med"/>
-            <a:tailEnd type="arrow"/>
+            <a:tailEnd type="none" w="med" len="med"/>
           </a:ln>
           <a:effectLst/>
-          <a:extLst>
-            <a:ext uri="{AF507438-7753-43E0-B8FC-AC1667EBCBE1}">
-              <a14:hiddenEffects xmlns:a14="http://schemas.microsoft.com/office/drawing/2010/main">
-                <a:effectLst>
-                  <a:outerShdw dist="35921" dir="2700000" algn="ctr" rotWithShape="0">
-                    <a:schemeClr val="bg2"/>
-                  </a:outerShdw>
-                </a:effectLst>
-              </a14:hiddenEffects>
-            </a:ext>
-          </a:extLst>
-        </p:spPr>
-      </p:cxnSp>
-      <p:cxnSp>
-        <p:nvCxnSpPr>
-          <p:cNvPr id="33" name="Gerade Verbindung mit Pfeil 32"/>
-          <p:cNvCxnSpPr/>
-          <p:nvPr/>
-        </p:nvCxnSpPr>
+          <a:extLst/>
+        </p:spPr>
+        <p:txBody>
+          <a:bodyPr vert="horz" wrap="square" lIns="91440" tIns="45720" rIns="91440" bIns="45720" numCol="1" rtlCol="0" anchor="t" anchorCtr="0" compatLnSpc="1">
+            <a:prstTxWarp prst="textNoShape">
+              <a:avLst/>
+            </a:prstTxWarp>
+          </a:bodyPr>
+          <a:lstStyle/>
+          <a:p>
+            <a:pPr marL="0" marR="0" indent="0" algn="l" defTabSz="914400" rtl="0" eaLnBrk="0" fontAlgn="base" latinLnBrk="0" hangingPunct="0">
+              <a:lnSpc>
+                <a:spcPct val="100000"/>
+              </a:lnSpc>
+              <a:spcBef>
+                <a:spcPct val="0"/>
+              </a:spcBef>
+              <a:spcAft>
+                <a:spcPct val="0"/>
+              </a:spcAft>
+              <a:buClrTx/>
+              <a:buSzTx/>
+              <a:buFontTx/>
+              <a:buNone/>
+              <a:tabLst/>
+            </a:pPr>
+            <a:endParaRPr kumimoji="0" lang="de-DE" sz="2400" b="0" i="0" u="none" strike="noStrike" cap="none" normalizeH="0" baseline="0" smtClean="0">
+              <a:ln>
+                <a:noFill/>
+              </a:ln>
+              <a:solidFill>
+                <a:schemeClr val="tx1"/>
+              </a:solidFill>
+              <a:effectLst/>
+              <a:latin typeface="Arial" charset="0"/>
+              <a:ea typeface="ＭＳ Ｐゴシック" pitchFamily="-110" charset="-128"/>
+            </a:endParaRPr>
+          </a:p>
+        </p:txBody>
+      </p:sp>
+      <p:sp>
+        <p:nvSpPr>
+          <p:cNvPr id="29" name="Vertikales Scrollen 28"/>
+          <p:cNvSpPr/>
+          <p:nvPr/>
+        </p:nvSpPr>
         <p:spPr bwMode="auto">
-          <a:xfrm flipH="1" flipV="1">
-            <a:off x="5138363" y="3541092"/>
-            <a:ext cx="319314" cy="4967"/>
-          </a:xfrm>
-          <a:prstGeom prst="straightConnector1">
+          <a:xfrm>
+            <a:off x="191012" y="2001998"/>
+            <a:ext cx="2900875" cy="435655"/>
+          </a:xfrm>
+          <a:prstGeom prst="verticalScroll">
             <a:avLst/>
           </a:prstGeom>
           <a:solidFill>
-            <a:schemeClr val="accent1"/>
+            <a:schemeClr val="accent2">
+              <a:lumMod val="60000"/>
+              <a:lumOff val="40000"/>
+            </a:schemeClr>
           </a:solidFill>
-          <a:ln w="28575" cap="flat" cmpd="sng" algn="ctr">
+          <a:ln w="9525" cap="flat" cmpd="sng" algn="ctr">
             <a:solidFill>
               <a:schemeClr val="tx1"/>
             </a:solidFill>
             <a:prstDash val="solid"/>
             <a:round/>
             <a:headEnd type="none" w="med" len="med"/>
-            <a:tailEnd type="arrow"/>
+            <a:tailEnd type="none" w="med" len="med"/>
           </a:ln>
           <a:effectLst/>
-          <a:extLst>
-            <a:ext uri="{AF507438-7753-43E0-B8FC-AC1667EBCBE1}">
-              <a14:hiddenEffects xmlns:a14="http://schemas.microsoft.com/office/drawing/2010/main">
-                <a:effectLst>
-                  <a:outerShdw dist="35921" dir="2700000" algn="ctr" rotWithShape="0">
-                    <a:schemeClr val="bg2"/>
-                  </a:outerShdw>
-                </a:effectLst>
-              </a14:hiddenEffects>
-            </a:ext>
-          </a:extLst>
-        </p:spPr>
-      </p:cxnSp>
-      <p:cxnSp>
-        <p:nvCxnSpPr>
-          <p:cNvPr id="37" name="Gerade Verbindung mit Pfeil 36"/>
-          <p:cNvCxnSpPr/>
-          <p:nvPr/>
-        </p:nvCxnSpPr>
+          <a:extLst/>
+        </p:spPr>
+        <p:txBody>
+          <a:bodyPr vert="horz" wrap="square" lIns="91440" tIns="45720" rIns="91440" bIns="45720" numCol="1" rtlCol="0" anchor="t" anchorCtr="0" compatLnSpc="1">
+            <a:prstTxWarp prst="textNoShape">
+              <a:avLst/>
+            </a:prstTxWarp>
+          </a:bodyPr>
+          <a:lstStyle/>
+          <a:p>
+            <a:pPr marL="0" marR="0" indent="0" algn="ctr" defTabSz="914400" rtl="0" eaLnBrk="0" fontAlgn="base" latinLnBrk="0" hangingPunct="0">
+              <a:lnSpc>
+                <a:spcPct val="100000"/>
+              </a:lnSpc>
+              <a:spcBef>
+                <a:spcPct val="0"/>
+              </a:spcBef>
+              <a:spcAft>
+                <a:spcPct val="0"/>
+              </a:spcAft>
+              <a:buClrTx/>
+              <a:buSzTx/>
+              <a:buFontTx/>
+              <a:buNone/>
+              <a:tabLst/>
+            </a:pPr>
+            <a:r>
+              <a:rPr kumimoji="0" lang="de-DE" sz="2400" b="0" i="0" u="none" strike="noStrike" cap="none" normalizeH="0" baseline="0" dirty="0" err="1" smtClean="0">
+                <a:ln>
+                  <a:noFill/>
+                </a:ln>
+                <a:solidFill>
+                  <a:schemeClr val="bg1"/>
+                </a:solidFill>
+                <a:effectLst/>
+                <a:latin typeface="Arial" charset="0"/>
+                <a:ea typeface="ＭＳ Ｐゴシック" pitchFamily="-110" charset="-128"/>
+              </a:rPr>
+              <a:t>Keycloak</a:t>
+            </a:r>
+            <a:endParaRPr kumimoji="0" lang="de-DE" sz="2400" b="0" i="0" u="none" strike="noStrike" cap="none" normalizeH="0" baseline="0" dirty="0" smtClean="0">
+              <a:ln>
+                <a:noFill/>
+              </a:ln>
+              <a:solidFill>
+                <a:schemeClr val="bg1"/>
+              </a:solidFill>
+              <a:effectLst/>
+              <a:latin typeface="Arial" charset="0"/>
+              <a:ea typeface="ＭＳ Ｐゴシック" pitchFamily="-110" charset="-128"/>
+            </a:endParaRPr>
+          </a:p>
+        </p:txBody>
+      </p:sp>
+      <p:sp>
+        <p:nvSpPr>
+          <p:cNvPr id="31" name="Rechteck 30"/>
+          <p:cNvSpPr/>
+          <p:nvPr/>
+        </p:nvSpPr>
         <p:spPr bwMode="auto">
-          <a:xfrm flipV="1">
-            <a:off x="4300738" y="4653135"/>
-            <a:ext cx="0" cy="726097"/>
-          </a:xfrm>
-          <a:prstGeom prst="straightConnector1">
+          <a:xfrm>
+            <a:off x="5950022" y="1986922"/>
+            <a:ext cx="2880319" cy="450731"/>
+          </a:xfrm>
+          <a:prstGeom prst="rect">
             <a:avLst/>
           </a:prstGeom>
           <a:solidFill>
-            <a:schemeClr val="accent1"/>
+            <a:srgbClr val="2F3571"/>
           </a:solidFill>
-          <a:ln w="28575" cap="flat" cmpd="sng" algn="ctr">
+          <a:ln w="9525" cap="flat" cmpd="sng" algn="ctr">
             <a:solidFill>
               <a:schemeClr val="tx1"/>
             </a:solidFill>
             <a:prstDash val="solid"/>
             <a:round/>
             <a:headEnd type="none" w="med" len="med"/>
-            <a:tailEnd type="arrow"/>
+            <a:tailEnd type="none" w="med" len="med"/>
           </a:ln>
           <a:effectLst/>
-          <a:extLst>
-            <a:ext uri="{AF507438-7753-43E0-B8FC-AC1667EBCBE1}">
-              <a14:hiddenEffects xmlns:a14="http://schemas.microsoft.com/office/drawing/2010/main">
-                <a:effectLst>
-                  <a:outerShdw dist="35921" dir="2700000" algn="ctr" rotWithShape="0">
-                    <a:schemeClr val="bg2"/>
-                  </a:outerShdw>
-                </a:effectLst>
-              </a14:hiddenEffects>
-            </a:ext>
-          </a:extLst>
-        </p:spPr>
-      </p:cxnSp>
-      <p:cxnSp>
-        <p:nvCxnSpPr>
-          <p:cNvPr id="40" name="Gerade Verbindung mit Pfeil 39"/>
-          <p:cNvCxnSpPr/>
-          <p:nvPr/>
-        </p:nvCxnSpPr>
-        <p:spPr bwMode="auto">
-          <a:xfrm>
-            <a:off x="4875772" y="4653136"/>
-            <a:ext cx="0" cy="726095"/>
-          </a:xfrm>
-          <a:prstGeom prst="straightConnector1">
-            <a:avLst/>
-          </a:prstGeom>
-          <a:solidFill>
-            <a:schemeClr val="accent1"/>
-          </a:solidFill>
-          <a:ln w="28575" cap="flat" cmpd="sng" algn="ctr">
-            <a:solidFill>
-              <a:schemeClr val="tx1"/>
-            </a:solidFill>
-            <a:prstDash val="solid"/>
-            <a:round/>
-            <a:headEnd type="none" w="med" len="med"/>
-            <a:tailEnd type="arrow"/>
-          </a:ln>
-          <a:effectLst/>
-          <a:extLst>
-            <a:ext uri="{AF507438-7753-43E0-B8FC-AC1667EBCBE1}">
-              <a14:hiddenEffects xmlns:a14="http://schemas.microsoft.com/office/drawing/2010/main">
-                <a:effectLst>
-                  <a:outerShdw dist="35921" dir="2700000" algn="ctr" rotWithShape="0">
-                    <a:schemeClr val="bg2"/>
-                  </a:outerShdw>
-                </a:effectLst>
-              </a14:hiddenEffects>
-            </a:ext>
-          </a:extLst>
-        </p:spPr>
-      </p:cxnSp>
-      <p:sp>
-        <p:nvSpPr>
-          <p:cNvPr id="43" name="Textfeld 42"/>
-          <p:cNvSpPr txBox="1"/>
-          <p:nvPr/>
-        </p:nvSpPr>
-        <p:spPr>
-          <a:xfrm>
-            <a:off x="4917786" y="4785351"/>
-            <a:ext cx="925253" cy="338554"/>
-          </a:xfrm>
-          <a:prstGeom prst="rect">
-            <a:avLst/>
-          </a:prstGeom>
-          <a:noFill/>
-        </p:spPr>
-        <p:txBody>
-          <a:bodyPr wrap="none" rtlCol="0">
-            <a:spAutoFit/>
+        </p:spPr>
+        <p:txBody>
+          <a:bodyPr rot="0" spcFirstLastPara="0" vertOverflow="overflow" horzOverflow="overflow" vert="horz" wrap="square" lIns="91440" tIns="45720" rIns="91440" bIns="45720" numCol="1" spcCol="0" rtlCol="0" fromWordArt="0" anchor="t" anchorCtr="0" forceAA="0" compatLnSpc="1">
+            <a:prstTxWarp prst="textNoShape">
+              <a:avLst/>
+            </a:prstTxWarp>
+            <a:noAutofit/>
           </a:bodyPr>
           <a:lstStyle/>
           <a:p>
-            <a:r>
-              <a:rPr lang="de-DE" sz="1600" dirty="0" smtClean="0"/>
-              <a:t>Account</a:t>
-            </a:r>
-            <a:endParaRPr lang="de-DE" sz="1600" dirty="0"/>
-          </a:p>
-        </p:txBody>
-      </p:sp>
-      <p:sp>
-        <p:nvSpPr>
-          <p:cNvPr id="45" name="Textfeld 44"/>
-          <p:cNvSpPr txBox="1"/>
-          <p:nvPr/>
-        </p:nvSpPr>
-        <p:spPr>
-          <a:xfrm>
-            <a:off x="3450212" y="4792142"/>
-            <a:ext cx="730969" cy="338554"/>
-          </a:xfrm>
-          <a:prstGeom prst="rect">
-            <a:avLst/>
-          </a:prstGeom>
-          <a:noFill/>
-        </p:spPr>
-        <p:txBody>
-          <a:bodyPr wrap="none" rtlCol="0">
-            <a:spAutoFit/>
-          </a:bodyPr>
-          <a:lstStyle/>
-          <a:p>
-            <a:r>
-              <a:rPr lang="de-DE" sz="1600" dirty="0" smtClean="0"/>
-              <a:t>Token</a:t>
-            </a:r>
-            <a:endParaRPr lang="de-DE" sz="1600" dirty="0"/>
-          </a:p>
-        </p:txBody>
-      </p:sp>
-      <p:sp>
-        <p:nvSpPr>
-          <p:cNvPr id="46" name="Textfeld 45"/>
-          <p:cNvSpPr txBox="1"/>
-          <p:nvPr/>
-        </p:nvSpPr>
-        <p:spPr>
-          <a:xfrm>
-            <a:off x="2659003" y="3594251"/>
-            <a:ext cx="730969" cy="338554"/>
-          </a:xfrm>
-          <a:prstGeom prst="rect">
-            <a:avLst/>
-          </a:prstGeom>
-          <a:noFill/>
-        </p:spPr>
-        <p:txBody>
-          <a:bodyPr wrap="none" rtlCol="0">
-            <a:spAutoFit/>
-          </a:bodyPr>
-          <a:lstStyle/>
-          <a:p>
-            <a:r>
-              <a:rPr lang="de-DE" sz="1600" dirty="0" smtClean="0"/>
-              <a:t>Token</a:t>
-            </a:r>
-            <a:endParaRPr lang="de-DE" sz="1600" dirty="0"/>
+            <a:pPr algn="ctr"/>
+            <a:r>
+              <a:rPr lang="de-DE" sz="1800" dirty="0" err="1">
+                <a:solidFill>
+                  <a:schemeClr val="bg1"/>
+                </a:solidFill>
+                <a:latin typeface="Arial" charset="0"/>
+                <a:ea typeface="ＭＳ Ｐゴシック" pitchFamily="-110" charset="-128"/>
+              </a:rPr>
+              <a:t>Active</a:t>
+            </a:r>
+            <a:r>
+              <a:rPr lang="de-DE" sz="1800" dirty="0">
+                <a:solidFill>
+                  <a:schemeClr val="bg1"/>
+                </a:solidFill>
+                <a:latin typeface="Arial" charset="0"/>
+                <a:ea typeface="ＭＳ Ｐゴシック" pitchFamily="-110" charset="-128"/>
+              </a:rPr>
+              <a:t> </a:t>
+            </a:r>
+            <a:r>
+              <a:rPr lang="de-DE" sz="1800" dirty="0" smtClean="0">
+                <a:solidFill>
+                  <a:schemeClr val="bg1"/>
+                </a:solidFill>
+                <a:latin typeface="Arial" charset="0"/>
+                <a:ea typeface="ＭＳ Ｐゴシック" pitchFamily="-110" charset="-128"/>
+              </a:rPr>
+              <a:t>MQ / alt. </a:t>
+            </a:r>
+            <a:r>
+              <a:rPr lang="de-DE" sz="1800" dirty="0" err="1" smtClean="0">
+                <a:solidFill>
+                  <a:schemeClr val="bg1"/>
+                </a:solidFill>
+                <a:latin typeface="Arial" charset="0"/>
+                <a:ea typeface="ＭＳ Ｐゴシック" pitchFamily="-110" charset="-128"/>
+              </a:rPr>
+              <a:t>Hysterix</a:t>
+            </a:r>
+            <a:endParaRPr lang="de-DE" sz="1800" dirty="0">
+              <a:solidFill>
+                <a:schemeClr val="bg1"/>
+              </a:solidFill>
+              <a:latin typeface="Arial" charset="0"/>
+              <a:ea typeface="ＭＳ Ｐゴシック" pitchFamily="-110" charset="-128"/>
+            </a:endParaRPr>
           </a:p>
         </p:txBody>
       </p:sp>
     </p:spTree>
     <p:extLst>
       <p:ext uri="{BB962C8B-B14F-4D97-AF65-F5344CB8AC3E}">
-        <p14:creationId xmlns:p14="http://schemas.microsoft.com/office/powerpoint/2010/main" val="162452381"/>
+        <p14:creationId xmlns:p14="http://schemas.microsoft.com/office/powerpoint/2010/main" val="3339665008"/>
       </p:ext>
     </p:extLst>
   </p:cSld>
@@ -3164,9 +4528,9 @@
       </p:grpSpPr>
       <p:sp>
         <p:nvSpPr>
-          <p:cNvPr id="29698" name="Rectangle 2"/>
+          <p:cNvPr id="2" name="Titel 1"/>
           <p:cNvSpPr>
-            <a:spLocks noGrp="1" noChangeArrowheads="1"/>
+            <a:spLocks noGrp="1"/>
           </p:cNvSpPr>
           <p:nvPr>
             <p:ph type="title"/>
@@ -3178,1474 +4542,84 @@
           <a:lstStyle/>
           <a:p>
             <a:r>
-              <a:rPr lang="de-DE" altLang="de-DE" dirty="0" smtClean="0"/>
-              <a:t>Stack</a:t>
-            </a:r>
-            <a:endParaRPr lang="de-DE" altLang="de-DE" dirty="0"/>
-          </a:p>
-        </p:txBody>
-      </p:sp>
-      <p:sp>
-        <p:nvSpPr>
-          <p:cNvPr id="3" name="Rechteck 2"/>
-          <p:cNvSpPr/>
-          <p:nvPr/>
-        </p:nvSpPr>
-        <p:spPr bwMode="auto">
-          <a:xfrm>
-            <a:off x="3851920" y="1196752"/>
-            <a:ext cx="1440160" cy="1512168"/>
-          </a:xfrm>
-          <a:prstGeom prst="rect">
-            <a:avLst/>
-          </a:prstGeom>
-          <a:solidFill>
-            <a:schemeClr val="accent1"/>
-          </a:solidFill>
-          <a:ln w="9525" cap="flat" cmpd="sng" algn="ctr">
-            <a:solidFill>
-              <a:schemeClr val="tx1"/>
-            </a:solidFill>
-            <a:prstDash val="solid"/>
-            <a:round/>
-            <a:headEnd type="none" w="med" len="med"/>
-            <a:tailEnd type="none" w="med" len="med"/>
-          </a:ln>
-          <a:effectLst/>
-          <a:extLst>
-            <a:ext uri="{AF507438-7753-43E0-B8FC-AC1667EBCBE1}">
-              <a14:hiddenEffects xmlns:a14="http://schemas.microsoft.com/office/drawing/2010/main">
-                <a:effectLst>
-                  <a:outerShdw dist="35921" dir="2700000" algn="ctr" rotWithShape="0">
-                    <a:schemeClr val="bg2"/>
-                  </a:outerShdw>
-                </a:effectLst>
-              </a14:hiddenEffects>
-            </a:ext>
-          </a:extLst>
-        </p:spPr>
-        <p:txBody>
-          <a:bodyPr vert="horz" wrap="square" lIns="91440" tIns="45720" rIns="91440" bIns="45720" numCol="1" rtlCol="0" anchor="t" anchorCtr="0" compatLnSpc="1">
-            <a:prstTxWarp prst="textNoShape">
-              <a:avLst/>
-            </a:prstTxWarp>
-          </a:bodyPr>
+              <a:rPr lang="de-DE" dirty="0" smtClean="0"/>
+              <a:t>Teamsetup</a:t>
+            </a:r>
+            <a:endParaRPr lang="de-DE" dirty="0"/>
+          </a:p>
+        </p:txBody>
+      </p:sp>
+      <p:sp>
+        <p:nvSpPr>
+          <p:cNvPr id="3" name="Inhaltsplatzhalter 2"/>
+          <p:cNvSpPr>
+            <a:spLocks noGrp="1"/>
+          </p:cNvSpPr>
+          <p:nvPr>
+            <p:ph idx="1"/>
+          </p:nvPr>
+        </p:nvSpPr>
+        <p:spPr/>
+        <p:txBody>
+          <a:bodyPr/>
           <a:lstStyle/>
           <a:p>
-            <a:pPr marL="0" marR="0" indent="0" algn="ctr" defTabSz="914400" rtl="0" eaLnBrk="0" fontAlgn="base" latinLnBrk="0" hangingPunct="0">
-              <a:lnSpc>
-                <a:spcPct val="100000"/>
-              </a:lnSpc>
-              <a:spcBef>
-                <a:spcPct val="0"/>
-              </a:spcBef>
-              <a:spcAft>
-                <a:spcPct val="0"/>
-              </a:spcAft>
-              <a:buClrTx/>
-              <a:buSzTx/>
-              <a:buFontTx/>
-              <a:buNone/>
-              <a:tabLst/>
-            </a:pPr>
-            <a:r>
-              <a:rPr kumimoji="0" lang="de-DE" sz="2400" b="0" i="0" u="none" strike="noStrike" cap="none" normalizeH="0" baseline="0" dirty="0" smtClean="0">
-                <a:ln>
-                  <a:noFill/>
-                </a:ln>
-                <a:solidFill>
-                  <a:schemeClr val="tx1"/>
-                </a:solidFill>
-                <a:effectLst/>
-                <a:latin typeface="Arial" charset="0"/>
-                <a:ea typeface="ＭＳ Ｐゴシック" pitchFamily="-110" charset="-128"/>
-              </a:rPr>
-              <a:t>Main</a:t>
-            </a:r>
-          </a:p>
-        </p:txBody>
-      </p:sp>
-      <p:sp>
-        <p:nvSpPr>
-          <p:cNvPr id="6" name="Flussdiagramm: Zentralspeicher 5"/>
-          <p:cNvSpPr/>
-          <p:nvPr/>
-        </p:nvSpPr>
-        <p:spPr>
-          <a:xfrm>
-            <a:off x="4095391" y="1700808"/>
-            <a:ext cx="994300" cy="736846"/>
-          </a:xfrm>
-          <a:prstGeom prst="flowChartInternalStorage">
-            <a:avLst/>
-          </a:prstGeom>
-          <a:solidFill>
-            <a:srgbClr val="00B050"/>
-          </a:solidFill>
-          <a:ln>
-            <a:solidFill>
-              <a:schemeClr val="bg1">
-                <a:lumMod val="85000"/>
-              </a:schemeClr>
-            </a:solidFill>
-          </a:ln>
-          <a:effectLst/>
-        </p:spPr>
-        <p:style>
-          <a:lnRef idx="1">
-            <a:schemeClr val="accent3"/>
-          </a:lnRef>
-          <a:fillRef idx="2">
-            <a:schemeClr val="accent3"/>
-          </a:fillRef>
-          <a:effectRef idx="1">
-            <a:schemeClr val="accent3"/>
-          </a:effectRef>
-          <a:fontRef idx="minor">
-            <a:schemeClr val="dk1"/>
-          </a:fontRef>
-        </p:style>
-        <p:txBody>
-          <a:bodyPr rtlCol="0" anchor="ctr"/>
-          <a:lstStyle/>
-          <a:p>
-            <a:pPr algn="ctr"/>
+            <a:r>
+              <a:rPr lang="de-DE" dirty="0" smtClean="0"/>
+              <a:t>3 Teams mit je einem Frontend, Backend sowie DB-Entwickler</a:t>
+            </a:r>
+          </a:p>
+          <a:p>
+            <a:r>
+              <a:rPr lang="de-DE" dirty="0" smtClean="0"/>
+              <a:t>1 </a:t>
+            </a:r>
+            <a:r>
+              <a:rPr lang="de-DE" dirty="0" err="1" smtClean="0"/>
+              <a:t>Buildmanager</a:t>
+            </a:r>
+            <a:r>
+              <a:rPr lang="de-DE" dirty="0" smtClean="0"/>
+              <a:t> (GIT, Jenkins, </a:t>
+            </a:r>
+            <a:r>
+              <a:rPr lang="de-DE" dirty="0" err="1" smtClean="0"/>
+              <a:t>Maven</a:t>
+            </a:r>
+            <a:r>
+              <a:rPr lang="de-DE" dirty="0" smtClean="0"/>
+              <a:t>, </a:t>
+            </a:r>
+            <a:r>
+              <a:rPr lang="de-DE" dirty="0" err="1" smtClean="0"/>
+              <a:t>Continious</a:t>
+            </a:r>
+            <a:r>
+              <a:rPr lang="de-DE" dirty="0" smtClean="0"/>
+              <a:t> Integration &amp; </a:t>
+            </a:r>
+            <a:r>
+              <a:rPr lang="de-DE" dirty="0" err="1" smtClean="0"/>
+              <a:t>Deployment</a:t>
+            </a:r>
+            <a:r>
+              <a:rPr lang="de-DE" dirty="0" smtClean="0"/>
+              <a:t>)</a:t>
+            </a:r>
             <a:endParaRPr lang="de-DE" dirty="0"/>
-          </a:p>
-        </p:txBody>
-      </p:sp>
-      <p:sp>
-        <p:nvSpPr>
-          <p:cNvPr id="7" name="Rechteck 6"/>
-          <p:cNvSpPr/>
-          <p:nvPr/>
-        </p:nvSpPr>
-        <p:spPr bwMode="auto">
-          <a:xfrm>
-            <a:off x="971600" y="2852936"/>
-            <a:ext cx="1440160" cy="2736304"/>
-          </a:xfrm>
-          <a:prstGeom prst="rect">
-            <a:avLst/>
-          </a:prstGeom>
-          <a:solidFill>
-            <a:schemeClr val="accent1"/>
-          </a:solidFill>
-          <a:ln w="9525" cap="flat" cmpd="sng" algn="ctr">
-            <a:solidFill>
-              <a:schemeClr val="tx1"/>
-            </a:solidFill>
-            <a:prstDash val="solid"/>
-            <a:round/>
-            <a:headEnd type="none" w="med" len="med"/>
-            <a:tailEnd type="none" w="med" len="med"/>
-          </a:ln>
-          <a:effectLst/>
-          <a:extLst>
-            <a:ext uri="{AF507438-7753-43E0-B8FC-AC1667EBCBE1}">
-              <a14:hiddenEffects xmlns:a14="http://schemas.microsoft.com/office/drawing/2010/main">
-                <a:effectLst>
-                  <a:outerShdw dist="35921" dir="2700000" algn="ctr" rotWithShape="0">
-                    <a:schemeClr val="bg2"/>
-                  </a:outerShdw>
-                </a:effectLst>
-              </a14:hiddenEffects>
-            </a:ext>
-          </a:extLst>
-        </p:spPr>
-        <p:txBody>
-          <a:bodyPr vert="horz" wrap="square" lIns="91440" tIns="45720" rIns="91440" bIns="45720" numCol="1" rtlCol="0" anchor="t" anchorCtr="0" compatLnSpc="1">
-            <a:prstTxWarp prst="textNoShape">
-              <a:avLst/>
-            </a:prstTxWarp>
-          </a:bodyPr>
-          <a:lstStyle/>
-          <a:p>
-            <a:pPr marL="0" marR="0" indent="0" algn="ctr" defTabSz="914400" rtl="0" eaLnBrk="0" fontAlgn="base" latinLnBrk="0" hangingPunct="0">
-              <a:lnSpc>
-                <a:spcPct val="100000"/>
-              </a:lnSpc>
-              <a:spcBef>
-                <a:spcPct val="0"/>
-              </a:spcBef>
-              <a:spcAft>
-                <a:spcPct val="0"/>
-              </a:spcAft>
-              <a:buClrTx/>
-              <a:buSzTx/>
-              <a:buFontTx/>
-              <a:buNone/>
-              <a:tabLst/>
-            </a:pPr>
-            <a:r>
-              <a:rPr kumimoji="0" lang="de-DE" sz="2000" b="1" i="0" u="none" strike="noStrike" cap="none" normalizeH="0" baseline="0" dirty="0" smtClean="0">
-                <a:ln>
-                  <a:noFill/>
-                </a:ln>
-                <a:solidFill>
-                  <a:schemeClr val="tx1"/>
-                </a:solidFill>
-                <a:effectLst/>
-                <a:latin typeface="Arial" charset="0"/>
-                <a:ea typeface="ＭＳ Ｐゴシック" pitchFamily="-110" charset="-128"/>
-              </a:rPr>
-              <a:t>Content</a:t>
-            </a:r>
-          </a:p>
-        </p:txBody>
-      </p:sp>
-      <p:sp>
-        <p:nvSpPr>
-          <p:cNvPr id="8" name="Flussdiagramm: Zentralspeicher 7"/>
-          <p:cNvSpPr/>
-          <p:nvPr/>
-        </p:nvSpPr>
-        <p:spPr>
-          <a:xfrm>
-            <a:off x="1269992" y="3268218"/>
-            <a:ext cx="843378" cy="592830"/>
-          </a:xfrm>
-          <a:prstGeom prst="flowChartInternalStorage">
-            <a:avLst/>
-          </a:prstGeom>
-          <a:solidFill>
-            <a:srgbClr val="00B050"/>
-          </a:solidFill>
-          <a:ln>
-            <a:solidFill>
-              <a:schemeClr val="bg1">
-                <a:lumMod val="85000"/>
-              </a:schemeClr>
-            </a:solidFill>
-          </a:ln>
-          <a:effectLst/>
-        </p:spPr>
-        <p:style>
-          <a:lnRef idx="1">
-            <a:schemeClr val="accent3"/>
-          </a:lnRef>
-          <a:fillRef idx="2">
-            <a:schemeClr val="accent3"/>
-          </a:fillRef>
-          <a:effectRef idx="1">
-            <a:schemeClr val="accent3"/>
-          </a:effectRef>
-          <a:fontRef idx="minor">
-            <a:schemeClr val="dk1"/>
-          </a:fontRef>
-        </p:style>
-        <p:txBody>
-          <a:bodyPr rtlCol="0" anchor="ctr"/>
-          <a:lstStyle/>
-          <a:p>
-            <a:pPr algn="ctr"/>
-            <a:endParaRPr lang="de-DE" dirty="0"/>
-          </a:p>
-        </p:txBody>
-      </p:sp>
-      <p:sp>
-        <p:nvSpPr>
-          <p:cNvPr id="9" name="Flussdiagramm: Zusammenführung 8"/>
-          <p:cNvSpPr/>
-          <p:nvPr/>
-        </p:nvSpPr>
-        <p:spPr>
-          <a:xfrm>
-            <a:off x="1284420" y="4005064"/>
-            <a:ext cx="767300" cy="720080"/>
-          </a:xfrm>
-          <a:prstGeom prst="flowChartSummingJunction">
-            <a:avLst/>
-          </a:prstGeom>
-          <a:solidFill>
-            <a:srgbClr val="00B0F0"/>
-          </a:solidFill>
-          <a:ln>
-            <a:solidFill>
-              <a:schemeClr val="bg1">
-                <a:lumMod val="85000"/>
-              </a:schemeClr>
-            </a:solidFill>
-          </a:ln>
-          <a:effectLst/>
-        </p:spPr>
-        <p:style>
-          <a:lnRef idx="1">
-            <a:schemeClr val="accent3"/>
-          </a:lnRef>
-          <a:fillRef idx="2">
-            <a:schemeClr val="accent3"/>
-          </a:fillRef>
-          <a:effectRef idx="1">
-            <a:schemeClr val="accent3"/>
-          </a:effectRef>
-          <a:fontRef idx="minor">
-            <a:schemeClr val="dk1"/>
-          </a:fontRef>
-        </p:style>
-        <p:txBody>
-          <a:bodyPr rtlCol="0" anchor="ctr"/>
-          <a:lstStyle/>
-          <a:p>
-            <a:pPr algn="ctr"/>
-            <a:endParaRPr lang="de-DE"/>
-          </a:p>
-        </p:txBody>
-      </p:sp>
-      <p:sp>
-        <p:nvSpPr>
-          <p:cNvPr id="10" name="Flussdiagramm: Magnetplattenspeicher 9"/>
-          <p:cNvSpPr/>
-          <p:nvPr/>
-        </p:nvSpPr>
-        <p:spPr>
-          <a:xfrm>
-            <a:off x="1284421" y="4869160"/>
-            <a:ext cx="767300" cy="576064"/>
-          </a:xfrm>
-          <a:prstGeom prst="flowChartMagneticDisk">
-            <a:avLst/>
-          </a:prstGeom>
-          <a:solidFill>
-            <a:srgbClr val="C00000"/>
-          </a:solidFill>
-          <a:ln>
-            <a:solidFill>
-              <a:schemeClr val="bg1">
-                <a:lumMod val="95000"/>
-              </a:schemeClr>
-            </a:solidFill>
-          </a:ln>
-          <a:effectLst/>
-        </p:spPr>
-        <p:style>
-          <a:lnRef idx="1">
-            <a:schemeClr val="accent3"/>
-          </a:lnRef>
-          <a:fillRef idx="2">
-            <a:schemeClr val="accent3"/>
-          </a:fillRef>
-          <a:effectRef idx="1">
-            <a:schemeClr val="accent3"/>
-          </a:effectRef>
-          <a:fontRef idx="minor">
-            <a:schemeClr val="dk1"/>
-          </a:fontRef>
-        </p:style>
-        <p:txBody>
-          <a:bodyPr rtlCol="0" anchor="ctr"/>
-          <a:lstStyle/>
-          <a:p>
-            <a:pPr algn="ctr"/>
-            <a:endParaRPr lang="de-DE"/>
-          </a:p>
-        </p:txBody>
-      </p:sp>
-      <p:sp>
-        <p:nvSpPr>
-          <p:cNvPr id="11" name="Rechteck 10"/>
-          <p:cNvSpPr/>
-          <p:nvPr/>
-        </p:nvSpPr>
-        <p:spPr bwMode="auto">
-          <a:xfrm>
-            <a:off x="3851920" y="2852936"/>
-            <a:ext cx="1440160" cy="2736304"/>
-          </a:xfrm>
-          <a:prstGeom prst="rect">
-            <a:avLst/>
-          </a:prstGeom>
-          <a:solidFill>
-            <a:schemeClr val="accent1"/>
-          </a:solidFill>
-          <a:ln w="9525" cap="flat" cmpd="sng" algn="ctr">
-            <a:solidFill>
-              <a:schemeClr val="tx1"/>
-            </a:solidFill>
-            <a:prstDash val="solid"/>
-            <a:round/>
-            <a:headEnd type="none" w="med" len="med"/>
-            <a:tailEnd type="none" w="med" len="med"/>
-          </a:ln>
-          <a:effectLst/>
-          <a:extLst>
-            <a:ext uri="{AF507438-7753-43E0-B8FC-AC1667EBCBE1}">
-              <a14:hiddenEffects xmlns:a14="http://schemas.microsoft.com/office/drawing/2010/main">
-                <a:effectLst>
-                  <a:outerShdw dist="35921" dir="2700000" algn="ctr" rotWithShape="0">
-                    <a:schemeClr val="bg2"/>
-                  </a:outerShdw>
-                </a:effectLst>
-              </a14:hiddenEffects>
-            </a:ext>
-          </a:extLst>
-        </p:spPr>
-        <p:txBody>
-          <a:bodyPr vert="horz" wrap="square" lIns="91440" tIns="45720" rIns="91440" bIns="45720" numCol="1" rtlCol="0" anchor="t" anchorCtr="0" compatLnSpc="1">
-            <a:prstTxWarp prst="textNoShape">
-              <a:avLst/>
-            </a:prstTxWarp>
-          </a:bodyPr>
-          <a:lstStyle/>
-          <a:p>
-            <a:pPr marL="0" marR="0" indent="0" algn="ctr" defTabSz="914400" rtl="0" eaLnBrk="0" fontAlgn="base" latinLnBrk="0" hangingPunct="0">
-              <a:lnSpc>
-                <a:spcPct val="100000"/>
-              </a:lnSpc>
-              <a:spcBef>
-                <a:spcPct val="0"/>
-              </a:spcBef>
-              <a:spcAft>
-                <a:spcPct val="0"/>
-              </a:spcAft>
-              <a:buClrTx/>
-              <a:buSzTx/>
-              <a:buFontTx/>
-              <a:buNone/>
-              <a:tabLst/>
-            </a:pPr>
-            <a:r>
-              <a:rPr kumimoji="0" lang="de-DE" sz="2000" b="1" i="0" u="none" strike="noStrike" cap="none" normalizeH="0" baseline="0" dirty="0" smtClean="0">
-                <a:ln>
-                  <a:noFill/>
-                </a:ln>
-                <a:solidFill>
-                  <a:schemeClr val="tx1"/>
-                </a:solidFill>
-                <a:effectLst/>
-                <a:latin typeface="Arial" charset="0"/>
-                <a:ea typeface="ＭＳ Ｐゴシック" pitchFamily="-110" charset="-128"/>
-              </a:rPr>
-              <a:t>Login</a:t>
-            </a:r>
-          </a:p>
-        </p:txBody>
-      </p:sp>
-      <p:sp>
-        <p:nvSpPr>
-          <p:cNvPr id="12" name="Flussdiagramm: Zentralspeicher 11"/>
-          <p:cNvSpPr/>
-          <p:nvPr/>
-        </p:nvSpPr>
-        <p:spPr>
-          <a:xfrm>
-            <a:off x="4150312" y="3268218"/>
-            <a:ext cx="843378" cy="592830"/>
-          </a:xfrm>
-          <a:prstGeom prst="flowChartInternalStorage">
-            <a:avLst/>
-          </a:prstGeom>
-          <a:solidFill>
-            <a:srgbClr val="00B050"/>
-          </a:solidFill>
-          <a:ln>
-            <a:solidFill>
-              <a:schemeClr val="bg1">
-                <a:lumMod val="85000"/>
-              </a:schemeClr>
-            </a:solidFill>
-          </a:ln>
-          <a:effectLst/>
-        </p:spPr>
-        <p:style>
-          <a:lnRef idx="1">
-            <a:schemeClr val="accent3"/>
-          </a:lnRef>
-          <a:fillRef idx="2">
-            <a:schemeClr val="accent3"/>
-          </a:fillRef>
-          <a:effectRef idx="1">
-            <a:schemeClr val="accent3"/>
-          </a:effectRef>
-          <a:fontRef idx="minor">
-            <a:schemeClr val="dk1"/>
-          </a:fontRef>
-        </p:style>
-        <p:txBody>
-          <a:bodyPr rtlCol="0" anchor="ctr"/>
-          <a:lstStyle/>
-          <a:p>
-            <a:pPr algn="ctr"/>
-            <a:endParaRPr lang="de-DE" dirty="0"/>
-          </a:p>
-        </p:txBody>
-      </p:sp>
-      <p:sp>
-        <p:nvSpPr>
-          <p:cNvPr id="13" name="Flussdiagramm: Zusammenführung 12"/>
-          <p:cNvSpPr/>
-          <p:nvPr/>
-        </p:nvSpPr>
-        <p:spPr>
-          <a:xfrm>
-            <a:off x="4164740" y="4005064"/>
-            <a:ext cx="767300" cy="720080"/>
-          </a:xfrm>
-          <a:prstGeom prst="flowChartSummingJunction">
-            <a:avLst/>
-          </a:prstGeom>
-          <a:solidFill>
-            <a:srgbClr val="00B0F0"/>
-          </a:solidFill>
-          <a:ln>
-            <a:solidFill>
-              <a:schemeClr val="bg1">
-                <a:lumMod val="85000"/>
-              </a:schemeClr>
-            </a:solidFill>
-          </a:ln>
-          <a:effectLst/>
-        </p:spPr>
-        <p:style>
-          <a:lnRef idx="1">
-            <a:schemeClr val="accent3"/>
-          </a:lnRef>
-          <a:fillRef idx="2">
-            <a:schemeClr val="accent3"/>
-          </a:fillRef>
-          <a:effectRef idx="1">
-            <a:schemeClr val="accent3"/>
-          </a:effectRef>
-          <a:fontRef idx="minor">
-            <a:schemeClr val="dk1"/>
-          </a:fontRef>
-        </p:style>
-        <p:txBody>
-          <a:bodyPr rtlCol="0" anchor="ctr"/>
-          <a:lstStyle/>
-          <a:p>
-            <a:pPr algn="ctr"/>
-            <a:endParaRPr lang="de-DE"/>
-          </a:p>
-        </p:txBody>
-      </p:sp>
-      <p:sp>
-        <p:nvSpPr>
-          <p:cNvPr id="14" name="Flussdiagramm: Magnetplattenspeicher 13"/>
-          <p:cNvSpPr/>
-          <p:nvPr/>
-        </p:nvSpPr>
-        <p:spPr>
-          <a:xfrm>
-            <a:off x="4164741" y="4869160"/>
-            <a:ext cx="767300" cy="576064"/>
-          </a:xfrm>
-          <a:prstGeom prst="flowChartMagneticDisk">
-            <a:avLst/>
-          </a:prstGeom>
-          <a:solidFill>
-            <a:srgbClr val="FFC000"/>
-          </a:solidFill>
-          <a:ln>
-            <a:solidFill>
-              <a:schemeClr val="bg1">
-                <a:lumMod val="95000"/>
-              </a:schemeClr>
-            </a:solidFill>
-          </a:ln>
-          <a:effectLst/>
-        </p:spPr>
-        <p:style>
-          <a:lnRef idx="1">
-            <a:schemeClr val="accent3"/>
-          </a:lnRef>
-          <a:fillRef idx="2">
-            <a:schemeClr val="accent3"/>
-          </a:fillRef>
-          <a:effectRef idx="1">
-            <a:schemeClr val="accent3"/>
-          </a:effectRef>
-          <a:fontRef idx="minor">
-            <a:schemeClr val="dk1"/>
-          </a:fontRef>
-        </p:style>
-        <p:txBody>
-          <a:bodyPr rtlCol="0" anchor="ctr"/>
-          <a:lstStyle/>
-          <a:p>
-            <a:pPr algn="ctr"/>
-            <a:endParaRPr lang="de-DE"/>
-          </a:p>
-        </p:txBody>
-      </p:sp>
-      <p:sp>
-        <p:nvSpPr>
-          <p:cNvPr id="15" name="Rechteck 14"/>
-          <p:cNvSpPr/>
-          <p:nvPr/>
-        </p:nvSpPr>
-        <p:spPr bwMode="auto">
-          <a:xfrm>
-            <a:off x="6732240" y="2852936"/>
-            <a:ext cx="1440160" cy="2736304"/>
-          </a:xfrm>
-          <a:prstGeom prst="rect">
-            <a:avLst/>
-          </a:prstGeom>
-          <a:solidFill>
-            <a:schemeClr val="accent1"/>
-          </a:solidFill>
-          <a:ln w="9525" cap="flat" cmpd="sng" algn="ctr">
-            <a:solidFill>
-              <a:schemeClr val="tx1"/>
-            </a:solidFill>
-            <a:prstDash val="solid"/>
-            <a:round/>
-            <a:headEnd type="none" w="med" len="med"/>
-            <a:tailEnd type="none" w="med" len="med"/>
-          </a:ln>
-          <a:effectLst/>
-          <a:extLst>
-            <a:ext uri="{AF507438-7753-43E0-B8FC-AC1667EBCBE1}">
-              <a14:hiddenEffects xmlns:a14="http://schemas.microsoft.com/office/drawing/2010/main">
-                <a:effectLst>
-                  <a:outerShdw dist="35921" dir="2700000" algn="ctr" rotWithShape="0">
-                    <a:schemeClr val="bg2"/>
-                  </a:outerShdw>
-                </a:effectLst>
-              </a14:hiddenEffects>
-            </a:ext>
-          </a:extLst>
-        </p:spPr>
-        <p:txBody>
-          <a:bodyPr vert="horz" wrap="square" lIns="91440" tIns="45720" rIns="91440" bIns="45720" numCol="1" rtlCol="0" anchor="t" anchorCtr="0" compatLnSpc="1">
-            <a:prstTxWarp prst="textNoShape">
-              <a:avLst/>
-            </a:prstTxWarp>
-          </a:bodyPr>
-          <a:lstStyle/>
-          <a:p>
-            <a:pPr marL="0" marR="0" indent="0" algn="ctr" defTabSz="914400" rtl="0" eaLnBrk="0" fontAlgn="base" latinLnBrk="0" hangingPunct="0">
-              <a:lnSpc>
-                <a:spcPct val="100000"/>
-              </a:lnSpc>
-              <a:spcBef>
-                <a:spcPct val="0"/>
-              </a:spcBef>
-              <a:spcAft>
-                <a:spcPct val="0"/>
-              </a:spcAft>
-              <a:buClrTx/>
-              <a:buSzTx/>
-              <a:buFontTx/>
-              <a:buNone/>
-              <a:tabLst/>
-            </a:pPr>
-            <a:r>
-              <a:rPr kumimoji="0" lang="de-DE" sz="1600" b="1" i="0" u="none" strike="noStrike" cap="none" normalizeH="0" baseline="0" dirty="0" smtClean="0">
-                <a:ln>
-                  <a:noFill/>
-                </a:ln>
-                <a:solidFill>
-                  <a:schemeClr val="tx1"/>
-                </a:solidFill>
-                <a:effectLst/>
-                <a:latin typeface="Arial" charset="0"/>
-                <a:ea typeface="ＭＳ Ｐゴシック" pitchFamily="-110" charset="-128"/>
-              </a:rPr>
-              <a:t>Registration</a:t>
-            </a:r>
-          </a:p>
-        </p:txBody>
-      </p:sp>
-      <p:sp>
-        <p:nvSpPr>
-          <p:cNvPr id="16" name="Flussdiagramm: Zentralspeicher 15"/>
-          <p:cNvSpPr/>
-          <p:nvPr/>
-        </p:nvSpPr>
-        <p:spPr>
-          <a:xfrm>
-            <a:off x="7030632" y="3268218"/>
-            <a:ext cx="843378" cy="592830"/>
-          </a:xfrm>
-          <a:prstGeom prst="flowChartInternalStorage">
-            <a:avLst/>
-          </a:prstGeom>
-          <a:solidFill>
-            <a:srgbClr val="00B050"/>
-          </a:solidFill>
-          <a:ln>
-            <a:solidFill>
-              <a:schemeClr val="bg1">
-                <a:lumMod val="85000"/>
-              </a:schemeClr>
-            </a:solidFill>
-          </a:ln>
-          <a:effectLst/>
-        </p:spPr>
-        <p:style>
-          <a:lnRef idx="1">
-            <a:schemeClr val="accent3"/>
-          </a:lnRef>
-          <a:fillRef idx="2">
-            <a:schemeClr val="accent3"/>
-          </a:fillRef>
-          <a:effectRef idx="1">
-            <a:schemeClr val="accent3"/>
-          </a:effectRef>
-          <a:fontRef idx="minor">
-            <a:schemeClr val="dk1"/>
-          </a:fontRef>
-        </p:style>
-        <p:txBody>
-          <a:bodyPr rtlCol="0" anchor="ctr"/>
-          <a:lstStyle/>
-          <a:p>
-            <a:pPr algn="ctr"/>
-            <a:endParaRPr lang="de-DE" dirty="0"/>
-          </a:p>
-        </p:txBody>
-      </p:sp>
-      <p:sp>
-        <p:nvSpPr>
-          <p:cNvPr id="17" name="Flussdiagramm: Zusammenführung 16"/>
-          <p:cNvSpPr/>
-          <p:nvPr/>
-        </p:nvSpPr>
-        <p:spPr>
-          <a:xfrm>
-            <a:off x="7045060" y="4005064"/>
-            <a:ext cx="767300" cy="720080"/>
-          </a:xfrm>
-          <a:prstGeom prst="flowChartSummingJunction">
-            <a:avLst/>
-          </a:prstGeom>
-          <a:solidFill>
-            <a:srgbClr val="00B0F0"/>
-          </a:solidFill>
-          <a:ln>
-            <a:solidFill>
-              <a:schemeClr val="bg1">
-                <a:lumMod val="85000"/>
-              </a:schemeClr>
-            </a:solidFill>
-          </a:ln>
-          <a:effectLst/>
-        </p:spPr>
-        <p:style>
-          <a:lnRef idx="1">
-            <a:schemeClr val="accent3"/>
-          </a:lnRef>
-          <a:fillRef idx="2">
-            <a:schemeClr val="accent3"/>
-          </a:fillRef>
-          <a:effectRef idx="1">
-            <a:schemeClr val="accent3"/>
-          </a:effectRef>
-          <a:fontRef idx="minor">
-            <a:schemeClr val="dk1"/>
-          </a:fontRef>
-        </p:style>
-        <p:txBody>
-          <a:bodyPr rtlCol="0" anchor="ctr"/>
-          <a:lstStyle/>
-          <a:p>
-            <a:pPr algn="ctr"/>
-            <a:endParaRPr lang="de-DE"/>
-          </a:p>
-        </p:txBody>
-      </p:sp>
-      <p:sp>
-        <p:nvSpPr>
-          <p:cNvPr id="18" name="Flussdiagramm: Magnetplattenspeicher 17"/>
-          <p:cNvSpPr/>
-          <p:nvPr/>
-        </p:nvSpPr>
-        <p:spPr>
-          <a:xfrm>
-            <a:off x="7045061" y="4869160"/>
-            <a:ext cx="767300" cy="576064"/>
-          </a:xfrm>
-          <a:prstGeom prst="flowChartMagneticDisk">
-            <a:avLst/>
-          </a:prstGeom>
-          <a:solidFill>
-            <a:srgbClr val="FFC000"/>
-          </a:solidFill>
-          <a:ln>
-            <a:solidFill>
-              <a:schemeClr val="bg1">
-                <a:lumMod val="95000"/>
-              </a:schemeClr>
-            </a:solidFill>
-          </a:ln>
-          <a:effectLst/>
-        </p:spPr>
-        <p:style>
-          <a:lnRef idx="1">
-            <a:schemeClr val="accent3"/>
-          </a:lnRef>
-          <a:fillRef idx="2">
-            <a:schemeClr val="accent3"/>
-          </a:fillRef>
-          <a:effectRef idx="1">
-            <a:schemeClr val="accent3"/>
-          </a:effectRef>
-          <a:fontRef idx="minor">
-            <a:schemeClr val="dk1"/>
-          </a:fontRef>
-        </p:style>
-        <p:txBody>
-          <a:bodyPr rtlCol="0" anchor="ctr"/>
-          <a:lstStyle/>
-          <a:p>
-            <a:pPr algn="ctr"/>
-            <a:endParaRPr lang="de-DE"/>
-          </a:p>
-        </p:txBody>
-      </p:sp>
-      <p:sp>
-        <p:nvSpPr>
-          <p:cNvPr id="28" name="Flussdiagramm: Zentralspeicher 27"/>
-          <p:cNvSpPr/>
-          <p:nvPr/>
-        </p:nvSpPr>
-        <p:spPr>
-          <a:xfrm>
-            <a:off x="220988" y="592805"/>
-            <a:ext cx="2894164" cy="468052"/>
-          </a:xfrm>
-          <a:prstGeom prst="flowChartInternalStorage">
-            <a:avLst/>
-          </a:prstGeom>
-          <a:solidFill>
-            <a:srgbClr val="00B050"/>
-          </a:solidFill>
-          <a:ln>
-            <a:solidFill>
-              <a:schemeClr val="bg1">
-                <a:lumMod val="85000"/>
-              </a:schemeClr>
-            </a:solidFill>
-          </a:ln>
-          <a:effectLst/>
-        </p:spPr>
-        <p:style>
-          <a:lnRef idx="1">
-            <a:schemeClr val="accent3"/>
-          </a:lnRef>
-          <a:fillRef idx="2">
-            <a:schemeClr val="accent3"/>
-          </a:fillRef>
-          <a:effectRef idx="1">
-            <a:schemeClr val="accent3"/>
-          </a:effectRef>
-          <a:fontRef idx="minor">
-            <a:schemeClr val="dk1"/>
-          </a:fontRef>
-        </p:style>
-        <p:txBody>
-          <a:bodyPr rtlCol="0" anchor="ctr"/>
-          <a:lstStyle/>
-          <a:p>
-            <a:pPr algn="ctr"/>
-            <a:r>
-              <a:rPr lang="de-DE" dirty="0" err="1" smtClean="0"/>
-              <a:t>AngularJS</a:t>
-            </a:r>
-            <a:endParaRPr lang="de-DE" dirty="0"/>
-          </a:p>
-        </p:txBody>
-      </p:sp>
-      <p:sp>
-        <p:nvSpPr>
-          <p:cNvPr id="30" name="Rechteck 29"/>
-          <p:cNvSpPr/>
-          <p:nvPr/>
-        </p:nvSpPr>
-        <p:spPr bwMode="auto">
-          <a:xfrm>
-            <a:off x="211568" y="1267539"/>
-            <a:ext cx="2880319" cy="450731"/>
-          </a:xfrm>
-          <a:prstGeom prst="rect">
-            <a:avLst/>
-          </a:prstGeom>
-          <a:solidFill>
-            <a:srgbClr val="00B0F0"/>
-          </a:solidFill>
-          <a:ln>
-            <a:solidFill>
-              <a:schemeClr val="bg1">
-                <a:lumMod val="85000"/>
-              </a:schemeClr>
-            </a:solidFill>
-          </a:ln>
-          <a:effectLst/>
-        </p:spPr>
-        <p:style>
-          <a:lnRef idx="1">
-            <a:schemeClr val="accent3"/>
-          </a:lnRef>
-          <a:fillRef idx="2">
-            <a:schemeClr val="accent3"/>
-          </a:fillRef>
-          <a:effectRef idx="1">
-            <a:schemeClr val="accent3"/>
-          </a:effectRef>
-          <a:fontRef idx="minor">
-            <a:schemeClr val="dk1"/>
-          </a:fontRef>
-        </p:style>
-        <p:txBody>
-          <a:bodyPr rtlCol="0" anchor="ctr"/>
-          <a:lstStyle/>
-          <a:p>
-            <a:pPr algn="ctr"/>
-            <a:r>
-              <a:rPr lang="de-DE" dirty="0">
-                <a:solidFill>
-                  <a:schemeClr val="dk1"/>
-                </a:solidFill>
-                <a:latin typeface="+mn-lt"/>
-                <a:ea typeface="+mn-ea"/>
-              </a:rPr>
-              <a:t>Sprint </a:t>
-            </a:r>
-            <a:r>
-              <a:rPr lang="de-DE" dirty="0" smtClean="0">
-                <a:solidFill>
-                  <a:schemeClr val="dk1"/>
-                </a:solidFill>
-                <a:latin typeface="+mn-lt"/>
-                <a:ea typeface="+mn-ea"/>
-              </a:rPr>
-              <a:t>Boot</a:t>
-            </a:r>
-            <a:endParaRPr lang="de-DE" dirty="0">
-              <a:solidFill>
-                <a:schemeClr val="dk1"/>
-              </a:solidFill>
-              <a:latin typeface="+mn-lt"/>
-              <a:ea typeface="+mn-ea"/>
-            </a:endParaRPr>
-          </a:p>
-        </p:txBody>
-      </p:sp>
-      <p:sp>
-        <p:nvSpPr>
-          <p:cNvPr id="32" name="Flussdiagramm: Magnetplattenspeicher 31"/>
-          <p:cNvSpPr/>
-          <p:nvPr/>
-        </p:nvSpPr>
-        <p:spPr>
-          <a:xfrm>
-            <a:off x="5964939" y="546094"/>
-            <a:ext cx="2927540" cy="576064"/>
-          </a:xfrm>
-          <a:prstGeom prst="flowChartMagneticDisk">
-            <a:avLst/>
-          </a:prstGeom>
-          <a:solidFill>
-            <a:srgbClr val="FFC000"/>
-          </a:solidFill>
-          <a:ln>
-            <a:solidFill>
-              <a:schemeClr val="bg1">
-                <a:lumMod val="95000"/>
-              </a:schemeClr>
-            </a:solidFill>
-          </a:ln>
-          <a:effectLst/>
-        </p:spPr>
-        <p:style>
-          <a:lnRef idx="1">
-            <a:schemeClr val="accent3"/>
-          </a:lnRef>
-          <a:fillRef idx="2">
-            <a:schemeClr val="accent3"/>
-          </a:fillRef>
-          <a:effectRef idx="1">
-            <a:schemeClr val="accent3"/>
-          </a:effectRef>
-          <a:fontRef idx="minor">
-            <a:schemeClr val="dk1"/>
-          </a:fontRef>
-        </p:style>
-        <p:txBody>
-          <a:bodyPr rtlCol="0" anchor="ctr"/>
-          <a:lstStyle/>
-          <a:p>
-            <a:pPr algn="ctr"/>
-            <a:r>
-              <a:rPr lang="de-DE" dirty="0" smtClean="0"/>
-              <a:t>Apache Derby</a:t>
-            </a:r>
-            <a:endParaRPr lang="de-DE" dirty="0"/>
-          </a:p>
-        </p:txBody>
-      </p:sp>
-      <p:sp>
-        <p:nvSpPr>
-          <p:cNvPr id="34" name="Flussdiagramm: Magnetplattenspeicher 33"/>
-          <p:cNvSpPr/>
-          <p:nvPr/>
-        </p:nvSpPr>
-        <p:spPr>
-          <a:xfrm>
-            <a:off x="5988549" y="1208289"/>
-            <a:ext cx="2880320" cy="576064"/>
-          </a:xfrm>
-          <a:prstGeom prst="flowChartMagneticDisk">
-            <a:avLst/>
-          </a:prstGeom>
-          <a:solidFill>
-            <a:srgbClr val="C00000"/>
-          </a:solidFill>
-          <a:ln>
-            <a:solidFill>
-              <a:schemeClr val="bg1">
-                <a:lumMod val="95000"/>
-              </a:schemeClr>
-            </a:solidFill>
-          </a:ln>
-          <a:effectLst/>
-        </p:spPr>
-        <p:style>
-          <a:lnRef idx="1">
-            <a:schemeClr val="accent3"/>
-          </a:lnRef>
-          <a:fillRef idx="2">
-            <a:schemeClr val="accent3"/>
-          </a:fillRef>
-          <a:effectRef idx="1">
-            <a:schemeClr val="accent3"/>
-          </a:effectRef>
-          <a:fontRef idx="minor">
-            <a:schemeClr val="dk1"/>
-          </a:fontRef>
-        </p:style>
-        <p:txBody>
-          <a:bodyPr rtlCol="0" anchor="ctr"/>
-          <a:lstStyle/>
-          <a:p>
-            <a:pPr algn="ctr"/>
-            <a:r>
-              <a:rPr lang="de-DE" dirty="0" smtClean="0"/>
-              <a:t>Mongo DB</a:t>
-            </a:r>
-            <a:endParaRPr lang="de-DE" dirty="0"/>
-          </a:p>
-        </p:txBody>
-      </p:sp>
-      <p:sp>
-        <p:nvSpPr>
-          <p:cNvPr id="25" name="Rechteck 24"/>
-          <p:cNvSpPr/>
-          <p:nvPr/>
-        </p:nvSpPr>
-        <p:spPr bwMode="auto">
-          <a:xfrm>
-            <a:off x="3851920" y="5805264"/>
-            <a:ext cx="1440160" cy="944488"/>
-          </a:xfrm>
-          <a:prstGeom prst="rect">
-            <a:avLst/>
-          </a:prstGeom>
-          <a:solidFill>
-            <a:schemeClr val="accent1"/>
-          </a:solidFill>
-          <a:ln w="9525" cap="flat" cmpd="sng" algn="ctr">
-            <a:solidFill>
-              <a:schemeClr val="tx1"/>
-            </a:solidFill>
-            <a:prstDash val="solid"/>
-            <a:round/>
-            <a:headEnd type="none" w="med" len="med"/>
-            <a:tailEnd type="none" w="med" len="med"/>
-          </a:ln>
-          <a:effectLst/>
-          <a:extLst>
-            <a:ext uri="{AF507438-7753-43E0-B8FC-AC1667EBCBE1}">
-              <a14:hiddenEffects xmlns:a14="http://schemas.microsoft.com/office/drawing/2010/main">
-                <a:effectLst>
-                  <a:outerShdw dist="35921" dir="2700000" algn="ctr" rotWithShape="0">
-                    <a:schemeClr val="bg2"/>
-                  </a:outerShdw>
-                </a:effectLst>
-              </a14:hiddenEffects>
-            </a:ext>
-          </a:extLst>
-        </p:spPr>
-        <p:txBody>
-          <a:bodyPr vert="horz" wrap="square" lIns="91440" tIns="45720" rIns="91440" bIns="45720" numCol="1" rtlCol="0" anchor="t" anchorCtr="0" compatLnSpc="1">
-            <a:prstTxWarp prst="textNoShape">
-              <a:avLst/>
-            </a:prstTxWarp>
-          </a:bodyPr>
-          <a:lstStyle/>
-          <a:p>
-            <a:pPr marL="0" marR="0" indent="0" algn="ctr" defTabSz="914400" rtl="0" eaLnBrk="0" fontAlgn="base" latinLnBrk="0" hangingPunct="0">
-              <a:lnSpc>
-                <a:spcPct val="100000"/>
-              </a:lnSpc>
-              <a:spcBef>
-                <a:spcPct val="0"/>
-              </a:spcBef>
-              <a:spcAft>
-                <a:spcPct val="0"/>
-              </a:spcAft>
-              <a:buClrTx/>
-              <a:buSzTx/>
-              <a:buFontTx/>
-              <a:buNone/>
-              <a:tabLst/>
-            </a:pPr>
-            <a:r>
-              <a:rPr kumimoji="0" lang="de-DE" sz="1600" b="1" i="0" u="none" strike="noStrike" cap="none" normalizeH="0" baseline="0" dirty="0" err="1" smtClean="0">
-                <a:ln>
-                  <a:noFill/>
-                </a:ln>
-                <a:solidFill>
-                  <a:schemeClr val="tx1"/>
-                </a:solidFill>
-                <a:effectLst/>
-                <a:latin typeface="Arial" charset="0"/>
-                <a:ea typeface="ＭＳ Ｐゴシック" pitchFamily="-110" charset="-128"/>
-              </a:rPr>
-              <a:t>Auth</a:t>
-            </a:r>
-            <a:endParaRPr kumimoji="0" lang="de-DE" sz="1600" b="1" i="0" u="none" strike="noStrike" cap="none" normalizeH="0" baseline="0" dirty="0" smtClean="0">
-              <a:ln>
-                <a:noFill/>
-              </a:ln>
-              <a:solidFill>
-                <a:schemeClr val="tx1"/>
-              </a:solidFill>
-              <a:effectLst/>
-              <a:latin typeface="Arial" charset="0"/>
-              <a:ea typeface="ＭＳ Ｐゴシック" pitchFamily="-110" charset="-128"/>
-            </a:endParaRPr>
-          </a:p>
-        </p:txBody>
-      </p:sp>
-      <p:sp>
-        <p:nvSpPr>
-          <p:cNvPr id="2" name="Flussdiagramm: Datenträger mit direktem Zugriff 1"/>
-          <p:cNvSpPr/>
-          <p:nvPr/>
-        </p:nvSpPr>
-        <p:spPr bwMode="auto">
-          <a:xfrm>
-            <a:off x="5472099" y="4035116"/>
-            <a:ext cx="1080120" cy="504056"/>
-          </a:xfrm>
-          <a:prstGeom prst="flowChartMagneticDrum">
-            <a:avLst/>
-          </a:prstGeom>
-          <a:solidFill>
-            <a:srgbClr val="2F3571"/>
-          </a:solidFill>
-          <a:ln w="9525" cap="flat" cmpd="sng" algn="ctr">
-            <a:solidFill>
-              <a:schemeClr val="tx1"/>
-            </a:solidFill>
-            <a:prstDash val="solid"/>
-            <a:round/>
-            <a:headEnd type="none" w="med" len="med"/>
-            <a:tailEnd type="none" w="med" len="med"/>
-          </a:ln>
-          <a:effectLst/>
-          <a:extLst/>
-        </p:spPr>
-        <p:txBody>
-          <a:bodyPr vert="horz" wrap="square" lIns="91440" tIns="45720" rIns="91440" bIns="45720" numCol="1" rtlCol="0" anchor="t" anchorCtr="0" compatLnSpc="1">
-            <a:prstTxWarp prst="textNoShape">
-              <a:avLst/>
-            </a:prstTxWarp>
-          </a:bodyPr>
-          <a:lstStyle/>
-          <a:p>
-            <a:pPr marL="0" marR="0" indent="0" algn="l" defTabSz="914400" rtl="0" eaLnBrk="0" fontAlgn="base" latinLnBrk="0" hangingPunct="0">
-              <a:lnSpc>
-                <a:spcPct val="100000"/>
-              </a:lnSpc>
-              <a:spcBef>
-                <a:spcPct val="0"/>
-              </a:spcBef>
-              <a:spcAft>
-                <a:spcPct val="0"/>
-              </a:spcAft>
-              <a:buClrTx/>
-              <a:buSzTx/>
-              <a:buFontTx/>
-              <a:buNone/>
-              <a:tabLst/>
-            </a:pPr>
-            <a:endParaRPr kumimoji="0" lang="de-DE" sz="2400" b="0" i="0" u="none" strike="noStrike" cap="none" normalizeH="0" baseline="0" smtClean="0">
-              <a:ln>
-                <a:noFill/>
-              </a:ln>
-              <a:solidFill>
-                <a:srgbClr val="993366"/>
-              </a:solidFill>
-              <a:effectLst/>
-              <a:latin typeface="Arial" charset="0"/>
-              <a:ea typeface="ＭＳ Ｐゴシック" pitchFamily="-110" charset="-128"/>
-            </a:endParaRPr>
-          </a:p>
-        </p:txBody>
-      </p:sp>
-      <p:sp>
-        <p:nvSpPr>
-          <p:cNvPr id="4" name="Vertikales Scrollen 3"/>
-          <p:cNvSpPr/>
-          <p:nvPr/>
-        </p:nvSpPr>
-        <p:spPr bwMode="auto">
-          <a:xfrm>
-            <a:off x="4119000" y="6143446"/>
-            <a:ext cx="898299" cy="355612"/>
-          </a:xfrm>
-          <a:prstGeom prst="verticalScroll">
-            <a:avLst/>
-          </a:prstGeom>
-          <a:solidFill>
-            <a:schemeClr val="accent2">
-              <a:lumMod val="60000"/>
-              <a:lumOff val="40000"/>
-            </a:schemeClr>
-          </a:solidFill>
-          <a:ln w="9525" cap="flat" cmpd="sng" algn="ctr">
-            <a:solidFill>
-              <a:schemeClr val="tx1"/>
-            </a:solidFill>
-            <a:prstDash val="solid"/>
-            <a:round/>
-            <a:headEnd type="none" w="med" len="med"/>
-            <a:tailEnd type="none" w="med" len="med"/>
-          </a:ln>
-          <a:effectLst/>
-          <a:extLst/>
-        </p:spPr>
-        <p:txBody>
-          <a:bodyPr vert="horz" wrap="square" lIns="91440" tIns="45720" rIns="91440" bIns="45720" numCol="1" rtlCol="0" anchor="t" anchorCtr="0" compatLnSpc="1">
-            <a:prstTxWarp prst="textNoShape">
-              <a:avLst/>
-            </a:prstTxWarp>
-          </a:bodyPr>
-          <a:lstStyle/>
-          <a:p>
-            <a:pPr marL="0" marR="0" indent="0" algn="l" defTabSz="914400" rtl="0" eaLnBrk="0" fontAlgn="base" latinLnBrk="0" hangingPunct="0">
-              <a:lnSpc>
-                <a:spcPct val="100000"/>
-              </a:lnSpc>
-              <a:spcBef>
-                <a:spcPct val="0"/>
-              </a:spcBef>
-              <a:spcAft>
-                <a:spcPct val="0"/>
-              </a:spcAft>
-              <a:buClrTx/>
-              <a:buSzTx/>
-              <a:buFontTx/>
-              <a:buNone/>
-              <a:tabLst/>
-            </a:pPr>
-            <a:endParaRPr kumimoji="0" lang="de-DE" sz="2400" b="0" i="0" u="none" strike="noStrike" cap="none" normalizeH="0" baseline="0" smtClean="0">
-              <a:ln>
-                <a:noFill/>
-              </a:ln>
-              <a:solidFill>
-                <a:schemeClr val="tx1"/>
-              </a:solidFill>
-              <a:effectLst/>
-              <a:latin typeface="Arial" charset="0"/>
-              <a:ea typeface="ＭＳ Ｐゴシック" pitchFamily="-110" charset="-128"/>
-            </a:endParaRPr>
-          </a:p>
-        </p:txBody>
-      </p:sp>
-      <p:sp>
-        <p:nvSpPr>
-          <p:cNvPr id="29" name="Vertikales Scrollen 28"/>
-          <p:cNvSpPr/>
-          <p:nvPr/>
-        </p:nvSpPr>
-        <p:spPr bwMode="auto">
-          <a:xfrm>
-            <a:off x="191012" y="2001998"/>
-            <a:ext cx="2900875" cy="435655"/>
-          </a:xfrm>
-          <a:prstGeom prst="verticalScroll">
-            <a:avLst/>
-          </a:prstGeom>
-          <a:solidFill>
-            <a:schemeClr val="accent2">
-              <a:lumMod val="60000"/>
-              <a:lumOff val="40000"/>
-            </a:schemeClr>
-          </a:solidFill>
-          <a:ln w="9525" cap="flat" cmpd="sng" algn="ctr">
-            <a:solidFill>
-              <a:schemeClr val="tx1"/>
-            </a:solidFill>
-            <a:prstDash val="solid"/>
-            <a:round/>
-            <a:headEnd type="none" w="med" len="med"/>
-            <a:tailEnd type="none" w="med" len="med"/>
-          </a:ln>
-          <a:effectLst/>
-          <a:extLst/>
-        </p:spPr>
-        <p:txBody>
-          <a:bodyPr vert="horz" wrap="square" lIns="91440" tIns="45720" rIns="91440" bIns="45720" numCol="1" rtlCol="0" anchor="t" anchorCtr="0" compatLnSpc="1">
-            <a:prstTxWarp prst="textNoShape">
-              <a:avLst/>
-            </a:prstTxWarp>
-          </a:bodyPr>
-          <a:lstStyle/>
-          <a:p>
-            <a:pPr marL="0" marR="0" indent="0" algn="ctr" defTabSz="914400" rtl="0" eaLnBrk="0" fontAlgn="base" latinLnBrk="0" hangingPunct="0">
-              <a:lnSpc>
-                <a:spcPct val="100000"/>
-              </a:lnSpc>
-              <a:spcBef>
-                <a:spcPct val="0"/>
-              </a:spcBef>
-              <a:spcAft>
-                <a:spcPct val="0"/>
-              </a:spcAft>
-              <a:buClrTx/>
-              <a:buSzTx/>
-              <a:buFontTx/>
-              <a:buNone/>
-              <a:tabLst/>
-            </a:pPr>
-            <a:r>
-              <a:rPr kumimoji="0" lang="de-DE" sz="2400" b="0" i="0" u="none" strike="noStrike" cap="none" normalizeH="0" baseline="0" dirty="0" err="1" smtClean="0">
-                <a:ln>
-                  <a:noFill/>
-                </a:ln>
-                <a:solidFill>
-                  <a:schemeClr val="bg1"/>
-                </a:solidFill>
-                <a:effectLst/>
-                <a:latin typeface="Arial" charset="0"/>
-                <a:ea typeface="ＭＳ Ｐゴシック" pitchFamily="-110" charset="-128"/>
-              </a:rPr>
-              <a:t>Keycloak</a:t>
-            </a:r>
-            <a:endParaRPr kumimoji="0" lang="de-DE" sz="2400" b="0" i="0" u="none" strike="noStrike" cap="none" normalizeH="0" baseline="0" dirty="0" smtClean="0">
-              <a:ln>
-                <a:noFill/>
-              </a:ln>
-              <a:solidFill>
-                <a:schemeClr val="bg1"/>
-              </a:solidFill>
-              <a:effectLst/>
-              <a:latin typeface="Arial" charset="0"/>
-              <a:ea typeface="ＭＳ Ｐゴシック" pitchFamily="-110" charset="-128"/>
-            </a:endParaRPr>
-          </a:p>
-        </p:txBody>
-      </p:sp>
-      <p:sp>
-        <p:nvSpPr>
-          <p:cNvPr id="31" name="Rechteck 30"/>
-          <p:cNvSpPr/>
-          <p:nvPr/>
-        </p:nvSpPr>
-        <p:spPr bwMode="auto">
-          <a:xfrm>
-            <a:off x="5950022" y="1986922"/>
-            <a:ext cx="2880319" cy="450731"/>
-          </a:xfrm>
-          <a:prstGeom prst="rect">
-            <a:avLst/>
-          </a:prstGeom>
-          <a:solidFill>
-            <a:srgbClr val="2F3571"/>
-          </a:solidFill>
-          <a:ln w="9525" cap="flat" cmpd="sng" algn="ctr">
-            <a:solidFill>
-              <a:schemeClr val="tx1"/>
-            </a:solidFill>
-            <a:prstDash val="solid"/>
-            <a:round/>
-            <a:headEnd type="none" w="med" len="med"/>
-            <a:tailEnd type="none" w="med" len="med"/>
-          </a:ln>
-          <a:effectLst/>
-        </p:spPr>
-        <p:txBody>
-          <a:bodyPr rot="0" spcFirstLastPara="0" vertOverflow="overflow" horzOverflow="overflow" vert="horz" wrap="square" lIns="91440" tIns="45720" rIns="91440" bIns="45720" numCol="1" spcCol="0" rtlCol="0" fromWordArt="0" anchor="t" anchorCtr="0" forceAA="0" compatLnSpc="1">
-            <a:prstTxWarp prst="textNoShape">
-              <a:avLst/>
-            </a:prstTxWarp>
-            <a:noAutofit/>
-          </a:bodyPr>
-          <a:lstStyle/>
-          <a:p>
-            <a:pPr algn="ctr"/>
-            <a:r>
-              <a:rPr lang="de-DE" sz="1800" dirty="0" err="1">
-                <a:solidFill>
-                  <a:schemeClr val="bg1"/>
-                </a:solidFill>
-                <a:latin typeface="Arial" charset="0"/>
-                <a:ea typeface="ＭＳ Ｐゴシック" pitchFamily="-110" charset="-128"/>
-              </a:rPr>
-              <a:t>Active</a:t>
-            </a:r>
-            <a:r>
-              <a:rPr lang="de-DE" sz="1800" dirty="0">
-                <a:solidFill>
-                  <a:schemeClr val="bg1"/>
-                </a:solidFill>
-                <a:latin typeface="Arial" charset="0"/>
-                <a:ea typeface="ＭＳ Ｐゴシック" pitchFamily="-110" charset="-128"/>
-              </a:rPr>
-              <a:t> </a:t>
-            </a:r>
-            <a:r>
-              <a:rPr lang="de-DE" sz="1800" dirty="0" smtClean="0">
-                <a:solidFill>
-                  <a:schemeClr val="bg1"/>
-                </a:solidFill>
-                <a:latin typeface="Arial" charset="0"/>
-                <a:ea typeface="ＭＳ Ｐゴシック" pitchFamily="-110" charset="-128"/>
-              </a:rPr>
-              <a:t>MQ / alt. </a:t>
-            </a:r>
-            <a:r>
-              <a:rPr lang="de-DE" sz="1800" dirty="0" err="1" smtClean="0">
-                <a:solidFill>
-                  <a:schemeClr val="bg1"/>
-                </a:solidFill>
-                <a:latin typeface="Arial" charset="0"/>
-                <a:ea typeface="ＭＳ Ｐゴシック" pitchFamily="-110" charset="-128"/>
-              </a:rPr>
-              <a:t>Hysterix</a:t>
-            </a:r>
-            <a:endParaRPr lang="de-DE" sz="1800" dirty="0">
-              <a:solidFill>
-                <a:schemeClr val="bg1"/>
-              </a:solidFill>
-              <a:latin typeface="Arial" charset="0"/>
-              <a:ea typeface="ＭＳ Ｐゴシック" pitchFamily="-110" charset="-128"/>
-            </a:endParaRPr>
           </a:p>
         </p:txBody>
       </p:sp>
     </p:spTree>
     <p:extLst>
       <p:ext uri="{BB962C8B-B14F-4D97-AF65-F5344CB8AC3E}">
-        <p14:creationId xmlns:p14="http://schemas.microsoft.com/office/powerpoint/2010/main" val="3339665008"/>
+        <p14:creationId xmlns:p14="http://schemas.microsoft.com/office/powerpoint/2010/main" val="498750139"/>
       </p:ext>
     </p:extLst>
   </p:cSld>
   <p:clrMapOvr>
     <a:masterClrMapping/>
   </p:clrMapOvr>
-  <p:timing>
-    <p:tnLst>
-      <p:par>
-        <p:cTn id="1" dur="indefinite" restart="never" nodeType="tmRoot"/>
-      </p:par>
-    </p:tnLst>
-  </p:timing>
 </p:sld>
 </file>
 
@@ -4668,9 +4642,9 @@
       </p:grpSpPr>
       <p:sp>
         <p:nvSpPr>
-          <p:cNvPr id="29698" name="Rectangle 2"/>
+          <p:cNvPr id="2" name="Titel 1"/>
           <p:cNvSpPr>
-            <a:spLocks noGrp="1" noChangeArrowheads="1"/>
+            <a:spLocks noGrp="1"/>
           </p:cNvSpPr>
           <p:nvPr>
             <p:ph type="title"/>
@@ -4683,26 +4657,26 @@
           <a:p>
             <a:r>
               <a:rPr lang="de-DE" dirty="0" smtClean="0"/>
-              <a:t>Setup - Java</a:t>
-            </a:r>
-            <a:endParaRPr lang="de-DE" altLang="de-DE" dirty="0"/>
-          </a:p>
-        </p:txBody>
-      </p:sp>
-      <p:sp>
-        <p:nvSpPr>
-          <p:cNvPr id="29699" name="Rectangle 3"/>
+              <a:t>Zeitplan</a:t>
+            </a:r>
+            <a:endParaRPr lang="de-DE" dirty="0"/>
+          </a:p>
+        </p:txBody>
+      </p:sp>
+      <p:sp>
+        <p:nvSpPr>
+          <p:cNvPr id="3" name="Inhaltsplatzhalter 2"/>
           <p:cNvSpPr>
-            <a:spLocks noGrp="1" noChangeArrowheads="1"/>
+            <a:spLocks noGrp="1"/>
           </p:cNvSpPr>
           <p:nvPr>
-            <p:ph type="body" idx="1"/>
+            <p:ph idx="1"/>
           </p:nvPr>
         </p:nvSpPr>
         <p:spPr>
           <a:xfrm>
-            <a:off x="251520" y="1268760"/>
-            <a:ext cx="8640960" cy="4114800"/>
+            <a:off x="685800" y="1524000"/>
+            <a:ext cx="7772400" cy="5073352"/>
           </a:xfrm>
         </p:spPr>
         <p:txBody>
@@ -4710,126 +4684,73 @@
           <a:lstStyle/>
           <a:p>
             <a:r>
-              <a:rPr lang="en-US" dirty="0" smtClean="0">
-                <a:solidFill>
-                  <a:schemeClr val="tx1"/>
-                </a:solidFill>
-                <a:latin typeface="+mn-lt"/>
-                <a:ea typeface="+mn-ea"/>
-                <a:cs typeface="+mn-cs"/>
-              </a:rPr>
-              <a:t>Download und </a:t>
-            </a:r>
-            <a:r>
-              <a:rPr lang="en-US" dirty="0" smtClean="0"/>
-              <a:t>Installation von Java 8:</a:t>
-            </a:r>
-            <a:br>
-              <a:rPr lang="en-US" dirty="0" smtClean="0"/>
-            </a:br>
-            <a:r>
-              <a:rPr lang="en-US" dirty="0" smtClean="0">
-                <a:hlinkClick r:id="rId2"/>
-              </a:rPr>
-              <a:t>https</a:t>
-            </a:r>
-            <a:r>
-              <a:rPr lang="en-US" dirty="0">
-                <a:hlinkClick r:id="rId2"/>
-              </a:rPr>
-              <a:t>://java.com/de/download</a:t>
-            </a:r>
-            <a:r>
-              <a:rPr lang="en-US" dirty="0" smtClean="0">
-                <a:hlinkClick r:id="rId2"/>
-              </a:rPr>
-              <a:t>/</a:t>
-            </a:r>
-            <a:endParaRPr lang="en-US" dirty="0" smtClean="0"/>
-          </a:p>
-          <a:p>
-            <a:r>
-              <a:rPr lang="en-US" dirty="0" err="1" smtClean="0"/>
-              <a:t>Setzen</a:t>
-            </a:r>
-            <a:r>
-              <a:rPr lang="en-US" dirty="0" smtClean="0"/>
-              <a:t> der </a:t>
-            </a:r>
-            <a:r>
-              <a:rPr lang="en-US" dirty="0" err="1" smtClean="0"/>
-              <a:t>Umgebungsvariablen</a:t>
-            </a:r>
-            <a:r>
-              <a:rPr lang="en-US" dirty="0" smtClean="0"/>
-              <a:t> JAVA_HOME</a:t>
-            </a:r>
-          </a:p>
-          <a:p>
-            <a:r>
-              <a:rPr lang="en-US" dirty="0" smtClean="0"/>
-              <a:t>Java in </a:t>
-            </a:r>
-            <a:r>
-              <a:rPr lang="en-US" dirty="0" err="1" smtClean="0"/>
-              <a:t>Pfad</a:t>
-            </a:r>
-            <a:r>
-              <a:rPr lang="en-US" dirty="0" smtClean="0"/>
-              <a:t> </a:t>
-            </a:r>
-            <a:r>
-              <a:rPr lang="en-US" dirty="0" err="1" smtClean="0"/>
-              <a:t>eintragen</a:t>
-            </a:r>
-            <a:endParaRPr lang="en-US" dirty="0" smtClean="0"/>
-          </a:p>
-          <a:p>
-            <a:r>
-              <a:rPr lang="en-US" dirty="0" err="1" smtClean="0"/>
-              <a:t>Prüfen</a:t>
-            </a:r>
-            <a:r>
-              <a:rPr lang="en-US" dirty="0" smtClean="0"/>
-              <a:t>: cmd.exe </a:t>
-            </a:r>
-            <a:r>
-              <a:rPr lang="en-US" dirty="0" err="1" smtClean="0"/>
-              <a:t>öffnen</a:t>
-            </a:r>
-            <a:r>
-              <a:rPr lang="en-US" dirty="0" smtClean="0"/>
-              <a:t> und java </a:t>
-            </a:r>
-            <a:r>
-              <a:rPr lang="en-US" dirty="0" err="1" smtClean="0"/>
-              <a:t>eingeben</a:t>
-            </a:r>
-            <a:r>
-              <a:rPr lang="en-US" dirty="0" smtClean="0"/>
-              <a:t>.</a:t>
-            </a:r>
-            <a:endParaRPr lang="de-DE" dirty="0" smtClean="0"/>
+              <a:rPr lang="de-DE" dirty="0" smtClean="0"/>
+              <a:t>7 Termine a 4 h</a:t>
+            </a:r>
+          </a:p>
+          <a:p>
+            <a:r>
+              <a:rPr lang="de-DE" dirty="0" smtClean="0"/>
+              <a:t>Alle 14 Tage</a:t>
+            </a:r>
+          </a:p>
+          <a:p>
+            <a:r>
+              <a:rPr lang="de-DE" dirty="0" smtClean="0"/>
+              <a:t>Insgesamt 40 h, also 3Termine ohne mich!</a:t>
+            </a:r>
+          </a:p>
+          <a:p>
+            <a:r>
+              <a:rPr lang="de-DE" dirty="0" smtClean="0"/>
+              <a:t>Terminvorschläge:</a:t>
+            </a:r>
+          </a:p>
+          <a:p>
+            <a:pPr lvl="1"/>
+            <a:r>
+              <a:rPr lang="de-DE" dirty="0" smtClean="0"/>
+              <a:t>Setup: 5.4.</a:t>
+            </a:r>
+          </a:p>
+          <a:p>
+            <a:pPr lvl="1"/>
+            <a:r>
+              <a:rPr lang="de-DE" dirty="0" err="1" smtClean="0"/>
+              <a:t>Resarch</a:t>
+            </a:r>
+            <a:r>
+              <a:rPr lang="de-DE" dirty="0" smtClean="0"/>
+              <a:t>: 12.4., 26.4.</a:t>
+            </a:r>
+          </a:p>
+          <a:p>
+            <a:pPr lvl="1"/>
+            <a:r>
+              <a:rPr lang="de-DE" dirty="0" smtClean="0"/>
+              <a:t>Workshops: 10.5., 17.5, 24.5., 7.6.</a:t>
+            </a:r>
+          </a:p>
+          <a:p>
+            <a:pPr lvl="1"/>
+            <a:r>
+              <a:rPr lang="de-DE" dirty="0" smtClean="0"/>
+              <a:t>Präsentation: 14.6.</a:t>
+            </a:r>
+            <a:endParaRPr lang="de-DE" dirty="0"/>
           </a:p>
         </p:txBody>
       </p:sp>
     </p:spTree>
     <p:extLst>
       <p:ext uri="{BB962C8B-B14F-4D97-AF65-F5344CB8AC3E}">
-        <p14:creationId xmlns:p14="http://schemas.microsoft.com/office/powerpoint/2010/main" val="4222495743"/>
+        <p14:creationId xmlns:p14="http://schemas.microsoft.com/office/powerpoint/2010/main" val="2790886193"/>
       </p:ext>
     </p:extLst>
   </p:cSld>
   <p:clrMapOvr>
     <a:masterClrMapping/>
   </p:clrMapOvr>
-  <p:timing>
-    <p:tnLst>
-      <p:par>
-        <p:cTn id="1" dur="indefinite" restart="never" nodeType="tmRoot"/>
-      </p:par>
-    </p:tnLst>
-  </p:timing>
 </p:sld>
 </file>
 
@@ -4867,11 +4788,7 @@
           <a:p>
             <a:r>
               <a:rPr lang="de-DE" dirty="0" smtClean="0"/>
-              <a:t>Setup – </a:t>
-            </a:r>
-            <a:r>
-              <a:rPr lang="de-DE" dirty="0" err="1" smtClean="0"/>
-              <a:t>git</a:t>
+              <a:t>Setup - Java</a:t>
             </a:r>
             <a:endParaRPr lang="de-DE" altLang="de-DE" dirty="0"/>
           </a:p>
@@ -4906,141 +4823,26 @@
                 <a:ea typeface="+mn-ea"/>
                 <a:cs typeface="+mn-cs"/>
               </a:rPr>
-              <a:t>Download und Installation </a:t>
-            </a:r>
-            <a:r>
-              <a:rPr lang="en-US" dirty="0" err="1" smtClean="0">
-                <a:solidFill>
-                  <a:schemeClr val="tx1"/>
-                </a:solidFill>
-                <a:latin typeface="+mn-lt"/>
-                <a:ea typeface="+mn-ea"/>
-                <a:cs typeface="+mn-cs"/>
+              <a:t>Download und </a:t>
+            </a:r>
+            <a:r>
+              <a:rPr lang="en-US" dirty="0" smtClean="0"/>
+              <a:t>Installation von Java 8:</a:t>
+            </a:r>
+            <a:br>
+              <a:rPr lang="en-US" dirty="0" smtClean="0"/>
+            </a:br>
+            <a:r>
+              <a:rPr lang="en-US" dirty="0" smtClean="0">
+                <a:hlinkClick r:id="rId2"/>
               </a:rPr>
-              <a:t>git</a:t>
-            </a:r>
-            <a:r>
-              <a:rPr lang="en-US" dirty="0"/>
-              <a:t>:</a:t>
-            </a:r>
-            <a:br>
-              <a:rPr lang="en-US" dirty="0"/>
-            </a:br>
-            <a:r>
-              <a:rPr lang="en-US" dirty="0"/>
-              <a:t>https://gitforwindows.org/</a:t>
-            </a:r>
-          </a:p>
-          <a:p>
-            <a:r>
-              <a:rPr lang="en-US" dirty="0" smtClean="0">
-                <a:solidFill>
-                  <a:schemeClr val="tx1"/>
-                </a:solidFill>
-                <a:latin typeface="+mn-lt"/>
-                <a:ea typeface="+mn-ea"/>
-                <a:cs typeface="+mn-cs"/>
-              </a:rPr>
-              <a:t>Download und </a:t>
-            </a:r>
-            <a:r>
-              <a:rPr lang="en-US" dirty="0" smtClean="0"/>
-              <a:t>Installation von </a:t>
-            </a:r>
-            <a:r>
-              <a:rPr lang="en-US" dirty="0" err="1" smtClean="0"/>
-              <a:t>TortoiseGit</a:t>
-            </a:r>
-            <a:r>
-              <a:rPr lang="en-US" dirty="0" smtClean="0"/>
-              <a:t>:</a:t>
-            </a:r>
-            <a:r>
-              <a:rPr lang="en-US" dirty="0"/>
-              <a:t/>
-            </a:r>
-            <a:br>
-              <a:rPr lang="en-US" dirty="0"/>
-            </a:br>
-            <a:r>
-              <a:rPr lang="en-US" dirty="0"/>
-              <a:t>https://tortoisegit.org/download/</a:t>
-            </a:r>
-            <a:endParaRPr lang="en-US" dirty="0" smtClean="0"/>
-          </a:p>
-          <a:p>
-            <a:r>
-              <a:rPr lang="en-US" dirty="0" err="1" smtClean="0"/>
-              <a:t>Entpacken</a:t>
-            </a:r>
-            <a:r>
-              <a:rPr lang="en-US" dirty="0" smtClean="0"/>
-              <a:t> </a:t>
-            </a:r>
-            <a:r>
-              <a:rPr lang="en-US" dirty="0" err="1" smtClean="0"/>
-              <a:t>nach</a:t>
-            </a:r>
-            <a:r>
-              <a:rPr lang="en-US" dirty="0"/>
-              <a:t> C:\Users\</a:t>
-            </a:r>
-            <a:r>
-              <a:rPr lang="en-US" i="1" dirty="0"/>
-              <a:t>Benutzer</a:t>
-            </a:r>
-            <a:r>
-              <a:rPr lang="en-US" dirty="0"/>
-              <a:t> \</a:t>
-            </a:r>
-            <a:r>
-              <a:rPr lang="en-US" dirty="0" smtClean="0"/>
-              <a:t>Documents\RMS-Project\</a:t>
-            </a:r>
-            <a:r>
-              <a:rPr lang="en-US" dirty="0" err="1" smtClean="0"/>
-              <a:t>git</a:t>
-            </a:r>
-            <a:endParaRPr lang="en-US" dirty="0" smtClean="0"/>
-          </a:p>
-          <a:p>
-            <a:r>
-              <a:rPr lang="en-US" dirty="0" err="1" smtClean="0"/>
-              <a:t>Anlegen</a:t>
-            </a:r>
-            <a:r>
-              <a:rPr lang="en-US" dirty="0" smtClean="0"/>
-              <a:t> </a:t>
-            </a:r>
-            <a:r>
-              <a:rPr lang="en-US" dirty="0" err="1" smtClean="0"/>
-              <a:t>eines</a:t>
-            </a:r>
-            <a:r>
-              <a:rPr lang="en-US" dirty="0" smtClean="0"/>
-              <a:t> </a:t>
-            </a:r>
-            <a:r>
-              <a:rPr lang="en-US" dirty="0" err="1" smtClean="0"/>
-              <a:t>Projekts</a:t>
-            </a:r>
-            <a:r>
-              <a:rPr lang="en-US" dirty="0" smtClean="0"/>
-              <a:t> </a:t>
-            </a:r>
-            <a:r>
-              <a:rPr lang="en-US" dirty="0" err="1" smtClean="0"/>
-              <a:t>unter</a:t>
-            </a:r>
-            <a:r>
-              <a:rPr lang="en-US" dirty="0"/>
-              <a:t> </a:t>
+              <a:t>https</a:t>
             </a:r>
             <a:r>
               <a:rPr lang="en-US" dirty="0">
                 <a:hlinkClick r:id="rId2"/>
               </a:rPr>
-              <a:t>https://github.com</a:t>
+              <a:t>://java.com/de/download</a:t>
             </a:r>
             <a:r>
               <a:rPr lang="en-US" dirty="0" smtClean="0">
@@ -5051,14 +4853,75 @@
             <a:endParaRPr lang="en-US" dirty="0" smtClean="0"/>
           </a:p>
           <a:p>
-            <a:endParaRPr lang="en-US" dirty="0"/>
+            <a:r>
+              <a:rPr lang="en-US" dirty="0" err="1" smtClean="0"/>
+              <a:t>Setzen</a:t>
+            </a:r>
+            <a:r>
+              <a:rPr lang="en-US" dirty="0" smtClean="0"/>
+              <a:t> der </a:t>
+            </a:r>
+            <a:r>
+              <a:rPr lang="en-US" dirty="0" err="1" smtClean="0"/>
+              <a:t>Umgebungsvariablen</a:t>
+            </a:r>
+            <a:r>
+              <a:rPr lang="en-US" dirty="0" smtClean="0"/>
+              <a:t> JAVA_HOME</a:t>
+            </a:r>
+          </a:p>
+          <a:p>
+            <a:r>
+              <a:rPr lang="en-US" dirty="0" smtClean="0"/>
+              <a:t>Java in </a:t>
+            </a:r>
+            <a:r>
+              <a:rPr lang="en-US" dirty="0" err="1" smtClean="0"/>
+              <a:t>Pfad</a:t>
+            </a:r>
+            <a:r>
+              <a:rPr lang="en-US" dirty="0" smtClean="0"/>
+              <a:t> </a:t>
+            </a:r>
+            <a:r>
+              <a:rPr lang="en-US" dirty="0" err="1" smtClean="0"/>
+              <a:t>eintragen</a:t>
+            </a:r>
+            <a:endParaRPr lang="en-US" dirty="0" smtClean="0"/>
+          </a:p>
+          <a:p>
+            <a:r>
+              <a:rPr lang="en-US" dirty="0" err="1" smtClean="0"/>
+              <a:t>Prüfen</a:t>
+            </a:r>
+            <a:r>
+              <a:rPr lang="en-US" dirty="0" smtClean="0"/>
+              <a:t>: cmd.exe </a:t>
+            </a:r>
+            <a:r>
+              <a:rPr lang="en-US" dirty="0" err="1" smtClean="0"/>
+              <a:t>öffnen</a:t>
+            </a:r>
+            <a:r>
+              <a:rPr lang="en-US" dirty="0" smtClean="0"/>
+              <a:t> und java </a:t>
+            </a:r>
+            <a:r>
+              <a:rPr lang="en-US" dirty="0" err="1" smtClean="0"/>
+              <a:t>eingeben</a:t>
+            </a:r>
+            <a:r>
+              <a:rPr lang="en-US" dirty="0" smtClean="0"/>
+              <a:t>.</a:t>
+            </a:r>
+            <a:endParaRPr lang="de-DE" dirty="0" smtClean="0"/>
           </a:p>
         </p:txBody>
       </p:sp>
     </p:spTree>
     <p:extLst>
       <p:ext uri="{BB962C8B-B14F-4D97-AF65-F5344CB8AC3E}">
-        <p14:creationId xmlns:p14="http://schemas.microsoft.com/office/powerpoint/2010/main" val="45437108"/>
+        <p14:creationId xmlns:p14="http://schemas.microsoft.com/office/powerpoint/2010/main" val="4222495743"/>
       </p:ext>
     </p:extLst>
   </p:cSld>
@@ -5109,7 +4972,11 @@
           <a:p>
             <a:r>
               <a:rPr lang="de-DE" dirty="0" smtClean="0"/>
-              <a:t>Setup – maven3</a:t>
+              <a:t>Setup – </a:t>
+            </a:r>
+            <a:r>
+              <a:rPr lang="de-DE" dirty="0" err="1" smtClean="0"/>
+              <a:t>git</a:t>
             </a:r>
             <a:endParaRPr lang="de-DE" altLang="de-DE" dirty="0"/>
           </a:p>
@@ -5144,22 +5011,65 @@
                 <a:ea typeface="+mn-ea"/>
                 <a:cs typeface="+mn-cs"/>
               </a:rPr>
-              <a:t>Download und </a:t>
-            </a:r>
-            <a:r>
-              <a:rPr lang="en-US" dirty="0" smtClean="0"/>
-              <a:t>Installation von maven3:</a:t>
+              <a:t>Download und Installation </a:t>
+            </a:r>
+            <a:r>
+              <a:rPr lang="en-US" dirty="0" err="1" smtClean="0">
+                <a:solidFill>
+                  <a:schemeClr val="tx1"/>
+                </a:solidFill>
+                <a:latin typeface="+mn-lt"/>
+                <a:ea typeface="+mn-ea"/>
+                <a:cs typeface="+mn-cs"/>
+              </a:rPr>
+              <a:t>git</a:t>
             </a:r>
             <a:r>
               <a:rPr lang="en-US" dirty="0"/>
-              <a:t/>
+              <a:t>:</a:t>
             </a:r>
             <a:br>
               <a:rPr lang="en-US" dirty="0"/>
             </a:br>
             <a:r>
               <a:rPr lang="en-US" dirty="0"/>
-              <a:t>https://maven.apache.org/download.cgi</a:t>
+              <a:t>https://gitforwindows.org/</a:t>
+            </a:r>
+          </a:p>
+          <a:p>
+            <a:r>
+              <a:rPr lang="en-US" dirty="0" smtClean="0">
+                <a:solidFill>
+                  <a:schemeClr val="tx1"/>
+                </a:solidFill>
+                <a:latin typeface="+mn-lt"/>
+                <a:ea typeface="+mn-ea"/>
+                <a:cs typeface="+mn-cs"/>
+              </a:rPr>
+              <a:t>Download und </a:t>
+            </a:r>
+            <a:r>
+              <a:rPr lang="en-US" dirty="0" smtClean="0"/>
+              <a:t>Installation von </a:t>
+            </a:r>
+            <a:r>
+              <a:rPr lang="en-US" dirty="0" err="1" smtClean="0"/>
+              <a:t>TortoiseGit</a:t>
+            </a:r>
+            <a:r>
+              <a:rPr lang="en-US" dirty="0" smtClean="0"/>
+              <a:t>:</a:t>
+            </a:r>
+            <a:r>
+              <a:rPr lang="en-US" dirty="0"/>
+              <a:t/>
+            </a:r>
+            <a:br>
+              <a:rPr lang="en-US" dirty="0"/>
+            </a:br>
+            <a:r>
+              <a:rPr lang="en-US" dirty="0"/>
+              <a:t>https://tortoisegit.org/download/</a:t>
             </a:r>
             <a:endParaRPr lang="en-US" dirty="0" smtClean="0"/>
           </a:p>
@@ -5194,18 +5104,14 @@
             </a:r>
             <a:r>
               <a:rPr lang="en-US" dirty="0" err="1" smtClean="0"/>
-              <a:t>mvn</a:t>
-            </a:r>
-            <a:endParaRPr lang="en-US" dirty="0"/>
-          </a:p>
-          <a:p>
-            <a:r>
-              <a:rPr lang="en-US" dirty="0" smtClean="0"/>
-              <a:t>maven3 in </a:t>
-            </a:r>
+              <a:t>git</a:t>
+            </a:r>
+            <a:endParaRPr lang="en-US" dirty="0" smtClean="0"/>
+          </a:p>
+          <a:p>
             <a:r>
               <a:rPr lang="en-US" dirty="0" err="1" smtClean="0"/>
-              <a:t>Pfad</a:t>
+              <a:t>Anlegen</a:t>
             </a:r>
             <a:r>
               <a:rPr lang="en-US" dirty="0" smtClean="0"/>
@@ -5213,30 +5119,7 @@
             </a:r>
             <a:r>
               <a:rPr lang="en-US" dirty="0" err="1" smtClean="0"/>
-              <a:t>eintragen</a:t>
-            </a:r>
-            <a:endParaRPr lang="en-US" dirty="0" smtClean="0"/>
-          </a:p>
-          <a:p>
-            <a:r>
-              <a:rPr lang="en-US" dirty="0" err="1" smtClean="0"/>
-              <a:t>Prüfen</a:t>
-            </a:r>
-            <a:r>
-              <a:rPr lang="en-US" dirty="0" smtClean="0"/>
-              <a:t>: cmd.exe </a:t>
-            </a:r>
-            <a:r>
-              <a:rPr lang="en-US" dirty="0" err="1" smtClean="0"/>
-              <a:t>öffnen</a:t>
-            </a:r>
-            <a:r>
-              <a:rPr lang="en-US" dirty="0" smtClean="0"/>
-              <a:t> und </a:t>
-            </a:r>
-            <a:r>
-              <a:rPr lang="en-US" dirty="0" err="1" smtClean="0"/>
-              <a:t>mvn</a:t>
+              <a:t>eines</a:t>
             </a:r>
             <a:r>
               <a:rPr lang="en-US" dirty="0" smtClean="0"/>
@@ -5244,20 +5127,43 @@
             </a:r>
             <a:r>
               <a:rPr lang="en-US" dirty="0" err="1" smtClean="0"/>
-              <a:t>eingeben</a:t>
+              <a:t>Projekts</a:t>
             </a:r>
             <a:r>
               <a:rPr lang="en-US" dirty="0" smtClean="0"/>
-              <a:t>.</a:t>
-            </a:r>
-            <a:endParaRPr lang="de-DE" dirty="0" smtClean="0"/>
+              <a:t> </a:t>
+            </a:r>
+            <a:r>
+              <a:rPr lang="en-US" dirty="0" err="1" smtClean="0"/>
+              <a:t>unter</a:t>
+            </a:r>
+            <a:r>
+              <a:rPr lang="en-US" dirty="0"/>
+              <a:t> </a:t>
+            </a:r>
+            <a:r>
+              <a:rPr lang="en-US" dirty="0">
+                <a:hlinkClick r:id="rId2"/>
+              </a:rPr>
+              <a:t>https://github.com</a:t>
+            </a:r>
+            <a:r>
+              <a:rPr lang="en-US" dirty="0" smtClean="0">
+                <a:hlinkClick r:id="rId2"/>
+              </a:rPr>
+              <a:t>/</a:t>
+            </a:r>
+            <a:endParaRPr lang="en-US" dirty="0" smtClean="0"/>
+          </a:p>
+          <a:p>
+            <a:endParaRPr lang="en-US" dirty="0"/>
           </a:p>
         </p:txBody>
       </p:sp>
     </p:spTree>
     <p:extLst>
       <p:ext uri="{BB962C8B-B14F-4D97-AF65-F5344CB8AC3E}">
-        <p14:creationId xmlns:p14="http://schemas.microsoft.com/office/powerpoint/2010/main" val="3845412176"/>
+        <p14:creationId xmlns:p14="http://schemas.microsoft.com/office/powerpoint/2010/main" val="45437108"/>
       </p:ext>
     </p:extLst>
   </p:cSld>
@@ -5308,7 +5214,7 @@
           <a:p>
             <a:r>
               <a:rPr lang="de-DE" dirty="0" smtClean="0"/>
-              <a:t>Setup – Spring Tool Suite</a:t>
+              <a:t>Setup – maven3</a:t>
             </a:r>
             <a:endParaRPr lang="de-DE" altLang="de-DE" dirty="0"/>
           </a:p>
@@ -5347,7 +5253,7 @@
             </a:r>
             <a:r>
               <a:rPr lang="en-US" dirty="0" smtClean="0"/>
-              <a:t>Installation von STS:</a:t>
+              <a:t>Installation von maven3:</a:t>
             </a:r>
             <a:r>
               <a:rPr lang="en-US" dirty="0"/>
@@ -5358,7 +5264,7 @@
             </a:br>
             <a:r>
               <a:rPr lang="en-US" dirty="0"/>
-              <a:t>https://spring.io/tools</a:t>
+              <a:t>https://maven.apache.org/download.cgi</a:t>
             </a:r>
             <a:endParaRPr lang="en-US" dirty="0" smtClean="0"/>
           </a:p>
@@ -5376,50 +5282,79 @@
               <a:t>nach</a:t>
             </a:r>
             <a:r>
+              <a:rPr lang="en-US" dirty="0"/>
+              <a:t> C:\Users\</a:t>
+            </a:r>
+            <a:r>
+              <a:rPr lang="en-US" i="1" dirty="0"/>
+              <a:t>Benutzer</a:t>
+            </a:r>
+            <a:r>
+              <a:rPr lang="en-US" dirty="0"/>
+              <a:t> \</a:t>
+            </a:r>
+            <a:r>
+              <a:rPr lang="en-US" dirty="0" smtClean="0"/>
+              <a:t>Documents\RMS-Project\</a:t>
+            </a:r>
+            <a:r>
+              <a:rPr lang="en-US" dirty="0" err="1" smtClean="0"/>
+              <a:t>mvn</a:t>
+            </a:r>
+            <a:endParaRPr lang="en-US" dirty="0"/>
+          </a:p>
+          <a:p>
+            <a:r>
+              <a:rPr lang="en-US" dirty="0" smtClean="0"/>
+              <a:t>maven3 in </a:t>
+            </a:r>
+            <a:r>
+              <a:rPr lang="en-US" dirty="0" err="1" smtClean="0"/>
+              <a:t>Pfad</a:t>
+            </a:r>
+            <a:r>
               <a:rPr lang="en-US" dirty="0" smtClean="0"/>
               <a:t> </a:t>
             </a:r>
             <a:r>
-              <a:rPr lang="en-US" dirty="0"/>
-              <a:t>C:\Users\</a:t>
-            </a:r>
-            <a:r>
-              <a:rPr lang="en-US" i="1" dirty="0"/>
-              <a:t>Benutzer</a:t>
-            </a:r>
-            <a:r>
-              <a:rPr lang="en-US" dirty="0"/>
-              <a:t> \</a:t>
+              <a:rPr lang="en-US" dirty="0" err="1" smtClean="0"/>
+              <a:t>eintragen</a:t>
+            </a:r>
+            <a:endParaRPr lang="en-US" dirty="0" smtClean="0"/>
+          </a:p>
+          <a:p>
+            <a:r>
+              <a:rPr lang="en-US" dirty="0" err="1" smtClean="0"/>
+              <a:t>Prüfen</a:t>
             </a:r>
             <a:r>
               <a:rPr lang="en-US" dirty="0" smtClean="0"/>
-              <a:t>Documents\RMS-Project\</a:t>
+              <a:t>: cmd.exe </a:t>
             </a:r>
             <a:r>
               <a:rPr lang="en-US" dirty="0" err="1" smtClean="0"/>
-              <a:t>sts</a:t>
+              <a:t>öffnen</a:t>
+            </a:r>
+            <a:r>
+              <a:rPr lang="en-US" dirty="0" smtClean="0"/>
+              <a:t> und </a:t>
+            </a:r>
+            <a:r>
+              <a:rPr lang="en-US" dirty="0" err="1" smtClean="0"/>
+              <a:t>mvn</a:t>
             </a:r>
             <a:r>
               <a:rPr lang="en-US" dirty="0" smtClean="0"/>
               <a:t> </a:t>
             </a:r>
-          </a:p>
-          <a:p>
             <a:r>
               <a:rPr lang="en-US" dirty="0" err="1" smtClean="0"/>
-              <a:t>Verknüpfung</a:t>
+              <a:t>eingeben</a:t>
             </a:r>
             <a:r>
               <a:rPr lang="en-US" dirty="0" smtClean="0"/>
-              <a:t> auf Desktop </a:t>
-            </a:r>
-            <a:r>
-              <a:rPr lang="en-US" dirty="0" err="1" smtClean="0"/>
-              <a:t>anlegen</a:t>
-            </a:r>
-            <a:endParaRPr lang="en-US" dirty="0" smtClean="0"/>
-          </a:p>
-          <a:p>
+              <a:t>.</a:t>
+            </a:r>
             <a:endParaRPr lang="de-DE" dirty="0" smtClean="0"/>
           </a:p>
         </p:txBody>
@@ -5427,7 +5362,7 @@
     </p:spTree>
     <p:extLst>
       <p:ext uri="{BB962C8B-B14F-4D97-AF65-F5344CB8AC3E}">
-        <p14:creationId xmlns:p14="http://schemas.microsoft.com/office/powerpoint/2010/main" val="1331412126"/>
+        <p14:creationId xmlns:p14="http://schemas.microsoft.com/office/powerpoint/2010/main" val="3845412176"/>
       </p:ext>
     </p:extLst>
   </p:cSld>
@@ -5471,20 +5406,16 @@
             <p:ph type="title"/>
           </p:nvPr>
         </p:nvSpPr>
-        <p:spPr>
-          <a:xfrm>
-            <a:off x="323528" y="304800"/>
-            <a:ext cx="8352928" cy="1066800"/>
-          </a:xfrm>
-        </p:spPr>
+        <p:spPr/>
         <p:txBody>
           <a:bodyPr/>
           <a:lstStyle/>
           <a:p>
             <a:r>
-              <a:rPr lang="de-DE" altLang="de-DE" sz="4000" dirty="0"/>
-              <a:t>1. Sprint – Technischer Durchstich</a:t>
-            </a:r>
+              <a:rPr lang="de-DE" dirty="0" smtClean="0"/>
+              <a:t>Setup – Spring Tool Suite</a:t>
+            </a:r>
+            <a:endParaRPr lang="de-DE" altLang="de-DE" dirty="0"/>
           </a:p>
         </p:txBody>
       </p:sp>
@@ -5509,6 +5440,180 @@
           <a:lstStyle/>
           <a:p>
             <a:r>
+              <a:rPr lang="en-US" dirty="0" smtClean="0">
+                <a:solidFill>
+                  <a:schemeClr val="tx1"/>
+                </a:solidFill>
+                <a:latin typeface="+mn-lt"/>
+                <a:ea typeface="+mn-ea"/>
+                <a:cs typeface="+mn-cs"/>
+              </a:rPr>
+              <a:t>Download und </a:t>
+            </a:r>
+            <a:r>
+              <a:rPr lang="en-US" dirty="0" smtClean="0"/>
+              <a:t>Installation von STS:</a:t>
+            </a:r>
+            <a:r>
+              <a:rPr lang="en-US" dirty="0"/>
+              <a:t/>
+            </a:r>
+            <a:br>
+              <a:rPr lang="en-US" dirty="0"/>
+            </a:br>
+            <a:r>
+              <a:rPr lang="en-US" dirty="0"/>
+              <a:t>https://spring.io/tools</a:t>
+            </a:r>
+            <a:endParaRPr lang="en-US" dirty="0" smtClean="0"/>
+          </a:p>
+          <a:p>
+            <a:r>
+              <a:rPr lang="en-US" dirty="0" err="1" smtClean="0"/>
+              <a:t>Entpacken</a:t>
+            </a:r>
+            <a:r>
+              <a:rPr lang="en-US" dirty="0" smtClean="0"/>
+              <a:t> </a:t>
+            </a:r>
+            <a:r>
+              <a:rPr lang="en-US" dirty="0" err="1" smtClean="0"/>
+              <a:t>nach</a:t>
+            </a:r>
+            <a:r>
+              <a:rPr lang="en-US" dirty="0" smtClean="0"/>
+              <a:t> </a:t>
+            </a:r>
+            <a:r>
+              <a:rPr lang="en-US" dirty="0"/>
+              <a:t>C:\Users\</a:t>
+            </a:r>
+            <a:r>
+              <a:rPr lang="en-US" i="1" dirty="0"/>
+              <a:t>Benutzer</a:t>
+            </a:r>
+            <a:r>
+              <a:rPr lang="en-US" dirty="0"/>
+              <a:t> \</a:t>
+            </a:r>
+            <a:r>
+              <a:rPr lang="en-US" dirty="0" smtClean="0"/>
+              <a:t>Documents\RMS-Project\</a:t>
+            </a:r>
+            <a:r>
+              <a:rPr lang="en-US" dirty="0" err="1" smtClean="0"/>
+              <a:t>sts</a:t>
+            </a:r>
+            <a:r>
+              <a:rPr lang="en-US" dirty="0" smtClean="0"/>
+              <a:t> </a:t>
+            </a:r>
+          </a:p>
+          <a:p>
+            <a:r>
+              <a:rPr lang="en-US" dirty="0" err="1" smtClean="0"/>
+              <a:t>Verknüpfung</a:t>
+            </a:r>
+            <a:r>
+              <a:rPr lang="en-US" dirty="0" smtClean="0"/>
+              <a:t> auf Desktop </a:t>
+            </a:r>
+            <a:r>
+              <a:rPr lang="en-US" dirty="0" err="1" smtClean="0"/>
+              <a:t>anlegen</a:t>
+            </a:r>
+            <a:endParaRPr lang="en-US" dirty="0" smtClean="0"/>
+          </a:p>
+          <a:p>
+            <a:endParaRPr lang="de-DE" dirty="0" smtClean="0"/>
+          </a:p>
+        </p:txBody>
+      </p:sp>
+    </p:spTree>
+    <p:extLst>
+      <p:ext uri="{BB962C8B-B14F-4D97-AF65-F5344CB8AC3E}">
+        <p14:creationId xmlns:p14="http://schemas.microsoft.com/office/powerpoint/2010/main" val="1331412126"/>
+      </p:ext>
+    </p:extLst>
+  </p:cSld>
+  <p:clrMapOvr>
+    <a:masterClrMapping/>
+  </p:clrMapOvr>
+  <p:timing>
+    <p:tnLst>
+      <p:par>
+        <p:cTn id="1" dur="indefinite" restart="never" nodeType="tmRoot"/>
+      </p:par>
+    </p:tnLst>
+  </p:timing>
+</p:sld>
+</file>
+
+<file path=ppt/slides/slide18.xml><?xml version="1.0" encoding="utf-8"?>
+<p:sld xmlns:a="http://schemas.openxmlformats.org/drawingml/2006/main" xmlns:r="http://schemas.openxmlformats.org/officeDocument/2006/relationships" xmlns:p="http://schemas.openxmlformats.org/presentationml/2006/main">
+  <p:cSld>
+    <p:spTree>
+      <p:nvGrpSpPr>
+        <p:cNvPr id="1" name=""/>
+        <p:cNvGrpSpPr/>
+        <p:nvPr/>
+      </p:nvGrpSpPr>
+      <p:grpSpPr>
+        <a:xfrm>
+          <a:off x="0" y="0"/>
+          <a:ext cx="0" cy="0"/>
+          <a:chOff x="0" y="0"/>
+          <a:chExt cx="0" cy="0"/>
+        </a:xfrm>
+      </p:grpSpPr>
+      <p:sp>
+        <p:nvSpPr>
+          <p:cNvPr id="29698" name="Rectangle 2"/>
+          <p:cNvSpPr>
+            <a:spLocks noGrp="1" noChangeArrowheads="1"/>
+          </p:cNvSpPr>
+          <p:nvPr>
+            <p:ph type="title"/>
+          </p:nvPr>
+        </p:nvSpPr>
+        <p:spPr>
+          <a:xfrm>
+            <a:off x="323528" y="304800"/>
+            <a:ext cx="8352928" cy="1066800"/>
+          </a:xfrm>
+        </p:spPr>
+        <p:txBody>
+          <a:bodyPr/>
+          <a:lstStyle/>
+          <a:p>
+            <a:r>
+              <a:rPr lang="de-DE" altLang="de-DE" sz="4000" dirty="0"/>
+              <a:t>1. Sprint – Technischer Durchstich</a:t>
+            </a:r>
+          </a:p>
+        </p:txBody>
+      </p:sp>
+      <p:sp>
+        <p:nvSpPr>
+          <p:cNvPr id="29699" name="Rectangle 3"/>
+          <p:cNvSpPr>
+            <a:spLocks noGrp="1" noChangeArrowheads="1"/>
+          </p:cNvSpPr>
+          <p:nvPr>
+            <p:ph type="body" idx="1"/>
+          </p:nvPr>
+        </p:nvSpPr>
+        <p:spPr>
+          <a:xfrm>
+            <a:off x="251520" y="1268760"/>
+            <a:ext cx="8640960" cy="4114800"/>
+          </a:xfrm>
+        </p:spPr>
+        <p:txBody>
+          <a:bodyPr/>
+          <a:lstStyle/>
+          <a:p>
+            <a:r>
               <a:rPr lang="en-US" dirty="0" err="1" smtClean="0">
                 <a:solidFill>
                   <a:schemeClr val="tx1"/>
@@ -5541,18 +5646,7 @@
                 <a:ea typeface="+mn-ea"/>
                 <a:cs typeface="+mn-cs"/>
               </a:rPr>
-              <a:t>3 </a:t>
-            </a:r>
-            <a:r>
-              <a:rPr lang="en-US" dirty="0" smtClean="0">
-                <a:solidFill>
-                  <a:schemeClr val="tx1"/>
-                </a:solidFill>
-                <a:latin typeface="+mn-lt"/>
-                <a:ea typeface="+mn-ea"/>
-                <a:cs typeface="+mn-cs"/>
-              </a:rPr>
-              <a:t>Teams a 2 </a:t>
+              <a:t>3 Teams a 2 </a:t>
             </a:r>
             <a:r>
               <a:rPr lang="en-US" dirty="0" err="1" smtClean="0">
@@ -5633,7 +5727,7 @@
 </p:sld>
 </file>
 
-<file path=ppt/slides/slide18.xml><?xml version="1.0" encoding="utf-8"?>
+<file path=ppt/slides/slide19.xml><?xml version="1.0" encoding="utf-8"?>
 <p:sld xmlns:a="http://schemas.openxmlformats.org/drawingml/2006/main" xmlns:r="http://schemas.openxmlformats.org/officeDocument/2006/relationships" xmlns:p="http://schemas.openxmlformats.org/presentationml/2006/main">
   <p:cSld>
     <p:spTree>
@@ -6466,252 +6560,6 @@
 </p:sld>
 </file>
 
-<file path=ppt/slides/slide19.xml><?xml version="1.0" encoding="utf-8"?>
-<p:sld xmlns:a="http://schemas.openxmlformats.org/drawingml/2006/main" xmlns:r="http://schemas.openxmlformats.org/officeDocument/2006/relationships" xmlns:p="http://schemas.openxmlformats.org/presentationml/2006/main">
-  <p:cSld>
-    <p:spTree>
-      <p:nvGrpSpPr>
-        <p:cNvPr id="1" name=""/>
-        <p:cNvGrpSpPr/>
-        <p:nvPr/>
-      </p:nvGrpSpPr>
-      <p:grpSpPr>
-        <a:xfrm>
-          <a:off x="0" y="0"/>
-          <a:ext cx="0" cy="0"/>
-          <a:chOff x="0" y="0"/>
-          <a:chExt cx="0" cy="0"/>
-        </a:xfrm>
-      </p:grpSpPr>
-      <p:sp>
-        <p:nvSpPr>
-          <p:cNvPr id="29698" name="Rectangle 2"/>
-          <p:cNvSpPr>
-            <a:spLocks noGrp="1" noChangeArrowheads="1"/>
-          </p:cNvSpPr>
-          <p:nvPr>
-            <p:ph type="title"/>
-          </p:nvPr>
-        </p:nvSpPr>
-        <p:spPr>
-          <a:xfrm>
-            <a:off x="323528" y="304800"/>
-            <a:ext cx="8352928" cy="1066800"/>
-          </a:xfrm>
-        </p:spPr>
-        <p:txBody>
-          <a:bodyPr/>
-          <a:lstStyle/>
-          <a:p>
-            <a:r>
-              <a:rPr lang="de-DE" altLang="de-DE" sz="4000" dirty="0" smtClean="0"/>
-              <a:t>2. </a:t>
-            </a:r>
-            <a:r>
-              <a:rPr lang="de-DE" altLang="de-DE" sz="4000" dirty="0"/>
-              <a:t>Sprint – </a:t>
-            </a:r>
-            <a:r>
-              <a:rPr lang="de-DE" altLang="de-DE" sz="4000" dirty="0" smtClean="0"/>
-              <a:t>Technische </a:t>
-            </a:r>
-            <a:r>
-              <a:rPr lang="de-DE" altLang="de-DE" sz="4000" dirty="0"/>
-              <a:t>I</a:t>
-            </a:r>
-            <a:r>
-              <a:rPr lang="de-DE" altLang="de-DE" sz="4000" dirty="0" smtClean="0"/>
-              <a:t>ntegration</a:t>
-            </a:r>
-            <a:endParaRPr lang="de-DE" altLang="de-DE" sz="4000" dirty="0"/>
-          </a:p>
-        </p:txBody>
-      </p:sp>
-      <p:sp>
-        <p:nvSpPr>
-          <p:cNvPr id="29699" name="Rectangle 3"/>
-          <p:cNvSpPr>
-            <a:spLocks noGrp="1" noChangeArrowheads="1"/>
-          </p:cNvSpPr>
-          <p:nvPr>
-            <p:ph type="body" idx="1"/>
-          </p:nvPr>
-        </p:nvSpPr>
-        <p:spPr>
-          <a:xfrm>
-            <a:off x="251520" y="1268760"/>
-            <a:ext cx="8640960" cy="4114800"/>
-          </a:xfrm>
-        </p:spPr>
-        <p:txBody>
-          <a:bodyPr/>
-          <a:lstStyle/>
-          <a:p>
-            <a:r>
-              <a:rPr lang="en-US" dirty="0" err="1" smtClean="0">
-                <a:solidFill>
-                  <a:schemeClr val="tx1"/>
-                </a:solidFill>
-                <a:latin typeface="+mn-lt"/>
-                <a:ea typeface="+mn-ea"/>
-                <a:cs typeface="+mn-cs"/>
-              </a:rPr>
-              <a:t>Dauer</a:t>
-            </a:r>
-            <a:r>
-              <a:rPr lang="en-US" dirty="0" smtClean="0">
-                <a:solidFill>
-                  <a:schemeClr val="tx1"/>
-                </a:solidFill>
-                <a:latin typeface="+mn-lt"/>
-                <a:ea typeface="+mn-ea"/>
-                <a:cs typeface="+mn-cs"/>
-              </a:rPr>
-              <a:t> 3 Workshops</a:t>
-            </a:r>
-          </a:p>
-          <a:p>
-            <a:r>
-              <a:rPr lang="en-US" dirty="0" smtClean="0">
-                <a:solidFill>
-                  <a:schemeClr val="tx1"/>
-                </a:solidFill>
-                <a:latin typeface="+mn-lt"/>
-                <a:ea typeface="+mn-ea"/>
-                <a:cs typeface="+mn-cs"/>
-              </a:rPr>
-              <a:t>2 Teams a 2 </a:t>
-            </a:r>
-            <a:r>
-              <a:rPr lang="en-US" dirty="0" err="1" smtClean="0">
-                <a:solidFill>
-                  <a:schemeClr val="tx1"/>
-                </a:solidFill>
-                <a:latin typeface="+mn-lt"/>
-                <a:ea typeface="+mn-ea"/>
-                <a:cs typeface="+mn-cs"/>
-              </a:rPr>
-              <a:t>Personen</a:t>
-            </a:r>
-            <a:endParaRPr lang="en-US" dirty="0" smtClean="0">
-              <a:solidFill>
-                <a:schemeClr val="tx1"/>
-              </a:solidFill>
-              <a:latin typeface="+mn-lt"/>
-              <a:ea typeface="+mn-ea"/>
-              <a:cs typeface="+mn-cs"/>
-            </a:endParaRPr>
-          </a:p>
-          <a:p>
-            <a:r>
-              <a:rPr lang="en-US" dirty="0" smtClean="0"/>
-              <a:t>Die </a:t>
-            </a:r>
-            <a:r>
-              <a:rPr lang="en-US" dirty="0" err="1" smtClean="0"/>
-              <a:t>Anderen</a:t>
-            </a:r>
-            <a:r>
-              <a:rPr lang="en-US" dirty="0" smtClean="0"/>
-              <a:t> </a:t>
-            </a:r>
-            <a:r>
-              <a:rPr lang="en-US" dirty="0" err="1" smtClean="0"/>
-              <a:t>finalisieren</a:t>
-            </a:r>
-            <a:r>
-              <a:rPr lang="en-US" dirty="0" smtClean="0"/>
-              <a:t> die MS</a:t>
-            </a:r>
-            <a:endParaRPr lang="en-US" dirty="0" smtClean="0">
-              <a:solidFill>
-                <a:schemeClr val="tx1"/>
-              </a:solidFill>
-              <a:latin typeface="+mn-lt"/>
-              <a:ea typeface="+mn-ea"/>
-              <a:cs typeface="+mn-cs"/>
-            </a:endParaRPr>
-          </a:p>
-          <a:p>
-            <a:r>
-              <a:rPr lang="en-US" dirty="0" smtClean="0"/>
-              <a:t>Peer Programing</a:t>
-            </a:r>
-          </a:p>
-          <a:p>
-            <a:r>
-              <a:rPr lang="en-US" dirty="0" err="1" smtClean="0"/>
-              <a:t>Im</a:t>
-            </a:r>
-            <a:r>
-              <a:rPr lang="en-US" dirty="0" smtClean="0"/>
-              <a:t> 2. Workshop </a:t>
-            </a:r>
-            <a:r>
-              <a:rPr lang="en-US" dirty="0" err="1" smtClean="0"/>
-              <a:t>Übergabe</a:t>
-            </a:r>
-            <a:endParaRPr lang="en-US" dirty="0" smtClean="0"/>
-          </a:p>
-          <a:p>
-            <a:r>
-              <a:rPr lang="en-US" dirty="0" err="1" smtClean="0"/>
-              <a:t>Umsetzung</a:t>
-            </a:r>
-            <a:r>
-              <a:rPr lang="en-US" dirty="0" smtClean="0"/>
-              <a:t> Integration </a:t>
-            </a:r>
-            <a:r>
-              <a:rPr lang="en-US" dirty="0" err="1" smtClean="0"/>
-              <a:t>ActiveMQ</a:t>
-            </a:r>
-            <a:r>
-              <a:rPr lang="en-US" dirty="0" smtClean="0"/>
-              <a:t> </a:t>
-            </a:r>
-            <a:r>
-              <a:rPr lang="en-US" dirty="0" err="1" smtClean="0"/>
-              <a:t>sowie</a:t>
-            </a:r>
-            <a:r>
-              <a:rPr lang="en-US" dirty="0" smtClean="0"/>
-              <a:t> </a:t>
-            </a:r>
-            <a:r>
-              <a:rPr lang="en-US" dirty="0" err="1" smtClean="0"/>
-              <a:t>Keycloak</a:t>
-            </a:r>
-            <a:r>
-              <a:rPr lang="en-US" dirty="0" smtClean="0"/>
-              <a:t>.</a:t>
-            </a:r>
-          </a:p>
-          <a:p>
-            <a:endParaRPr lang="de-DE" dirty="0" smtClean="0"/>
-          </a:p>
-        </p:txBody>
-      </p:sp>
-    </p:spTree>
-    <p:extLst>
-      <p:ext uri="{BB962C8B-B14F-4D97-AF65-F5344CB8AC3E}">
-        <p14:creationId xmlns:p14="http://schemas.microsoft.com/office/powerpoint/2010/main" val="1381646144"/>
-      </p:ext>
-    </p:extLst>
-  </p:cSld>
-  <p:clrMapOvr>
-    <a:masterClrMapping/>
-  </p:clrMapOvr>
-  <p:timing>
-    <p:tnLst>
-      <p:par>
-        <p:cTn id="1" dur="indefinite" restart="never" nodeType="tmRoot"/>
-      </p:par>
-    </p:tnLst>
-  </p:timing>
-</p:sld>
-</file>
-
 <file path=ppt/slides/slide2.xml><?xml version="1.0" encoding="utf-8"?>
 <p:sld xmlns:a="http://schemas.openxmlformats.org/drawingml/2006/main" xmlns:r="http://schemas.openxmlformats.org/officeDocument/2006/relationships" xmlns:p="http://schemas.openxmlformats.org/presentationml/2006/main">
   <p:cSld>
@@ -7057,6 +6905,50 @@
       </p:grpSpPr>
       <p:sp>
         <p:nvSpPr>
+          <p:cNvPr id="29698" name="Rectangle 2"/>
+          <p:cNvSpPr>
+            <a:spLocks noGrp="1" noChangeArrowheads="1"/>
+          </p:cNvSpPr>
+          <p:nvPr>
+            <p:ph type="title"/>
+          </p:nvPr>
+        </p:nvSpPr>
+        <p:spPr>
+          <a:xfrm>
+            <a:off x="323528" y="304800"/>
+            <a:ext cx="8352928" cy="1066800"/>
+          </a:xfrm>
+        </p:spPr>
+        <p:txBody>
+          <a:bodyPr/>
+          <a:lstStyle/>
+          <a:p>
+            <a:r>
+              <a:rPr lang="de-DE" altLang="de-DE" sz="4000" dirty="0" smtClean="0"/>
+              <a:t>2. </a:t>
+            </a:r>
+            <a:r>
+              <a:rPr lang="de-DE" altLang="de-DE" sz="4000" dirty="0"/>
+              <a:t>Sprint – </a:t>
+            </a:r>
+            <a:r>
+              <a:rPr lang="de-DE" altLang="de-DE" sz="4000" dirty="0" smtClean="0"/>
+              <a:t>Technische </a:t>
+            </a:r>
+            <a:r>
+              <a:rPr lang="de-DE" altLang="de-DE" sz="4000" dirty="0"/>
+              <a:t>I</a:t>
+            </a:r>
+            <a:r>
+              <a:rPr lang="de-DE" altLang="de-DE" sz="4000" dirty="0" smtClean="0"/>
+              <a:t>ntegration</a:t>
+            </a:r>
+            <a:endParaRPr lang="de-DE" altLang="de-DE" sz="4000" dirty="0"/>
+          </a:p>
+        </p:txBody>
+      </p:sp>
+      <p:sp>
+        <p:nvSpPr>
           <p:cNvPr id="29699" name="Rectangle 3"/>
           <p:cNvSpPr>
             <a:spLocks noGrp="1" noChangeArrowheads="1"/>
@@ -7067,29 +6959,163 @@
         </p:nvSpPr>
         <p:spPr>
           <a:xfrm>
-            <a:off x="251520" y="2708920"/>
-            <a:ext cx="8640960" cy="1472952"/>
+            <a:off x="251520" y="1268760"/>
+            <a:ext cx="8640960" cy="4114800"/>
           </a:xfrm>
         </p:spPr>
         <p:txBody>
           <a:bodyPr/>
           <a:lstStyle/>
           <a:p>
-            <a:pPr marL="0" indent="0" algn="ctr">
-              <a:buNone/>
-            </a:pPr>
-            <a:r>
-              <a:rPr lang="de-DE" sz="8000" dirty="0" smtClean="0"/>
-              <a:t>Fragen?</a:t>
-            </a:r>
-            <a:endParaRPr lang="de-DE" sz="8000" kern="0" dirty="0" smtClean="0"/>
+            <a:r>
+              <a:rPr lang="en-US" dirty="0" err="1" smtClean="0">
+                <a:solidFill>
+                  <a:schemeClr val="tx1"/>
+                </a:solidFill>
+                <a:latin typeface="+mn-lt"/>
+                <a:ea typeface="+mn-ea"/>
+                <a:cs typeface="+mn-cs"/>
+              </a:rPr>
+              <a:t>Dauer</a:t>
+            </a:r>
+            <a:r>
+              <a:rPr lang="en-US" dirty="0" smtClean="0">
+                <a:solidFill>
+                  <a:schemeClr val="tx1"/>
+                </a:solidFill>
+                <a:latin typeface="+mn-lt"/>
+                <a:ea typeface="+mn-ea"/>
+                <a:cs typeface="+mn-cs"/>
+              </a:rPr>
+              <a:t> 3 Workshops</a:t>
+            </a:r>
+          </a:p>
+          <a:p>
+            <a:r>
+              <a:rPr lang="en-US" dirty="0" smtClean="0">
+                <a:solidFill>
+                  <a:schemeClr val="tx1"/>
+                </a:solidFill>
+                <a:latin typeface="+mn-lt"/>
+                <a:ea typeface="+mn-ea"/>
+                <a:cs typeface="+mn-cs"/>
+              </a:rPr>
+              <a:t>2 Teams a 2 </a:t>
+            </a:r>
+            <a:r>
+              <a:rPr lang="en-US" dirty="0" err="1" smtClean="0">
+                <a:solidFill>
+                  <a:schemeClr val="tx1"/>
+                </a:solidFill>
+                <a:latin typeface="+mn-lt"/>
+                <a:ea typeface="+mn-ea"/>
+                <a:cs typeface="+mn-cs"/>
+              </a:rPr>
+              <a:t>Personen</a:t>
+            </a:r>
+            <a:endParaRPr lang="en-US" dirty="0" smtClean="0">
+              <a:solidFill>
+                <a:schemeClr val="tx1"/>
+              </a:solidFill>
+              <a:latin typeface="+mn-lt"/>
+              <a:ea typeface="+mn-ea"/>
+              <a:cs typeface="+mn-cs"/>
+            </a:endParaRPr>
+          </a:p>
+          <a:p>
+            <a:r>
+              <a:rPr lang="en-US" dirty="0" smtClean="0"/>
+              <a:t>Die </a:t>
+            </a:r>
+            <a:r>
+              <a:rPr lang="en-US" dirty="0" err="1" smtClean="0"/>
+              <a:t>Anderen</a:t>
+            </a:r>
+            <a:r>
+              <a:rPr lang="en-US" dirty="0" smtClean="0"/>
+              <a:t> </a:t>
+            </a:r>
+            <a:r>
+              <a:rPr lang="en-US" dirty="0" err="1" smtClean="0"/>
+              <a:t>finalisieren</a:t>
+            </a:r>
+            <a:r>
+              <a:rPr lang="en-US" dirty="0" smtClean="0"/>
+              <a:t> die MS</a:t>
+            </a:r>
+            <a:endParaRPr lang="en-US" dirty="0" smtClean="0">
+              <a:solidFill>
+                <a:schemeClr val="tx1"/>
+              </a:solidFill>
+              <a:latin typeface="+mn-lt"/>
+              <a:ea typeface="+mn-ea"/>
+              <a:cs typeface="+mn-cs"/>
+            </a:endParaRPr>
+          </a:p>
+          <a:p>
+            <a:r>
+              <a:rPr lang="en-US" dirty="0" smtClean="0"/>
+              <a:t>Peer Programing</a:t>
+            </a:r>
+          </a:p>
+          <a:p>
+            <a:r>
+              <a:rPr lang="en-US" dirty="0" err="1" smtClean="0"/>
+              <a:t>Im</a:t>
+            </a:r>
+            <a:r>
+              <a:rPr lang="en-US" dirty="0" smtClean="0"/>
+              <a:t> 2. Workshop </a:t>
+            </a:r>
+            <a:r>
+              <a:rPr lang="en-US" dirty="0" err="1" smtClean="0"/>
+              <a:t>Übergabe</a:t>
+            </a:r>
+            <a:endParaRPr lang="en-US" dirty="0" smtClean="0"/>
+          </a:p>
+          <a:p>
+            <a:r>
+              <a:rPr lang="en-US" dirty="0" err="1" smtClean="0"/>
+              <a:t>Umsetzung</a:t>
+            </a:r>
+            <a:r>
+              <a:rPr lang="en-US" dirty="0" smtClean="0"/>
+              <a:t> Integration </a:t>
+            </a:r>
+            <a:r>
+              <a:rPr lang="en-US" dirty="0" err="1" smtClean="0"/>
+              <a:t>ActiveMQ</a:t>
+            </a:r>
+            <a:r>
+              <a:rPr lang="en-US" dirty="0" smtClean="0"/>
+              <a:t> </a:t>
+            </a:r>
+            <a:r>
+              <a:rPr lang="en-US" dirty="0" err="1" smtClean="0"/>
+              <a:t>sowie</a:t>
+            </a:r>
+            <a:r>
+              <a:rPr lang="en-US" dirty="0" smtClean="0"/>
+              <a:t> </a:t>
+            </a:r>
+            <a:r>
+              <a:rPr lang="en-US" dirty="0" err="1" smtClean="0"/>
+              <a:t>Keycloak</a:t>
+            </a:r>
+            <a:r>
+              <a:rPr lang="en-US" dirty="0" smtClean="0"/>
+              <a:t>.</a:t>
+            </a:r>
+          </a:p>
+          <a:p>
+            <a:endParaRPr lang="de-DE" dirty="0" smtClean="0"/>
           </a:p>
         </p:txBody>
       </p:sp>
     </p:spTree>
     <p:extLst>
       <p:ext uri="{BB962C8B-B14F-4D97-AF65-F5344CB8AC3E}">
-        <p14:creationId xmlns:p14="http://schemas.microsoft.com/office/powerpoint/2010/main" val="4222495743"/>
+        <p14:creationId xmlns:p14="http://schemas.microsoft.com/office/powerpoint/2010/main" val="1381646144"/>
       </p:ext>
     </p:extLst>
   </p:cSld>
@@ -7123,6 +7149,74 @@
           <a:chExt cx="0" cy="0"/>
         </a:xfrm>
       </p:grpSpPr>
+      <p:sp>
+        <p:nvSpPr>
+          <p:cNvPr id="29699" name="Rectangle 3"/>
+          <p:cNvSpPr>
+            <a:spLocks noGrp="1" noChangeArrowheads="1"/>
+          </p:cNvSpPr>
+          <p:nvPr>
+            <p:ph type="body" idx="1"/>
+          </p:nvPr>
+        </p:nvSpPr>
+        <p:spPr>
+          <a:xfrm>
+            <a:off x="251520" y="2708920"/>
+            <a:ext cx="8640960" cy="1472952"/>
+          </a:xfrm>
+        </p:spPr>
+        <p:txBody>
+          <a:bodyPr/>
+          <a:lstStyle/>
+          <a:p>
+            <a:pPr marL="0" indent="0" algn="ctr">
+              <a:buNone/>
+            </a:pPr>
+            <a:r>
+              <a:rPr lang="de-DE" sz="8000" dirty="0" smtClean="0"/>
+              <a:t>Fragen?</a:t>
+            </a:r>
+            <a:endParaRPr lang="de-DE" sz="8000" kern="0" dirty="0" smtClean="0"/>
+          </a:p>
+        </p:txBody>
+      </p:sp>
+    </p:spTree>
+    <p:extLst>
+      <p:ext uri="{BB962C8B-B14F-4D97-AF65-F5344CB8AC3E}">
+        <p14:creationId xmlns:p14="http://schemas.microsoft.com/office/powerpoint/2010/main" val="4222495743"/>
+      </p:ext>
+    </p:extLst>
+  </p:cSld>
+  <p:clrMapOvr>
+    <a:masterClrMapping/>
+  </p:clrMapOvr>
+  <p:timing>
+    <p:tnLst>
+      <p:par>
+        <p:cTn id="1" dur="indefinite" restart="never" nodeType="tmRoot"/>
+      </p:par>
+    </p:tnLst>
+  </p:timing>
+</p:sld>
+</file>
+
+<file path=ppt/slides/slide22.xml><?xml version="1.0" encoding="utf-8"?>
+<p:sld xmlns:a="http://schemas.openxmlformats.org/drawingml/2006/main" xmlns:r="http://schemas.openxmlformats.org/officeDocument/2006/relationships" xmlns:p="http://schemas.openxmlformats.org/presentationml/2006/main">
+  <p:cSld>
+    <p:spTree>
+      <p:nvGrpSpPr>
+        <p:cNvPr id="1" name=""/>
+        <p:cNvGrpSpPr/>
+        <p:nvPr/>
+      </p:nvGrpSpPr>
+      <p:grpSpPr>
+        <a:xfrm>
+          <a:off x="0" y="0"/>
+          <a:ext cx="0" cy="0"/>
+          <a:chOff x="0" y="0"/>
+          <a:chExt cx="0" cy="0"/>
+        </a:xfrm>
+      </p:grpSpPr>
       <p:pic>
         <p:nvPicPr>
           <p:cNvPr id="4" name="Grafik 3"/>
@@ -7343,7 +7437,7 @@
             <a:fld id="{9B01E20D-5814-1B4F-AA3F-17C39DD0C7B6}" type="slidenum">
               <a:rPr lang="de-DE" smtClean="0"/>
               <a:pPr/>
-              <a:t>21</a:t>
+              <a:t>22</a:t>
             </a:fld>
             <a:endParaRPr lang="de-DE" dirty="0"/>
           </a:p>
@@ -7369,7 +7463,7 @@
 </p:sld>
 </file>
 
-<file path=ppt/slides/slide22.xml><?xml version="1.0" encoding="utf-8"?>
+<file path=ppt/slides/slide23.xml><?xml version="1.0" encoding="utf-8"?>
 <p:sld xmlns:a="http://schemas.openxmlformats.org/drawingml/2006/main" xmlns:r="http://schemas.openxmlformats.org/officeDocument/2006/relationships" xmlns:p="http://schemas.openxmlformats.org/presentationml/2006/main">
   <p:cSld>
     <p:spTree>
@@ -11879,7 +11973,11 @@
           <a:p>
             <a:r>
               <a:rPr lang="de-DE" dirty="0" smtClean="0"/>
-              <a:t>Micro Service Unit</a:t>
+              <a:t>Micro </a:t>
+            </a:r>
+            <a:r>
+              <a:rPr lang="de-DE" dirty="0" smtClean="0"/>
+              <a:t>Service</a:t>
             </a:r>
             <a:endParaRPr lang="de-DE" altLang="de-DE" dirty="0"/>
           </a:p>
@@ -11913,13 +12011,15 @@
           <a:p>
             <a:r>
               <a:rPr lang="de-DE" dirty="0" smtClean="0"/>
-              <a:t>Horizontale Skalierung durch mehrere Units</a:t>
-            </a:r>
-          </a:p>
-          <a:p>
+              <a:t>Horizontale Skalierung durch mehrere </a:t>
+            </a:r>
             <a:r>
               <a:rPr lang="de-DE" dirty="0" smtClean="0"/>
-              <a:t>Mögliche Ausprägungen sind:</a:t>
+              <a:t>MS Mögliche </a:t>
+            </a:r>
+            <a:r>
+              <a:rPr lang="de-DE" dirty="0" smtClean="0"/>
+              <a:t>Ausprägungen sind:</a:t>
             </a:r>
           </a:p>
           <a:p>

--- a/doc/Resilient Microservices.pptx
+++ b/doc/Resilient Microservices.pptx
@@ -16,17 +16,18 @@
     <p:sldId id="291" r:id="rId10"/>
     <p:sldId id="292" r:id="rId11"/>
     <p:sldId id="313" r:id="rId12"/>
-    <p:sldId id="314" r:id="rId13"/>
-    <p:sldId id="277" r:id="rId14"/>
-    <p:sldId id="307" r:id="rId15"/>
-    <p:sldId id="309" r:id="rId16"/>
-    <p:sldId id="308" r:id="rId17"/>
-    <p:sldId id="310" r:id="rId18"/>
-    <p:sldId id="297" r:id="rId19"/>
-    <p:sldId id="312" r:id="rId20"/>
-    <p:sldId id="280" r:id="rId21"/>
-    <p:sldId id="306" r:id="rId22"/>
-    <p:sldId id="305" r:id="rId23"/>
+    <p:sldId id="315" r:id="rId13"/>
+    <p:sldId id="314" r:id="rId14"/>
+    <p:sldId id="277" r:id="rId15"/>
+    <p:sldId id="307" r:id="rId16"/>
+    <p:sldId id="309" r:id="rId17"/>
+    <p:sldId id="308" r:id="rId18"/>
+    <p:sldId id="310" r:id="rId19"/>
+    <p:sldId id="297" r:id="rId20"/>
+    <p:sldId id="312" r:id="rId21"/>
+    <p:sldId id="280" r:id="rId22"/>
+    <p:sldId id="306" r:id="rId23"/>
+    <p:sldId id="305" r:id="rId24"/>
   </p:sldIdLst>
   <p:sldSz cx="9144000" cy="6858000" type="screen4x3"/>
   <p:notesSz cx="6858000" cy="9144000"/>
@@ -2957,7 +2958,7 @@
           <a:p>
             <a:r>
               <a:rPr lang="de-DE" dirty="0" smtClean="0"/>
-              <a:t>Teamsetup</a:t>
+              <a:t>Voraussetzung</a:t>
             </a:r>
             <a:endParaRPr lang="de-DE" dirty="0"/>
           </a:p>
@@ -2980,45 +2981,19 @@
           <a:p>
             <a:r>
               <a:rPr lang="de-DE" dirty="0" smtClean="0"/>
-              <a:t>3 Teams mit je einem Frontend, Backend sowie DB-Entwickler</a:t>
+              <a:t>Java</a:t>
             </a:r>
           </a:p>
           <a:p>
             <a:r>
               <a:rPr lang="de-DE" dirty="0" smtClean="0"/>
-              <a:t>1 </a:t>
-            </a:r>
-            <a:r>
-              <a:rPr lang="de-DE" dirty="0" err="1" smtClean="0"/>
-              <a:t>Buildmanager</a:t>
-            </a:r>
+              <a:t>Windows, Linux</a:t>
+            </a:r>
+          </a:p>
+          <a:p>
             <a:r>
               <a:rPr lang="de-DE" dirty="0" smtClean="0"/>
-              <a:t> (GIT, Jenkins, </a:t>
-            </a:r>
-            <a:r>
-              <a:rPr lang="de-DE" dirty="0" err="1" smtClean="0"/>
-              <a:t>Maven</a:t>
-            </a:r>
-            <a:r>
-              <a:rPr lang="de-DE" dirty="0" smtClean="0"/>
-              <a:t>, </a:t>
-            </a:r>
-            <a:r>
-              <a:rPr lang="de-DE" dirty="0" err="1" smtClean="0"/>
-              <a:t>Continious</a:t>
-            </a:r>
-            <a:r>
-              <a:rPr lang="de-DE" dirty="0" smtClean="0"/>
-              <a:t> Integration &amp; </a:t>
-            </a:r>
-            <a:r>
-              <a:rPr lang="de-DE" dirty="0" err="1" smtClean="0"/>
-              <a:t>Deployment</a:t>
-            </a:r>
-            <a:r>
-              <a:rPr lang="de-DE" dirty="0" smtClean="0"/>
-              <a:t>)</a:t>
+              <a:t>MacOS ja, aber kein Support durch mich</a:t>
             </a:r>
             <a:endParaRPr lang="de-DE" dirty="0"/>
           </a:p>
@@ -3078,7 +3053,7 @@
           <a:p>
             <a:r>
               <a:rPr lang="de-DE" dirty="0" smtClean="0"/>
-              <a:t>Zeitplan</a:t>
+              <a:t>Teamsetup</a:t>
             </a:r>
             <a:endParaRPr lang="de-DE" dirty="0"/>
           </a:p>
@@ -3094,69 +3069,58 @@
             <p:ph idx="1"/>
           </p:nvPr>
         </p:nvSpPr>
-        <p:spPr>
-          <a:xfrm>
-            <a:off x="685800" y="1524000"/>
-            <a:ext cx="7772400" cy="5073352"/>
-          </a:xfrm>
-        </p:spPr>
+        <p:spPr/>
         <p:txBody>
           <a:bodyPr/>
           <a:lstStyle/>
           <a:p>
             <a:r>
               <a:rPr lang="de-DE" dirty="0" smtClean="0"/>
-              <a:t>7 Termine a 4 h</a:t>
+              <a:t>Max 10 Teilnehmer</a:t>
             </a:r>
           </a:p>
           <a:p>
             <a:r>
               <a:rPr lang="de-DE" dirty="0" smtClean="0"/>
-              <a:t>Alle 14 Tage</a:t>
+              <a:t>3 Teams mit je einem Frontend, Backend sowie DB-Entwickler</a:t>
             </a:r>
           </a:p>
           <a:p>
             <a:r>
               <a:rPr lang="de-DE" dirty="0" smtClean="0"/>
-              <a:t>Insgesamt 40 h, also 3Termine ohne mich!</a:t>
-            </a:r>
-          </a:p>
-          <a:p>
+              <a:t>1 </a:t>
+            </a:r>
+            <a:r>
+              <a:rPr lang="de-DE" dirty="0" err="1" smtClean="0"/>
+              <a:t>Buildmanager</a:t>
+            </a:r>
             <a:r>
               <a:rPr lang="de-DE" dirty="0" smtClean="0"/>
-              <a:t>Terminvorschläge:</a:t>
-            </a:r>
-          </a:p>
-          <a:p>
-            <a:pPr lvl="1"/>
+              <a:t> (GIT, Jenkins, </a:t>
+            </a:r>
+            <a:r>
+              <a:rPr lang="de-DE" dirty="0" err="1" smtClean="0"/>
+              <a:t>Maven</a:t>
+            </a:r>
             <a:r>
               <a:rPr lang="de-DE" dirty="0" smtClean="0"/>
-              <a:t>Setup: 5.4.</a:t>
-            </a:r>
-          </a:p>
-          <a:p>
-            <a:pPr lvl="1"/>
+              <a:t>, </a:t>
+            </a:r>
             <a:r>
               <a:rPr lang="de-DE" dirty="0" err="1" smtClean="0"/>
-              <a:t>Resarch</a:t>
+              <a:t>Continious</a:t>
             </a:r>
             <a:r>
               <a:rPr lang="de-DE" dirty="0" smtClean="0"/>
-              <a:t>: 12.4., 26.4.</a:t>
-            </a:r>
-          </a:p>
-          <a:p>
-            <a:pPr lvl="1"/>
+              <a:t> Integration &amp; </a:t>
+            </a:r>
+            <a:r>
+              <a:rPr lang="de-DE" dirty="0" err="1" smtClean="0"/>
+              <a:t>Deployment</a:t>
+            </a:r>
             <a:r>
               <a:rPr lang="de-DE" dirty="0" smtClean="0"/>
-              <a:t>Workshops: 10.5., 17.5, 24.5., 7.6.</a:t>
-            </a:r>
-          </a:p>
-          <a:p>
-            <a:pPr lvl="1"/>
-            <a:r>
-              <a:rPr lang="de-DE" dirty="0" smtClean="0"/>
-              <a:t>Präsentation: 14.6.</a:t>
+              <a:t>)</a:t>
             </a:r>
             <a:endParaRPr lang="de-DE" dirty="0"/>
           </a:p>
@@ -3165,7 +3129,7 @@
     </p:spTree>
     <p:extLst>
       <p:ext uri="{BB962C8B-B14F-4D97-AF65-F5344CB8AC3E}">
-        <p14:creationId xmlns:p14="http://schemas.microsoft.com/office/powerpoint/2010/main" val="2790886193"/>
+        <p14:creationId xmlns:p14="http://schemas.microsoft.com/office/powerpoint/2010/main" val="3566782259"/>
       </p:ext>
     </p:extLst>
   </p:cSld>
@@ -3201,9 +3165,9 @@
       </p:grpSpPr>
       <p:sp>
         <p:nvSpPr>
-          <p:cNvPr id="29698" name="Rectangle 2"/>
+          <p:cNvPr id="2" name="Titel 1"/>
           <p:cNvSpPr>
-            <a:spLocks noGrp="1" noChangeArrowheads="1"/>
+            <a:spLocks noGrp="1"/>
           </p:cNvSpPr>
           <p:nvPr>
             <p:ph type="title"/>
@@ -3216,26 +3180,26 @@
           <a:p>
             <a:r>
               <a:rPr lang="de-DE" dirty="0" smtClean="0"/>
-              <a:t>Setup - Java</a:t>
-            </a:r>
-            <a:endParaRPr lang="de-DE" altLang="de-DE" dirty="0"/>
-          </a:p>
-        </p:txBody>
-      </p:sp>
-      <p:sp>
-        <p:nvSpPr>
-          <p:cNvPr id="29699" name="Rectangle 3"/>
+              <a:t>Zeitplan</a:t>
+            </a:r>
+            <a:endParaRPr lang="de-DE" dirty="0"/>
+          </a:p>
+        </p:txBody>
+      </p:sp>
+      <p:sp>
+        <p:nvSpPr>
+          <p:cNvPr id="3" name="Inhaltsplatzhalter 2"/>
           <p:cNvSpPr>
-            <a:spLocks noGrp="1" noChangeArrowheads="1"/>
+            <a:spLocks noGrp="1"/>
           </p:cNvSpPr>
           <p:nvPr>
-            <p:ph type="body" idx="1"/>
+            <p:ph idx="1"/>
           </p:nvPr>
         </p:nvSpPr>
         <p:spPr>
           <a:xfrm>
-            <a:off x="251520" y="1268760"/>
-            <a:ext cx="8640960" cy="4114800"/>
+            <a:off x="251520" y="1524000"/>
+            <a:ext cx="8640960" cy="5073352"/>
           </a:xfrm>
         </p:spPr>
         <p:txBody>
@@ -3243,113 +3207,73 @@
           <a:lstStyle/>
           <a:p>
             <a:r>
-              <a:rPr lang="en-US" dirty="0" smtClean="0">
-                <a:solidFill>
-                  <a:schemeClr val="tx1"/>
-                </a:solidFill>
-                <a:latin typeface="+mn-lt"/>
-                <a:ea typeface="+mn-ea"/>
-                <a:cs typeface="+mn-cs"/>
-              </a:rPr>
-              <a:t>Download und </a:t>
-            </a:r>
-            <a:r>
-              <a:rPr lang="en-US" dirty="0" smtClean="0"/>
-              <a:t>Installation von Java 8:</a:t>
-            </a:r>
-            <a:br>
-              <a:rPr lang="en-US" dirty="0" smtClean="0"/>
-            </a:br>
-            <a:r>
-              <a:rPr lang="en-US" dirty="0" smtClean="0">
-                <a:hlinkClick r:id="rId2"/>
-              </a:rPr>
-              <a:t>https</a:t>
-            </a:r>
-            <a:r>
-              <a:rPr lang="en-US" dirty="0">
-                <a:hlinkClick r:id="rId2"/>
-              </a:rPr>
-              <a:t>://java.com/de/download</a:t>
-            </a:r>
-            <a:r>
-              <a:rPr lang="en-US" dirty="0" smtClean="0">
-                <a:hlinkClick r:id="rId2"/>
-              </a:rPr>
-              <a:t>/</a:t>
-            </a:r>
-            <a:endParaRPr lang="en-US" dirty="0" smtClean="0"/>
-          </a:p>
-          <a:p>
-            <a:r>
-              <a:rPr lang="en-US" dirty="0" err="1" smtClean="0"/>
-              <a:t>Setzen</a:t>
-            </a:r>
-            <a:r>
-              <a:rPr lang="en-US" dirty="0" smtClean="0"/>
-              <a:t> der </a:t>
-            </a:r>
-            <a:r>
-              <a:rPr lang="en-US" dirty="0" err="1" smtClean="0"/>
-              <a:t>Umgebungsvariablen</a:t>
-            </a:r>
-            <a:r>
-              <a:rPr lang="en-US" dirty="0" smtClean="0"/>
-              <a:t> JAVA_HOME</a:t>
-            </a:r>
-          </a:p>
-          <a:p>
-            <a:r>
-              <a:rPr lang="en-US" dirty="0" smtClean="0"/>
-              <a:t>Java in </a:t>
-            </a:r>
-            <a:r>
-              <a:rPr lang="en-US" dirty="0" err="1" smtClean="0"/>
-              <a:t>Pfad</a:t>
-            </a:r>
-            <a:r>
-              <a:rPr lang="en-US" dirty="0" smtClean="0"/>
-              <a:t> </a:t>
-            </a:r>
-            <a:r>
-              <a:rPr lang="en-US" dirty="0" err="1" smtClean="0"/>
-              <a:t>eintragen</a:t>
-            </a:r>
-            <a:endParaRPr lang="en-US" dirty="0" smtClean="0"/>
-          </a:p>
-          <a:p>
-            <a:r>
-              <a:rPr lang="en-US" dirty="0" err="1" smtClean="0"/>
-              <a:t>Prüfen</a:t>
-            </a:r>
-            <a:r>
-              <a:rPr lang="en-US" dirty="0" smtClean="0"/>
-              <a:t>: cmd.exe </a:t>
-            </a:r>
-            <a:r>
-              <a:rPr lang="en-US" dirty="0" err="1" smtClean="0"/>
-              <a:t>öffnen</a:t>
-            </a:r>
-            <a:r>
-              <a:rPr lang="en-US" dirty="0" smtClean="0"/>
-              <a:t> und java </a:t>
-            </a:r>
-            <a:r>
-              <a:rPr lang="en-US" dirty="0" err="1" smtClean="0"/>
-              <a:t>eingeben</a:t>
-            </a:r>
-            <a:r>
-              <a:rPr lang="en-US" dirty="0" smtClean="0"/>
-              <a:t>.</a:t>
-            </a:r>
-            <a:endParaRPr lang="de-DE" dirty="0" smtClean="0"/>
+              <a:rPr lang="de-DE" sz="2800" dirty="0" smtClean="0"/>
+              <a:t>Raum B062</a:t>
+            </a:r>
+          </a:p>
+          <a:p>
+            <a:r>
+              <a:rPr lang="de-DE" sz="2800" dirty="0" smtClean="0"/>
+              <a:t>7 Termine a 4 h</a:t>
+            </a:r>
+          </a:p>
+          <a:p>
+            <a:r>
+              <a:rPr lang="de-DE" sz="2800" dirty="0" smtClean="0"/>
+              <a:t>Alle 7 / 14 Tage</a:t>
+            </a:r>
+          </a:p>
+          <a:p>
+            <a:r>
+              <a:rPr lang="de-DE" sz="2800" dirty="0" smtClean="0"/>
+              <a:t>Insgesamt 60 h, also 7,5 Termine ohne mich!</a:t>
+            </a:r>
+          </a:p>
+          <a:p>
+            <a:r>
+              <a:rPr lang="de-DE" sz="2800" dirty="0" smtClean="0"/>
+              <a:t>Terminvorschläge:</a:t>
+            </a:r>
+          </a:p>
+          <a:p>
+            <a:pPr lvl="1"/>
+            <a:r>
+              <a:rPr lang="de-DE" dirty="0" smtClean="0"/>
+              <a:t>Setup: 11.10.</a:t>
+            </a:r>
+          </a:p>
+          <a:p>
+            <a:pPr lvl="1"/>
+            <a:r>
+              <a:rPr lang="de-DE" dirty="0" err="1" smtClean="0"/>
+              <a:t>Resarch</a:t>
+            </a:r>
+            <a:r>
+              <a:rPr lang="de-DE" dirty="0" smtClean="0"/>
+              <a:t>: 08.11., 06.12.</a:t>
+            </a:r>
+          </a:p>
+          <a:p>
+            <a:pPr lvl="1"/>
+            <a:r>
+              <a:rPr lang="de-DE" dirty="0" smtClean="0"/>
+              <a:t>Workshops: 18.10., 25.10, 15.11., 22.11., 29.11.</a:t>
+            </a:r>
+          </a:p>
+          <a:p>
+            <a:pPr lvl="1"/>
+            <a:r>
+              <a:rPr lang="de-DE" dirty="0" smtClean="0"/>
+              <a:t>Präsentation: 13.12.</a:t>
+            </a:r>
+            <a:endParaRPr lang="de-DE" dirty="0"/>
           </a:p>
         </p:txBody>
       </p:sp>
     </p:spTree>
     <p:extLst>
       <p:ext uri="{BB962C8B-B14F-4D97-AF65-F5344CB8AC3E}">
-        <p14:creationId xmlns:p14="http://schemas.microsoft.com/office/powerpoint/2010/main" val="4222495743"/>
+        <p14:creationId xmlns:p14="http://schemas.microsoft.com/office/powerpoint/2010/main" val="2790886193"/>
       </p:ext>
     </p:extLst>
   </p:cSld>
@@ -3400,11 +3324,7 @@
           <a:p>
             <a:r>
               <a:rPr lang="de-DE" dirty="0" smtClean="0"/>
-              <a:t>Setup – </a:t>
-            </a:r>
-            <a:r>
-              <a:rPr lang="de-DE" dirty="0" err="1" smtClean="0"/>
-              <a:t>git</a:t>
+              <a:t>Setup - Java</a:t>
             </a:r>
             <a:endParaRPr lang="de-DE" altLang="de-DE" dirty="0"/>
           </a:p>
@@ -3423,47 +3343,12 @@
         <p:spPr>
           <a:xfrm>
             <a:off x="251520" y="1268760"/>
-            <a:ext cx="8640960" cy="4114800"/>
+            <a:ext cx="8640960" cy="5400600"/>
           </a:xfrm>
         </p:spPr>
         <p:txBody>
           <a:bodyPr/>
           <a:lstStyle/>
-          <a:p>
-            <a:r>
-              <a:rPr lang="en-US" dirty="0" smtClean="0">
-                <a:solidFill>
-                  <a:schemeClr val="tx1"/>
-                </a:solidFill>
-                <a:latin typeface="+mn-lt"/>
-                <a:ea typeface="+mn-ea"/>
-                <a:cs typeface="+mn-cs"/>
-              </a:rPr>
-              <a:t>Download und Installation </a:t>
-            </a:r>
-            <a:r>
-              <a:rPr lang="en-US" dirty="0" err="1" smtClean="0">
-                <a:solidFill>
-                  <a:schemeClr val="tx1"/>
-                </a:solidFill>
-                <a:latin typeface="+mn-lt"/>
-                <a:ea typeface="+mn-ea"/>
-                <a:cs typeface="+mn-cs"/>
-              </a:rPr>
-              <a:t>git</a:t>
-            </a:r>
-            <a:r>
-              <a:rPr lang="en-US" dirty="0"/>
-              <a:t>:</a:t>
-            </a:r>
-            <a:br>
-              <a:rPr lang="en-US" dirty="0"/>
-            </a:br>
-            <a:r>
-              <a:rPr lang="en-US" dirty="0"/>
-              <a:t>https://gitforwindows.org/</a:t>
-            </a:r>
-          </a:p>
           <a:p>
             <a:r>
               <a:rPr lang="en-US" dirty="0" smtClean="0">
@@ -3478,45 +3363,38 @@
             </a:r>
             <a:r>
               <a:rPr lang="en-US" dirty="0" smtClean="0"/>
-              <a:t>Installation von </a:t>
+              <a:t>Installation von Java 8:</a:t>
+            </a:r>
+            <a:br>
+              <a:rPr lang="en-US" dirty="0" smtClean="0"/>
+            </a:br>
+            <a:r>
+              <a:rPr lang="de-DE" dirty="0">
+                <a:hlinkClick r:id="rId2"/>
+              </a:rPr>
+              <a:t>https://</a:t>
+            </a:r>
+            <a:r>
+              <a:rPr lang="de-DE" dirty="0" smtClean="0">
+                <a:hlinkClick r:id="rId2"/>
+              </a:rPr>
+              <a:t>www.oracle.com/technetwork/java/javase/downloads/jdk8-downloads-2133151.html</a:t>
+            </a:r>
+            <a:r>
+              <a:rPr lang="de-DE" dirty="0" smtClean="0"/>
+              <a:t> </a:t>
             </a:r>
             <a:r>
               <a:rPr lang="en-US" dirty="0" err="1" smtClean="0"/>
-              <a:t>TortoiseGit</a:t>
-            </a:r>
-            <a:r>
-              <a:rPr lang="en-US" dirty="0" smtClean="0"/>
-              <a:t>:</a:t>
-            </a:r>
-            <a:r>
-              <a:rPr lang="en-US" dirty="0"/>
-              <a:t/>
-            </a:r>
-            <a:br>
-              <a:rPr lang="en-US" dirty="0"/>
-            </a:br>
-            <a:r>
-              <a:rPr lang="en-US" dirty="0"/>
-              <a:t>https://tortoisegit.org/download/</a:t>
-            </a:r>
-            <a:endParaRPr lang="en-US" dirty="0" smtClean="0"/>
-          </a:p>
-          <a:p>
-            <a:r>
-              <a:rPr lang="en-US" dirty="0" err="1" smtClean="0"/>
-              <a:t>Entpacken</a:t>
+              <a:t>nach</a:t>
             </a:r>
             <a:r>
               <a:rPr lang="en-US" dirty="0" smtClean="0"/>
               <a:t> </a:t>
             </a:r>
             <a:r>
-              <a:rPr lang="en-US" dirty="0" err="1" smtClean="0"/>
-              <a:t>nach</a:t>
-            </a:r>
-            <a:r>
               <a:rPr lang="en-US" dirty="0"/>
-              <a:t> C:\Users\</a:t>
+              <a:t>C:\Users\</a:t>
             </a:r>
             <a:r>
               <a:rPr lang="en-US" i="1" dirty="0"/>
@@ -3528,26 +3406,56 @@
             </a:r>
             <a:r>
               <a:rPr lang="en-US" dirty="0" smtClean="0"/>
-              <a:t>Documents\RMS-Project\</a:t>
+              <a:t>Documents\H-BRS-Project\java </a:t>
             </a:r>
             <a:r>
               <a:rPr lang="en-US" dirty="0" err="1" smtClean="0"/>
-              <a:t>git</a:t>
-            </a:r>
-            <a:endParaRPr lang="en-US" dirty="0" smtClean="0"/>
-          </a:p>
-          <a:p>
+              <a:t>herunter</a:t>
+            </a:r>
+            <a:r>
+              <a:rPr lang="en-US" dirty="0" smtClean="0"/>
+              <a:t> laden und </a:t>
+            </a:r>
             <a:r>
               <a:rPr lang="en-US" dirty="0" err="1" smtClean="0"/>
-              <a:t>Anlegen</a:t>
+              <a:t>anschliessend</a:t>
+            </a:r>
+            <a:r>
+              <a:rPr lang="en-US" dirty="0" smtClean="0"/>
+              <a:t> Installation.</a:t>
+            </a:r>
+            <a:endParaRPr lang="en-US" dirty="0"/>
+          </a:p>
+          <a:p>
+            <a:r>
+              <a:rPr lang="en-US" dirty="0" err="1" smtClean="0"/>
+              <a:t>Setzen</a:t>
             </a:r>
             <a:r>
               <a:rPr lang="en-US" dirty="0" smtClean="0"/>
               <a:t> </a:t>
             </a:r>
             <a:r>
+              <a:rPr lang="en-US" dirty="0" smtClean="0"/>
+              <a:t>der </a:t>
+            </a:r>
+            <a:r>
               <a:rPr lang="en-US" dirty="0" err="1" smtClean="0"/>
-              <a:t>eines</a:t>
+              <a:t>Umgebungsvariablen</a:t>
+            </a:r>
+            <a:r>
+              <a:rPr lang="en-US" dirty="0" smtClean="0"/>
+              <a:t> JAVA_HOME</a:t>
+            </a:r>
+          </a:p>
+          <a:p>
+            <a:r>
+              <a:rPr lang="en-US" dirty="0" smtClean="0"/>
+              <a:t>Java in </a:t>
+            </a:r>
+            <a:r>
+              <a:rPr lang="en-US" dirty="0" err="1" smtClean="0"/>
+              <a:t>Pfad</a:t>
             </a:r>
             <a:r>
               <a:rPr lang="en-US" dirty="0" smtClean="0"/>
@@ -3555,43 +3463,43 @@
             </a:r>
             <a:r>
               <a:rPr lang="en-US" dirty="0" err="1" smtClean="0"/>
-              <a:t>Projekts</a:t>
+              <a:t>eintragen</a:t>
+            </a:r>
+            <a:endParaRPr lang="en-US" dirty="0" smtClean="0"/>
+          </a:p>
+          <a:p>
+            <a:r>
+              <a:rPr lang="en-US" dirty="0" err="1" smtClean="0"/>
+              <a:t>Prüfen</a:t>
             </a:r>
             <a:r>
               <a:rPr lang="en-US" dirty="0" smtClean="0"/>
-              <a:t> </a:t>
+              <a:t>: cmd.exe </a:t>
             </a:r>
             <a:r>
               <a:rPr lang="en-US" dirty="0" err="1" smtClean="0"/>
-              <a:t>unter</a:t>
-            </a:r>
-            <a:r>
-              <a:rPr lang="en-US" dirty="0"/>
-              <a:t> </a:t>
-            </a:r>
-            <a:r>
-              <a:rPr lang="en-US" dirty="0">
-                <a:hlinkClick r:id="rId2"/>
-              </a:rPr>
-              <a:t>https://github.com</a:t>
-            </a:r>
-            <a:r>
-              <a:rPr lang="en-US" dirty="0" smtClean="0">
-                <a:hlinkClick r:id="rId2"/>
-              </a:rPr>
-              <a:t>/</a:t>
-            </a:r>
-            <a:endParaRPr lang="en-US" dirty="0" smtClean="0"/>
-          </a:p>
-          <a:p>
-            <a:endParaRPr lang="en-US" dirty="0"/>
+              <a:t>öffnen</a:t>
+            </a:r>
+            <a:r>
+              <a:rPr lang="en-US" dirty="0" smtClean="0"/>
+              <a:t> und java </a:t>
+            </a:r>
+            <a:r>
+              <a:rPr lang="en-US" dirty="0" err="1" smtClean="0"/>
+              <a:t>eingeben</a:t>
+            </a:r>
+            <a:r>
+              <a:rPr lang="en-US" dirty="0" smtClean="0"/>
+              <a:t>.</a:t>
+            </a:r>
+            <a:endParaRPr lang="de-DE" dirty="0" smtClean="0"/>
           </a:p>
         </p:txBody>
       </p:sp>
     </p:spTree>
     <p:extLst>
       <p:ext uri="{BB962C8B-B14F-4D97-AF65-F5344CB8AC3E}">
-        <p14:creationId xmlns:p14="http://schemas.microsoft.com/office/powerpoint/2010/main" val="45437108"/>
+        <p14:creationId xmlns:p14="http://schemas.microsoft.com/office/powerpoint/2010/main" val="4222495743"/>
       </p:ext>
     </p:extLst>
   </p:cSld>
@@ -3642,7 +3550,11 @@
           <a:p>
             <a:r>
               <a:rPr lang="de-DE" dirty="0" smtClean="0"/>
-              <a:t>Setup – maven3</a:t>
+              <a:t>Setup – </a:t>
+            </a:r>
+            <a:r>
+              <a:rPr lang="de-DE" dirty="0" err="1" smtClean="0"/>
+              <a:t>git</a:t>
             </a:r>
             <a:endParaRPr lang="de-DE" altLang="de-DE" dirty="0"/>
           </a:p>
@@ -3677,22 +3589,90 @@
                 <a:ea typeface="+mn-ea"/>
                 <a:cs typeface="+mn-cs"/>
               </a:rPr>
-              <a:t>Download und </a:t>
-            </a:r>
-            <a:r>
-              <a:rPr lang="en-US" dirty="0" smtClean="0"/>
-              <a:t>Installation von maven3:</a:t>
+              <a:t>Download und Installation </a:t>
+            </a:r>
+            <a:r>
+              <a:rPr lang="en-US" dirty="0" err="1" smtClean="0">
+                <a:solidFill>
+                  <a:schemeClr val="tx1"/>
+                </a:solidFill>
+                <a:latin typeface="+mn-lt"/>
+                <a:ea typeface="+mn-ea"/>
+                <a:cs typeface="+mn-cs"/>
+              </a:rPr>
+              <a:t>git</a:t>
             </a:r>
             <a:r>
               <a:rPr lang="en-US" dirty="0"/>
-              <a:t/>
+              <a:t>:</a:t>
             </a:r>
             <a:br>
               <a:rPr lang="en-US" dirty="0"/>
             </a:br>
             <a:r>
+              <a:rPr lang="en-US" dirty="0">
+                <a:hlinkClick r:id="rId2"/>
+              </a:rPr>
+              <a:t>https://</a:t>
+            </a:r>
+            <a:r>
+              <a:rPr lang="en-US" dirty="0" smtClean="0">
+                <a:hlinkClick r:id="rId2"/>
+              </a:rPr>
+              <a:t>gitforwindows.org</a:t>
+            </a:r>
+            <a:r>
               <a:rPr lang="en-US" dirty="0"/>
-              <a:t>https://maven.apache.org/download.cgi</a:t>
+              <a:t> </a:t>
+            </a:r>
+            <a:endParaRPr lang="en-US" dirty="0"/>
+          </a:p>
+          <a:p>
+            <a:r>
+              <a:rPr lang="en-US" dirty="0" smtClean="0">
+                <a:solidFill>
+                  <a:schemeClr val="tx1"/>
+                </a:solidFill>
+                <a:latin typeface="+mn-lt"/>
+                <a:ea typeface="+mn-ea"/>
+                <a:cs typeface="+mn-cs"/>
+              </a:rPr>
+              <a:t>Download und </a:t>
+            </a:r>
+            <a:r>
+              <a:rPr lang="en-US" dirty="0" smtClean="0"/>
+              <a:t>Installation von </a:t>
+            </a:r>
+            <a:r>
+              <a:rPr lang="en-US" dirty="0" err="1" smtClean="0"/>
+              <a:t>TortoiseGit</a:t>
+            </a:r>
+            <a:r>
+              <a:rPr lang="en-US" dirty="0" smtClean="0"/>
+              <a:t>:</a:t>
+            </a:r>
+            <a:r>
+              <a:rPr lang="en-US" dirty="0"/>
+              <a:t/>
+            </a:r>
+            <a:br>
+              <a:rPr lang="en-US" dirty="0"/>
+            </a:br>
+            <a:r>
+              <a:rPr lang="en-US" dirty="0">
+                <a:hlinkClick r:id="rId3"/>
+              </a:rPr>
+              <a:t>https://</a:t>
+            </a:r>
+            <a:r>
+              <a:rPr lang="en-US" dirty="0" smtClean="0">
+                <a:hlinkClick r:id="rId3"/>
+              </a:rPr>
+              <a:t>tortoisegit.org/download</a:t>
+            </a:r>
+            <a:r>
+              <a:rPr lang="en-US" dirty="0" smtClean="0"/>
+              <a:t> </a:t>
             </a:r>
             <a:endParaRPr lang="en-US" dirty="0" smtClean="0"/>
           </a:p>
@@ -3723,22 +3703,22 @@
             </a:r>
             <a:r>
               <a:rPr lang="en-US" dirty="0" smtClean="0"/>
-              <a:t>Documents\RMS-Project\</a:t>
-            </a:r>
+              <a:t>Documents\H-BRS-Project\setup</a:t>
+            </a:r>
+            <a:endParaRPr lang="en-US" dirty="0" smtClean="0"/>
+          </a:p>
+          <a:p>
             <a:r>
               <a:rPr lang="en-US" dirty="0" err="1" smtClean="0"/>
-              <a:t>mvn</a:t>
-            </a:r>
-            <a:endParaRPr lang="en-US" dirty="0"/>
-          </a:p>
-          <a:p>
+              <a:t>Einbinden</a:t>
+            </a:r>
             <a:r>
               <a:rPr lang="en-US" dirty="0" smtClean="0"/>
-              <a:t>maven3 in </a:t>
+              <a:t> des </a:t>
             </a:r>
             <a:r>
               <a:rPr lang="en-US" dirty="0" err="1" smtClean="0"/>
-              <a:t>Pfad</a:t>
+              <a:t>Projekts</a:t>
             </a:r>
             <a:r>
               <a:rPr lang="en-US" dirty="0" smtClean="0"/>
@@ -3746,51 +3726,29 @@
             </a:r>
             <a:r>
               <a:rPr lang="en-US" dirty="0" err="1" smtClean="0"/>
-              <a:t>eintragen</a:t>
+              <a:t>unter</a:t>
+            </a:r>
+            <a:r>
+              <a:rPr lang="en-US" dirty="0"/>
+              <a:t> </a:t>
+            </a:r>
+            <a:r>
+              <a:rPr lang="de-DE" dirty="0">
+                <a:hlinkClick r:id="rId4"/>
+              </a:rPr>
+              <a:t>https://github.com/owronka/SubZeroMicroservices/tree/master/doc</a:t>
             </a:r>
             <a:endParaRPr lang="en-US" dirty="0" smtClean="0"/>
           </a:p>
           <a:p>
-            <a:r>
-              <a:rPr lang="en-US" dirty="0" err="1" smtClean="0"/>
-              <a:t>Prüfen</a:t>
-            </a:r>
-            <a:r>
-              <a:rPr lang="en-US" dirty="0" smtClean="0"/>
-              <a:t>: cmd.exe </a:t>
-            </a:r>
-            <a:r>
-              <a:rPr lang="en-US" dirty="0" err="1" smtClean="0"/>
-              <a:t>öffnen</a:t>
-            </a:r>
-            <a:r>
-              <a:rPr lang="en-US" dirty="0" smtClean="0"/>
-              <a:t> und </a:t>
-            </a:r>
-            <a:r>
-              <a:rPr lang="en-US" dirty="0" err="1" smtClean="0"/>
-              <a:t>mvn</a:t>
-            </a:r>
-            <a:r>
-              <a:rPr lang="en-US" dirty="0" smtClean="0"/>
-              <a:t> </a:t>
-            </a:r>
-            <a:r>
-              <a:rPr lang="en-US" dirty="0" err="1" smtClean="0"/>
-              <a:t>eingeben</a:t>
-            </a:r>
-            <a:r>
-              <a:rPr lang="en-US" dirty="0" smtClean="0"/>
-              <a:t>.</a:t>
-            </a:r>
-            <a:endParaRPr lang="de-DE" dirty="0" smtClean="0"/>
+            <a:endParaRPr lang="en-US" dirty="0"/>
           </a:p>
         </p:txBody>
       </p:sp>
     </p:spTree>
     <p:extLst>
       <p:ext uri="{BB962C8B-B14F-4D97-AF65-F5344CB8AC3E}">
-        <p14:creationId xmlns:p14="http://schemas.microsoft.com/office/powerpoint/2010/main" val="3845412176"/>
+        <p14:creationId xmlns:p14="http://schemas.microsoft.com/office/powerpoint/2010/main" val="45437108"/>
       </p:ext>
     </p:extLst>
   </p:cSld>
@@ -3841,7 +3799,7 @@
           <a:p>
             <a:r>
               <a:rPr lang="de-DE" dirty="0" smtClean="0"/>
-              <a:t>Setup – Spring Tool Suite</a:t>
+              <a:t>Setup – maven3</a:t>
             </a:r>
             <a:endParaRPr lang="de-DE" altLang="de-DE" dirty="0"/>
           </a:p>
@@ -3880,7 +3838,7 @@
             </a:r>
             <a:r>
               <a:rPr lang="en-US" dirty="0" smtClean="0"/>
-              <a:t>Installation von STS:</a:t>
+              <a:t>Installation von maven3:</a:t>
             </a:r>
             <a:r>
               <a:rPr lang="en-US" dirty="0"/>
@@ -3890,10 +3848,41 @@
               <a:rPr lang="en-US" dirty="0"/>
             </a:br>
             <a:r>
+              <a:rPr lang="en-US" dirty="0">
+                <a:hlinkClick r:id="rId2"/>
+              </a:rPr>
+              <a:t>https://</a:t>
+            </a:r>
+            <a:r>
+              <a:rPr lang="en-US" dirty="0" smtClean="0">
+                <a:hlinkClick r:id="rId2"/>
+              </a:rPr>
+              <a:t>maven.apache.org/download.cgi</a:t>
+            </a:r>
+            <a:r>
+              <a:rPr lang="en-US" dirty="0" smtClean="0"/>
+              <a:t> </a:t>
+            </a:r>
+            <a:r>
+              <a:rPr lang="en-US" dirty="0" err="1" smtClean="0"/>
+              <a:t>nach</a:t>
+            </a:r>
+            <a:r>
+              <a:rPr lang="en-US" dirty="0" smtClean="0"/>
+              <a:t> </a:t>
+            </a:r>
+            <a:r>
               <a:rPr lang="en-US" dirty="0"/>
-              <a:t>https://spring.io/tools</a:t>
-            </a:r>
-            <a:endParaRPr lang="en-US" dirty="0" smtClean="0"/>
+              <a:t>C:\Users\</a:t>
+            </a:r>
+            <a:r>
+              <a:rPr lang="en-US" i="1" dirty="0"/>
+              <a:t>Benutzer</a:t>
+            </a:r>
+            <a:r>
+              <a:rPr lang="en-US" dirty="0"/>
+              <a:t> \Documents\H-BRS-Project\setup</a:t>
+            </a:r>
           </a:p>
           <a:p>
             <a:r>
@@ -3905,54 +3894,87 @@
               <a:t> </a:t>
             </a:r>
             <a:r>
+              <a:rPr lang="en-US" dirty="0" err="1"/>
+              <a:t>nach</a:t>
+            </a:r>
+            <a:r>
+              <a:rPr lang="en-US" dirty="0"/>
+              <a:t> C:\Users\</a:t>
+            </a:r>
+            <a:r>
+              <a:rPr lang="en-US" i="1" dirty="0"/>
+              <a:t>Benutzer</a:t>
+            </a:r>
+            <a:r>
+              <a:rPr lang="en-US" dirty="0"/>
+              <a:t> \</a:t>
+            </a:r>
+            <a:r>
+              <a:rPr lang="en-US" dirty="0" smtClean="0"/>
+              <a:t>Documents\H-BRS-Project\</a:t>
+            </a:r>
+            <a:r>
               <a:rPr lang="en-US" dirty="0" err="1" smtClean="0"/>
-              <a:t>nach</a:t>
+              <a:t>mvn</a:t>
+            </a:r>
+            <a:endParaRPr lang="en-US" dirty="0"/>
+          </a:p>
+          <a:p>
+            <a:r>
+              <a:rPr lang="en-US" dirty="0" smtClean="0"/>
+              <a:t>maven3 </a:t>
+            </a:r>
+            <a:r>
+              <a:rPr lang="en-US" dirty="0" smtClean="0"/>
+              <a:t>in </a:t>
+            </a:r>
+            <a:r>
+              <a:rPr lang="en-US" dirty="0" err="1" smtClean="0"/>
+              <a:t>Pfad</a:t>
             </a:r>
             <a:r>
               <a:rPr lang="en-US" dirty="0" smtClean="0"/>
               <a:t> </a:t>
             </a:r>
             <a:r>
-              <a:rPr lang="en-US" dirty="0"/>
-              <a:t>C:\Users\</a:t>
-            </a:r>
-            <a:r>
-              <a:rPr lang="en-US" i="1" dirty="0"/>
-              <a:t>Benutzer</a:t>
-            </a:r>
-            <a:r>
-              <a:rPr lang="en-US" dirty="0"/>
-              <a:t> \</a:t>
+              <a:rPr lang="en-US" dirty="0" err="1" smtClean="0"/>
+              <a:t>eintragen</a:t>
+            </a:r>
+            <a:endParaRPr lang="en-US" dirty="0" smtClean="0"/>
+          </a:p>
+          <a:p>
+            <a:r>
+              <a:rPr lang="en-US" dirty="0" err="1" smtClean="0"/>
+              <a:t>Prüfen</a:t>
             </a:r>
             <a:r>
               <a:rPr lang="en-US" dirty="0" smtClean="0"/>
-              <a:t>Documents\RMS-Project\</a:t>
+              <a:t>: cmd.exe </a:t>
             </a:r>
             <a:r>
               <a:rPr lang="en-US" dirty="0" err="1" smtClean="0"/>
-              <a:t>sts</a:t>
+              <a:t>öffnen</a:t>
+            </a:r>
+            <a:r>
+              <a:rPr lang="en-US" dirty="0" smtClean="0"/>
+              <a:t> und </a:t>
+            </a:r>
+            <a:r>
+              <a:rPr lang="en-US" dirty="0" err="1" smtClean="0"/>
+              <a:t>mvn</a:t>
             </a:r>
             <a:r>
               <a:rPr lang="en-US" dirty="0" smtClean="0"/>
               <a:t> </a:t>
             </a:r>
-          </a:p>
-          <a:p>
             <a:r>
               <a:rPr lang="en-US" dirty="0" err="1" smtClean="0"/>
-              <a:t>Verknüpfung</a:t>
+              <a:t>eingeben</a:t>
             </a:r>
             <a:r>
               <a:rPr lang="en-US" dirty="0" smtClean="0"/>
-              <a:t> auf Desktop </a:t>
-            </a:r>
-            <a:r>
-              <a:rPr lang="en-US" dirty="0" err="1" smtClean="0"/>
-              <a:t>anlegen</a:t>
-            </a:r>
-            <a:endParaRPr lang="en-US" dirty="0" smtClean="0"/>
-          </a:p>
-          <a:p>
+              <a:t>.</a:t>
+            </a:r>
             <a:endParaRPr lang="de-DE" dirty="0" smtClean="0"/>
           </a:p>
         </p:txBody>
@@ -3960,7 +3982,7 @@
     </p:spTree>
     <p:extLst>
       <p:ext uri="{BB962C8B-B14F-4D97-AF65-F5344CB8AC3E}">
-        <p14:creationId xmlns:p14="http://schemas.microsoft.com/office/powerpoint/2010/main" val="1331412126"/>
+        <p14:creationId xmlns:p14="http://schemas.microsoft.com/office/powerpoint/2010/main" val="3845412176"/>
       </p:ext>
     </p:extLst>
   </p:cSld>
@@ -4004,20 +4026,16 @@
             <p:ph type="title"/>
           </p:nvPr>
         </p:nvSpPr>
-        <p:spPr>
-          <a:xfrm>
-            <a:off x="323528" y="304800"/>
-            <a:ext cx="8352928" cy="1066800"/>
-          </a:xfrm>
-        </p:spPr>
+        <p:spPr/>
         <p:txBody>
           <a:bodyPr/>
           <a:lstStyle/>
           <a:p>
             <a:r>
-              <a:rPr lang="de-DE" altLang="de-DE" sz="4000" dirty="0"/>
-              <a:t>1. Sprint – Technischer Durchstich</a:t>
-            </a:r>
+              <a:rPr lang="de-DE" dirty="0" smtClean="0"/>
+              <a:t>Setup – Spring Tool Suite</a:t>
+            </a:r>
+            <a:endParaRPr lang="de-DE" altLang="de-DE" dirty="0"/>
           </a:p>
         </p:txBody>
       </p:sp>
@@ -4042,6 +4060,209 @@
           <a:lstStyle/>
           <a:p>
             <a:r>
+              <a:rPr lang="en-US" dirty="0" smtClean="0">
+                <a:solidFill>
+                  <a:schemeClr val="tx1"/>
+                </a:solidFill>
+                <a:latin typeface="+mn-lt"/>
+                <a:ea typeface="+mn-ea"/>
+                <a:cs typeface="+mn-cs"/>
+              </a:rPr>
+              <a:t>Download und </a:t>
+            </a:r>
+            <a:r>
+              <a:rPr lang="en-US" dirty="0" smtClean="0"/>
+              <a:t>Installation von STS:</a:t>
+            </a:r>
+            <a:r>
+              <a:rPr lang="en-US" dirty="0"/>
+              <a:t/>
+            </a:r>
+            <a:br>
+              <a:rPr lang="en-US" dirty="0"/>
+            </a:br>
+            <a:r>
+              <a:rPr lang="en-US" dirty="0">
+                <a:hlinkClick r:id="rId2"/>
+              </a:rPr>
+              <a:t>https://</a:t>
+            </a:r>
+            <a:r>
+              <a:rPr lang="en-US" dirty="0" smtClean="0">
+                <a:hlinkClick r:id="rId2"/>
+              </a:rPr>
+              <a:t>spring.io/tools</a:t>
+            </a:r>
+            <a:r>
+              <a:rPr lang="en-US" dirty="0"/>
+              <a:t> </a:t>
+            </a:r>
+            <a:r>
+              <a:rPr lang="en-US" dirty="0" err="1"/>
+              <a:t>nach</a:t>
+            </a:r>
+            <a:r>
+              <a:rPr lang="en-US" dirty="0"/>
+              <a:t> C:\Users\</a:t>
+            </a:r>
+            <a:r>
+              <a:rPr lang="en-US" i="1" dirty="0"/>
+              <a:t>Benutzer</a:t>
+            </a:r>
+            <a:r>
+              <a:rPr lang="en-US" dirty="0"/>
+              <a:t> \</a:t>
+            </a:r>
+            <a:r>
+              <a:rPr lang="en-US" dirty="0" smtClean="0"/>
+              <a:t>Documents\H-BRS-Project\setup </a:t>
+            </a:r>
+            <a:r>
+              <a:rPr lang="en-US" dirty="0" err="1" smtClean="0"/>
+              <a:t>herunterladen</a:t>
+            </a:r>
+            <a:endParaRPr lang="en-US" dirty="0" smtClean="0"/>
+          </a:p>
+          <a:p>
+            <a:r>
+              <a:rPr lang="en-US" dirty="0" err="1"/>
+              <a:t>Entpacken</a:t>
+            </a:r>
+            <a:r>
+              <a:rPr lang="en-US" dirty="0"/>
+              <a:t> </a:t>
+            </a:r>
+            <a:r>
+              <a:rPr lang="en-US" dirty="0" err="1"/>
+              <a:t>nach</a:t>
+            </a:r>
+            <a:r>
+              <a:rPr lang="en-US" dirty="0"/>
+              <a:t> C:\Users\</a:t>
+            </a:r>
+            <a:r>
+              <a:rPr lang="en-US" i="1" dirty="0"/>
+              <a:t>Benutzer</a:t>
+            </a:r>
+            <a:r>
+              <a:rPr lang="en-US" dirty="0"/>
+              <a:t> \</a:t>
+            </a:r>
+            <a:r>
+              <a:rPr lang="en-US" dirty="0" smtClean="0"/>
+              <a:t>Documents\H-BRS-Project\</a:t>
+            </a:r>
+            <a:r>
+              <a:rPr lang="en-US" dirty="0" err="1" smtClean="0"/>
+              <a:t>sts</a:t>
+            </a:r>
+            <a:endParaRPr lang="en-US" dirty="0" smtClean="0"/>
+          </a:p>
+          <a:p>
+            <a:r>
+              <a:rPr lang="en-US" dirty="0" err="1" smtClean="0"/>
+              <a:t>Verknüpfung</a:t>
+            </a:r>
+            <a:r>
+              <a:rPr lang="en-US" dirty="0" smtClean="0"/>
+              <a:t> auf Desktop </a:t>
+            </a:r>
+            <a:r>
+              <a:rPr lang="en-US" dirty="0" err="1" smtClean="0"/>
+              <a:t>anlegen</a:t>
+            </a:r>
+            <a:endParaRPr lang="en-US" dirty="0" smtClean="0"/>
+          </a:p>
+          <a:p>
+            <a:endParaRPr lang="de-DE" dirty="0" smtClean="0"/>
+          </a:p>
+        </p:txBody>
+      </p:sp>
+    </p:spTree>
+    <p:extLst>
+      <p:ext uri="{BB962C8B-B14F-4D97-AF65-F5344CB8AC3E}">
+        <p14:creationId xmlns:p14="http://schemas.microsoft.com/office/powerpoint/2010/main" val="1331412126"/>
+      </p:ext>
+    </p:extLst>
+  </p:cSld>
+  <p:clrMapOvr>
+    <a:masterClrMapping/>
+  </p:clrMapOvr>
+  <p:timing>
+    <p:tnLst>
+      <p:par>
+        <p:cTn id="1" dur="indefinite" restart="never" nodeType="tmRoot"/>
+      </p:par>
+    </p:tnLst>
+  </p:timing>
+</p:sld>
+</file>
+
+<file path=ppt/slides/slide18.xml><?xml version="1.0" encoding="utf-8"?>
+<p:sld xmlns:a="http://schemas.openxmlformats.org/drawingml/2006/main" xmlns:r="http://schemas.openxmlformats.org/officeDocument/2006/relationships" xmlns:p="http://schemas.openxmlformats.org/presentationml/2006/main">
+  <p:cSld>
+    <p:spTree>
+      <p:nvGrpSpPr>
+        <p:cNvPr id="1" name=""/>
+        <p:cNvGrpSpPr/>
+        <p:nvPr/>
+      </p:nvGrpSpPr>
+      <p:grpSpPr>
+        <a:xfrm>
+          <a:off x="0" y="0"/>
+          <a:ext cx="0" cy="0"/>
+          <a:chOff x="0" y="0"/>
+          <a:chExt cx="0" cy="0"/>
+        </a:xfrm>
+      </p:grpSpPr>
+      <p:sp>
+        <p:nvSpPr>
+          <p:cNvPr id="29698" name="Rectangle 2"/>
+          <p:cNvSpPr>
+            <a:spLocks noGrp="1" noChangeArrowheads="1"/>
+          </p:cNvSpPr>
+          <p:nvPr>
+            <p:ph type="title"/>
+          </p:nvPr>
+        </p:nvSpPr>
+        <p:spPr>
+          <a:xfrm>
+            <a:off x="323528" y="304800"/>
+            <a:ext cx="8352928" cy="1066800"/>
+          </a:xfrm>
+        </p:spPr>
+        <p:txBody>
+          <a:bodyPr/>
+          <a:lstStyle/>
+          <a:p>
+            <a:r>
+              <a:rPr lang="de-DE" altLang="de-DE" sz="4000" dirty="0"/>
+              <a:t>1. Sprint – Technischer Durchstich</a:t>
+            </a:r>
+          </a:p>
+        </p:txBody>
+      </p:sp>
+      <p:sp>
+        <p:nvSpPr>
+          <p:cNvPr id="29699" name="Rectangle 3"/>
+          <p:cNvSpPr>
+            <a:spLocks noGrp="1" noChangeArrowheads="1"/>
+          </p:cNvSpPr>
+          <p:nvPr>
+            <p:ph type="body" idx="1"/>
+          </p:nvPr>
+        </p:nvSpPr>
+        <p:spPr>
+          <a:xfrm>
+            <a:off x="251520" y="1268760"/>
+            <a:ext cx="8640960" cy="4114800"/>
+          </a:xfrm>
+        </p:spPr>
+        <p:txBody>
+          <a:bodyPr/>
+          <a:lstStyle/>
+          <a:p>
+            <a:r>
               <a:rPr lang="en-US" dirty="0" err="1" smtClean="0">
                 <a:solidFill>
                   <a:schemeClr val="tx1"/>
@@ -4074,7 +4295,7 @@
                 <a:ea typeface="+mn-ea"/>
                 <a:cs typeface="+mn-cs"/>
               </a:rPr>
-              <a:t>3 Teams a 2 </a:t>
+              <a:t>3 Teams a 3 </a:t>
             </a:r>
             <a:r>
               <a:rPr lang="en-US" dirty="0" err="1" smtClean="0">
@@ -4155,7 +4376,7 @@
 </p:sld>
 </file>
 
-<file path=ppt/slides/slide18.xml><?xml version="1.0" encoding="utf-8"?>
+<file path=ppt/slides/slide19.xml><?xml version="1.0" encoding="utf-8"?>
 <p:sld xmlns:a="http://schemas.openxmlformats.org/drawingml/2006/main" xmlns:r="http://schemas.openxmlformats.org/officeDocument/2006/relationships" xmlns:p="http://schemas.openxmlformats.org/presentationml/2006/main">
   <p:cSld>
     <p:spTree>
@@ -4988,252 +5209,6 @@
 </p:sld>
 </file>
 
-<file path=ppt/slides/slide19.xml><?xml version="1.0" encoding="utf-8"?>
-<p:sld xmlns:a="http://schemas.openxmlformats.org/drawingml/2006/main" xmlns:r="http://schemas.openxmlformats.org/officeDocument/2006/relationships" xmlns:p="http://schemas.openxmlformats.org/presentationml/2006/main">
-  <p:cSld>
-    <p:spTree>
-      <p:nvGrpSpPr>
-        <p:cNvPr id="1" name=""/>
-        <p:cNvGrpSpPr/>
-        <p:nvPr/>
-      </p:nvGrpSpPr>
-      <p:grpSpPr>
-        <a:xfrm>
-          <a:off x="0" y="0"/>
-          <a:ext cx="0" cy="0"/>
-          <a:chOff x="0" y="0"/>
-          <a:chExt cx="0" cy="0"/>
-        </a:xfrm>
-      </p:grpSpPr>
-      <p:sp>
-        <p:nvSpPr>
-          <p:cNvPr id="29698" name="Rectangle 2"/>
-          <p:cNvSpPr>
-            <a:spLocks noGrp="1" noChangeArrowheads="1"/>
-          </p:cNvSpPr>
-          <p:nvPr>
-            <p:ph type="title"/>
-          </p:nvPr>
-        </p:nvSpPr>
-        <p:spPr>
-          <a:xfrm>
-            <a:off x="323528" y="304800"/>
-            <a:ext cx="8352928" cy="1066800"/>
-          </a:xfrm>
-        </p:spPr>
-        <p:txBody>
-          <a:bodyPr/>
-          <a:lstStyle/>
-          <a:p>
-            <a:r>
-              <a:rPr lang="de-DE" altLang="de-DE" sz="4000" dirty="0" smtClean="0"/>
-              <a:t>2. </a:t>
-            </a:r>
-            <a:r>
-              <a:rPr lang="de-DE" altLang="de-DE" sz="4000" dirty="0"/>
-              <a:t>Sprint – </a:t>
-            </a:r>
-            <a:r>
-              <a:rPr lang="de-DE" altLang="de-DE" sz="4000" dirty="0" smtClean="0"/>
-              <a:t>Technische </a:t>
-            </a:r>
-            <a:r>
-              <a:rPr lang="de-DE" altLang="de-DE" sz="4000" dirty="0"/>
-              <a:t>I</a:t>
-            </a:r>
-            <a:r>
-              <a:rPr lang="de-DE" altLang="de-DE" sz="4000" dirty="0" smtClean="0"/>
-              <a:t>ntegration</a:t>
-            </a:r>
-            <a:endParaRPr lang="de-DE" altLang="de-DE" sz="4000" dirty="0"/>
-          </a:p>
-        </p:txBody>
-      </p:sp>
-      <p:sp>
-        <p:nvSpPr>
-          <p:cNvPr id="29699" name="Rectangle 3"/>
-          <p:cNvSpPr>
-            <a:spLocks noGrp="1" noChangeArrowheads="1"/>
-          </p:cNvSpPr>
-          <p:nvPr>
-            <p:ph type="body" idx="1"/>
-          </p:nvPr>
-        </p:nvSpPr>
-        <p:spPr>
-          <a:xfrm>
-            <a:off x="251520" y="1268760"/>
-            <a:ext cx="8640960" cy="4114800"/>
-          </a:xfrm>
-        </p:spPr>
-        <p:txBody>
-          <a:bodyPr/>
-          <a:lstStyle/>
-          <a:p>
-            <a:r>
-              <a:rPr lang="en-US" dirty="0" err="1" smtClean="0">
-                <a:solidFill>
-                  <a:schemeClr val="tx1"/>
-                </a:solidFill>
-                <a:latin typeface="+mn-lt"/>
-                <a:ea typeface="+mn-ea"/>
-                <a:cs typeface="+mn-cs"/>
-              </a:rPr>
-              <a:t>Dauer</a:t>
-            </a:r>
-            <a:r>
-              <a:rPr lang="en-US" dirty="0" smtClean="0">
-                <a:solidFill>
-                  <a:schemeClr val="tx1"/>
-                </a:solidFill>
-                <a:latin typeface="+mn-lt"/>
-                <a:ea typeface="+mn-ea"/>
-                <a:cs typeface="+mn-cs"/>
-              </a:rPr>
-              <a:t> 3 Workshops</a:t>
-            </a:r>
-          </a:p>
-          <a:p>
-            <a:r>
-              <a:rPr lang="en-US" dirty="0" smtClean="0">
-                <a:solidFill>
-                  <a:schemeClr val="tx1"/>
-                </a:solidFill>
-                <a:latin typeface="+mn-lt"/>
-                <a:ea typeface="+mn-ea"/>
-                <a:cs typeface="+mn-cs"/>
-              </a:rPr>
-              <a:t>2 Teams a 2 </a:t>
-            </a:r>
-            <a:r>
-              <a:rPr lang="en-US" dirty="0" err="1" smtClean="0">
-                <a:solidFill>
-                  <a:schemeClr val="tx1"/>
-                </a:solidFill>
-                <a:latin typeface="+mn-lt"/>
-                <a:ea typeface="+mn-ea"/>
-                <a:cs typeface="+mn-cs"/>
-              </a:rPr>
-              <a:t>Personen</a:t>
-            </a:r>
-            <a:endParaRPr lang="en-US" dirty="0" smtClean="0">
-              <a:solidFill>
-                <a:schemeClr val="tx1"/>
-              </a:solidFill>
-              <a:latin typeface="+mn-lt"/>
-              <a:ea typeface="+mn-ea"/>
-              <a:cs typeface="+mn-cs"/>
-            </a:endParaRPr>
-          </a:p>
-          <a:p>
-            <a:r>
-              <a:rPr lang="en-US" dirty="0" smtClean="0"/>
-              <a:t>Die </a:t>
-            </a:r>
-            <a:r>
-              <a:rPr lang="en-US" dirty="0" err="1" smtClean="0"/>
-              <a:t>Anderen</a:t>
-            </a:r>
-            <a:r>
-              <a:rPr lang="en-US" dirty="0" smtClean="0"/>
-              <a:t> </a:t>
-            </a:r>
-            <a:r>
-              <a:rPr lang="en-US" dirty="0" err="1" smtClean="0"/>
-              <a:t>finalisieren</a:t>
-            </a:r>
-            <a:r>
-              <a:rPr lang="en-US" dirty="0" smtClean="0"/>
-              <a:t> die MS</a:t>
-            </a:r>
-            <a:endParaRPr lang="en-US" dirty="0" smtClean="0">
-              <a:solidFill>
-                <a:schemeClr val="tx1"/>
-              </a:solidFill>
-              <a:latin typeface="+mn-lt"/>
-              <a:ea typeface="+mn-ea"/>
-              <a:cs typeface="+mn-cs"/>
-            </a:endParaRPr>
-          </a:p>
-          <a:p>
-            <a:r>
-              <a:rPr lang="en-US" dirty="0" smtClean="0"/>
-              <a:t>Peer Programing</a:t>
-            </a:r>
-          </a:p>
-          <a:p>
-            <a:r>
-              <a:rPr lang="en-US" dirty="0" err="1" smtClean="0"/>
-              <a:t>Im</a:t>
-            </a:r>
-            <a:r>
-              <a:rPr lang="en-US" dirty="0" smtClean="0"/>
-              <a:t> 2. Workshop </a:t>
-            </a:r>
-            <a:r>
-              <a:rPr lang="en-US" dirty="0" err="1" smtClean="0"/>
-              <a:t>Übergabe</a:t>
-            </a:r>
-            <a:endParaRPr lang="en-US" dirty="0" smtClean="0"/>
-          </a:p>
-          <a:p>
-            <a:r>
-              <a:rPr lang="en-US" dirty="0" err="1" smtClean="0"/>
-              <a:t>Umsetzung</a:t>
-            </a:r>
-            <a:r>
-              <a:rPr lang="en-US" dirty="0" smtClean="0"/>
-              <a:t> Integration </a:t>
-            </a:r>
-            <a:r>
-              <a:rPr lang="en-US" dirty="0" err="1" smtClean="0"/>
-              <a:t>ActiveMQ</a:t>
-            </a:r>
-            <a:r>
-              <a:rPr lang="en-US" dirty="0" smtClean="0"/>
-              <a:t> </a:t>
-            </a:r>
-            <a:r>
-              <a:rPr lang="en-US" dirty="0" err="1" smtClean="0"/>
-              <a:t>sowie</a:t>
-            </a:r>
-            <a:r>
-              <a:rPr lang="en-US" dirty="0" smtClean="0"/>
-              <a:t> </a:t>
-            </a:r>
-            <a:r>
-              <a:rPr lang="en-US" dirty="0" err="1" smtClean="0"/>
-              <a:t>Keycloak</a:t>
-            </a:r>
-            <a:r>
-              <a:rPr lang="en-US" dirty="0" smtClean="0"/>
-              <a:t>.</a:t>
-            </a:r>
-          </a:p>
-          <a:p>
-            <a:endParaRPr lang="de-DE" dirty="0" smtClean="0"/>
-          </a:p>
-        </p:txBody>
-      </p:sp>
-    </p:spTree>
-    <p:extLst>
-      <p:ext uri="{BB962C8B-B14F-4D97-AF65-F5344CB8AC3E}">
-        <p14:creationId xmlns:p14="http://schemas.microsoft.com/office/powerpoint/2010/main" val="1381646144"/>
-      </p:ext>
-    </p:extLst>
-  </p:cSld>
-  <p:clrMapOvr>
-    <a:masterClrMapping/>
-  </p:clrMapOvr>
-  <p:timing>
-    <p:tnLst>
-      <p:par>
-        <p:cTn id="1" dur="indefinite" restart="never" nodeType="tmRoot"/>
-      </p:par>
-    </p:tnLst>
-  </p:timing>
-</p:sld>
-</file>
-
 <file path=ppt/slides/slide2.xml><?xml version="1.0" encoding="utf-8"?>
 <p:sld xmlns:a="http://schemas.openxmlformats.org/drawingml/2006/main" xmlns:r="http://schemas.openxmlformats.org/officeDocument/2006/relationships" xmlns:p="http://schemas.openxmlformats.org/presentationml/2006/main">
   <p:cSld>
@@ -5889,6 +5864,50 @@
       </p:grpSpPr>
       <p:sp>
         <p:nvSpPr>
+          <p:cNvPr id="29698" name="Rectangle 2"/>
+          <p:cNvSpPr>
+            <a:spLocks noGrp="1" noChangeArrowheads="1"/>
+          </p:cNvSpPr>
+          <p:nvPr>
+            <p:ph type="title"/>
+          </p:nvPr>
+        </p:nvSpPr>
+        <p:spPr>
+          <a:xfrm>
+            <a:off x="323528" y="304800"/>
+            <a:ext cx="8352928" cy="1066800"/>
+          </a:xfrm>
+        </p:spPr>
+        <p:txBody>
+          <a:bodyPr/>
+          <a:lstStyle/>
+          <a:p>
+            <a:r>
+              <a:rPr lang="de-DE" altLang="de-DE" sz="4000" dirty="0" smtClean="0"/>
+              <a:t>2. </a:t>
+            </a:r>
+            <a:r>
+              <a:rPr lang="de-DE" altLang="de-DE" sz="4000" dirty="0"/>
+              <a:t>Sprint – </a:t>
+            </a:r>
+            <a:r>
+              <a:rPr lang="de-DE" altLang="de-DE" sz="4000" dirty="0" smtClean="0"/>
+              <a:t>Technische </a:t>
+            </a:r>
+            <a:r>
+              <a:rPr lang="de-DE" altLang="de-DE" sz="4000" dirty="0"/>
+              <a:t>I</a:t>
+            </a:r>
+            <a:r>
+              <a:rPr lang="de-DE" altLang="de-DE" sz="4000" dirty="0" smtClean="0"/>
+              <a:t>ntegration</a:t>
+            </a:r>
+            <a:endParaRPr lang="de-DE" altLang="de-DE" sz="4000" dirty="0"/>
+          </a:p>
+        </p:txBody>
+      </p:sp>
+      <p:sp>
+        <p:nvSpPr>
           <p:cNvPr id="29699" name="Rectangle 3"/>
           <p:cNvSpPr>
             <a:spLocks noGrp="1" noChangeArrowheads="1"/>
@@ -5899,29 +5918,163 @@
         </p:nvSpPr>
         <p:spPr>
           <a:xfrm>
-            <a:off x="251520" y="2708920"/>
-            <a:ext cx="8640960" cy="1472952"/>
+            <a:off x="251520" y="1268760"/>
+            <a:ext cx="8640960" cy="4114800"/>
           </a:xfrm>
         </p:spPr>
         <p:txBody>
           <a:bodyPr/>
           <a:lstStyle/>
           <a:p>
-            <a:pPr marL="0" indent="0" algn="ctr">
-              <a:buNone/>
-            </a:pPr>
-            <a:r>
-              <a:rPr lang="de-DE" sz="8000" dirty="0" smtClean="0"/>
-              <a:t>Fragen?</a:t>
-            </a:r>
-            <a:endParaRPr lang="de-DE" sz="8000" kern="0" dirty="0" smtClean="0"/>
+            <a:r>
+              <a:rPr lang="en-US" dirty="0" err="1" smtClean="0">
+                <a:solidFill>
+                  <a:schemeClr val="tx1"/>
+                </a:solidFill>
+                <a:latin typeface="+mn-lt"/>
+                <a:ea typeface="+mn-ea"/>
+                <a:cs typeface="+mn-cs"/>
+              </a:rPr>
+              <a:t>Dauer</a:t>
+            </a:r>
+            <a:r>
+              <a:rPr lang="en-US" dirty="0" smtClean="0">
+                <a:solidFill>
+                  <a:schemeClr val="tx1"/>
+                </a:solidFill>
+                <a:latin typeface="+mn-lt"/>
+                <a:ea typeface="+mn-ea"/>
+                <a:cs typeface="+mn-cs"/>
+              </a:rPr>
+              <a:t> 3 Workshops</a:t>
+            </a:r>
+          </a:p>
+          <a:p>
+            <a:r>
+              <a:rPr lang="en-US" dirty="0" smtClean="0">
+                <a:solidFill>
+                  <a:schemeClr val="tx1"/>
+                </a:solidFill>
+                <a:latin typeface="+mn-lt"/>
+                <a:ea typeface="+mn-ea"/>
+                <a:cs typeface="+mn-cs"/>
+              </a:rPr>
+              <a:t>2 Teams a 2 </a:t>
+            </a:r>
+            <a:r>
+              <a:rPr lang="en-US" dirty="0" err="1" smtClean="0">
+                <a:solidFill>
+                  <a:schemeClr val="tx1"/>
+                </a:solidFill>
+                <a:latin typeface="+mn-lt"/>
+                <a:ea typeface="+mn-ea"/>
+                <a:cs typeface="+mn-cs"/>
+              </a:rPr>
+              <a:t>Personen</a:t>
+            </a:r>
+            <a:endParaRPr lang="en-US" dirty="0" smtClean="0">
+              <a:solidFill>
+                <a:schemeClr val="tx1"/>
+              </a:solidFill>
+              <a:latin typeface="+mn-lt"/>
+              <a:ea typeface="+mn-ea"/>
+              <a:cs typeface="+mn-cs"/>
+            </a:endParaRPr>
+          </a:p>
+          <a:p>
+            <a:r>
+              <a:rPr lang="en-US" dirty="0" smtClean="0"/>
+              <a:t>Die </a:t>
+            </a:r>
+            <a:r>
+              <a:rPr lang="en-US" dirty="0" err="1" smtClean="0"/>
+              <a:t>Anderen</a:t>
+            </a:r>
+            <a:r>
+              <a:rPr lang="en-US" dirty="0" smtClean="0"/>
+              <a:t> </a:t>
+            </a:r>
+            <a:r>
+              <a:rPr lang="en-US" dirty="0" err="1" smtClean="0"/>
+              <a:t>finalisieren</a:t>
+            </a:r>
+            <a:r>
+              <a:rPr lang="en-US" dirty="0" smtClean="0"/>
+              <a:t> die MS</a:t>
+            </a:r>
+            <a:endParaRPr lang="en-US" dirty="0" smtClean="0">
+              <a:solidFill>
+                <a:schemeClr val="tx1"/>
+              </a:solidFill>
+              <a:latin typeface="+mn-lt"/>
+              <a:ea typeface="+mn-ea"/>
+              <a:cs typeface="+mn-cs"/>
+            </a:endParaRPr>
+          </a:p>
+          <a:p>
+            <a:r>
+              <a:rPr lang="en-US" dirty="0" smtClean="0"/>
+              <a:t>Peer Programing</a:t>
+            </a:r>
+          </a:p>
+          <a:p>
+            <a:r>
+              <a:rPr lang="en-US" dirty="0" err="1" smtClean="0"/>
+              <a:t>Im</a:t>
+            </a:r>
+            <a:r>
+              <a:rPr lang="en-US" dirty="0" smtClean="0"/>
+              <a:t> 2. Workshop </a:t>
+            </a:r>
+            <a:r>
+              <a:rPr lang="en-US" dirty="0" err="1" smtClean="0"/>
+              <a:t>Übergabe</a:t>
+            </a:r>
+            <a:endParaRPr lang="en-US" dirty="0" smtClean="0"/>
+          </a:p>
+          <a:p>
+            <a:r>
+              <a:rPr lang="en-US" dirty="0" err="1" smtClean="0"/>
+              <a:t>Umsetzung</a:t>
+            </a:r>
+            <a:r>
+              <a:rPr lang="en-US" dirty="0" smtClean="0"/>
+              <a:t> Integration </a:t>
+            </a:r>
+            <a:r>
+              <a:rPr lang="en-US" dirty="0" err="1" smtClean="0"/>
+              <a:t>ActiveMQ</a:t>
+            </a:r>
+            <a:r>
+              <a:rPr lang="en-US" dirty="0" smtClean="0"/>
+              <a:t> </a:t>
+            </a:r>
+            <a:r>
+              <a:rPr lang="en-US" dirty="0" err="1" smtClean="0"/>
+              <a:t>sowie</a:t>
+            </a:r>
+            <a:r>
+              <a:rPr lang="en-US" dirty="0" smtClean="0"/>
+              <a:t> </a:t>
+            </a:r>
+            <a:r>
+              <a:rPr lang="en-US" dirty="0" err="1" smtClean="0"/>
+              <a:t>Keycloak</a:t>
+            </a:r>
+            <a:r>
+              <a:rPr lang="en-US" dirty="0" smtClean="0"/>
+              <a:t>.</a:t>
+            </a:r>
+          </a:p>
+          <a:p>
+            <a:endParaRPr lang="de-DE" dirty="0" smtClean="0"/>
           </a:p>
         </p:txBody>
       </p:sp>
     </p:spTree>
     <p:extLst>
       <p:ext uri="{BB962C8B-B14F-4D97-AF65-F5344CB8AC3E}">
-        <p14:creationId xmlns:p14="http://schemas.microsoft.com/office/powerpoint/2010/main" val="4222495743"/>
+        <p14:creationId xmlns:p14="http://schemas.microsoft.com/office/powerpoint/2010/main" val="1381646144"/>
       </p:ext>
     </p:extLst>
   </p:cSld>
@@ -5955,6 +6108,74 @@
           <a:chExt cx="0" cy="0"/>
         </a:xfrm>
       </p:grpSpPr>
+      <p:sp>
+        <p:nvSpPr>
+          <p:cNvPr id="29699" name="Rectangle 3"/>
+          <p:cNvSpPr>
+            <a:spLocks noGrp="1" noChangeArrowheads="1"/>
+          </p:cNvSpPr>
+          <p:nvPr>
+            <p:ph type="body" idx="1"/>
+          </p:nvPr>
+        </p:nvSpPr>
+        <p:spPr>
+          <a:xfrm>
+            <a:off x="251520" y="2708920"/>
+            <a:ext cx="8640960" cy="1472952"/>
+          </a:xfrm>
+        </p:spPr>
+        <p:txBody>
+          <a:bodyPr/>
+          <a:lstStyle/>
+          <a:p>
+            <a:pPr marL="0" indent="0" algn="ctr">
+              <a:buNone/>
+            </a:pPr>
+            <a:r>
+              <a:rPr lang="de-DE" sz="8000" dirty="0" smtClean="0"/>
+              <a:t>Fragen?</a:t>
+            </a:r>
+            <a:endParaRPr lang="de-DE" sz="8000" kern="0" dirty="0" smtClean="0"/>
+          </a:p>
+        </p:txBody>
+      </p:sp>
+    </p:spTree>
+    <p:extLst>
+      <p:ext uri="{BB962C8B-B14F-4D97-AF65-F5344CB8AC3E}">
+        <p14:creationId xmlns:p14="http://schemas.microsoft.com/office/powerpoint/2010/main" val="4222495743"/>
+      </p:ext>
+    </p:extLst>
+  </p:cSld>
+  <p:clrMapOvr>
+    <a:masterClrMapping/>
+  </p:clrMapOvr>
+  <p:timing>
+    <p:tnLst>
+      <p:par>
+        <p:cTn id="1" dur="indefinite" restart="never" nodeType="tmRoot"/>
+      </p:par>
+    </p:tnLst>
+  </p:timing>
+</p:sld>
+</file>
+
+<file path=ppt/slides/slide22.xml><?xml version="1.0" encoding="utf-8"?>
+<p:sld xmlns:a="http://schemas.openxmlformats.org/drawingml/2006/main" xmlns:r="http://schemas.openxmlformats.org/officeDocument/2006/relationships" xmlns:p="http://schemas.openxmlformats.org/presentationml/2006/main">
+  <p:cSld>
+    <p:spTree>
+      <p:nvGrpSpPr>
+        <p:cNvPr id="1" name=""/>
+        <p:cNvGrpSpPr/>
+        <p:nvPr/>
+      </p:nvGrpSpPr>
+      <p:grpSpPr>
+        <a:xfrm>
+          <a:off x="0" y="0"/>
+          <a:ext cx="0" cy="0"/>
+          <a:chOff x="0" y="0"/>
+          <a:chExt cx="0" cy="0"/>
+        </a:xfrm>
+      </p:grpSpPr>
       <p:pic>
         <p:nvPicPr>
           <p:cNvPr id="4" name="Grafik 3"/>
@@ -6175,7 +6396,7 @@
             <a:fld id="{9B01E20D-5814-1B4F-AA3F-17C39DD0C7B6}" type="slidenum">
               <a:rPr lang="de-DE" smtClean="0"/>
               <a:pPr/>
-              <a:t>21</a:t>
+              <a:t>22</a:t>
             </a:fld>
             <a:endParaRPr lang="de-DE" dirty="0"/>
           </a:p>
@@ -6201,7 +6422,7 @@
 </p:sld>
 </file>
 
-<file path=ppt/slides/slide22.xml><?xml version="1.0" encoding="utf-8"?>
+<file path=ppt/slides/slide23.xml><?xml version="1.0" encoding="utf-8"?>
 <p:sld xmlns:a="http://schemas.openxmlformats.org/drawingml/2006/main" xmlns:r="http://schemas.openxmlformats.org/officeDocument/2006/relationships" xmlns:p="http://schemas.openxmlformats.org/presentationml/2006/main">
   <p:cSld>
     <p:spTree>

--- a/doc/Resilient Microservices.pptx
+++ b/doc/Resilient Microservices.pptx
@@ -3151,12 +3151,9 @@
               <a:rPr lang="en-US" dirty="0"/>
             </a:br>
             <a:r>
-              <a:rPr lang="en-US" dirty="0">
-                <a:hlinkClick r:id="rId2"/>
-              </a:rPr>
-              <a:t>https://java.com/de/download/</a:t>
-            </a:r>
-            <a:endParaRPr lang="en-US" dirty="0"/>
+              <a:rPr lang="en-US" dirty="0"/>
+              <a:t>https://www.oracle.com/java/technologies/javase/javase-jdk8-downloads.html</a:t>
+            </a:r>
           </a:p>
           <a:p>
             <a:r>
